--- a/VUBA.pptx
+++ b/VUBA.pptx
@@ -7,6 +7,9 @@
   <p:sldIdLst>
     <p:sldId id="256" r:id="rId2"/>
     <p:sldId id="257" r:id="rId3"/>
+    <p:sldId id="258" r:id="rId4"/>
+    <p:sldId id="259" r:id="rId5"/>
+    <p:sldId id="260" r:id="rId6"/>
   </p:sldIdLst>
   <p:sldSz cx="12192000" cy="6858000"/>
   <p:notesSz cx="6858000" cy="9144000"/>
@@ -111,6 +114,2658 @@
     </p:ext>
   </p:extLst>
 </p:presentation>
+</file>
+
+<file path=ppt/diagrams/colors1.xml><?xml version="1.0" encoding="utf-8"?>
+<dgm:colorsDef xmlns:dgm="http://schemas.openxmlformats.org/drawingml/2006/diagram" xmlns:a="http://schemas.openxmlformats.org/drawingml/2006/main" uniqueId="urn:microsoft.com/office/officeart/2005/8/colors/accent1_2">
+  <dgm:title val=""/>
+  <dgm:desc val=""/>
+  <dgm:catLst>
+    <dgm:cat type="accent1" pri="11200"/>
+  </dgm:catLst>
+  <dgm:styleLbl name="node0">
+    <dgm:fillClrLst meth="repeat">
+      <a:schemeClr val="accent1"/>
+    </dgm:fillClrLst>
+    <dgm:linClrLst meth="repeat">
+      <a:schemeClr val="lt1"/>
+    </dgm:linClrLst>
+    <dgm:effectClrLst/>
+    <dgm:txLinClrLst/>
+    <dgm:txFillClrLst/>
+    <dgm:txEffectClrLst/>
+  </dgm:styleLbl>
+  <dgm:styleLbl name="alignNode1">
+    <dgm:fillClrLst meth="repeat">
+      <a:schemeClr val="accent1"/>
+    </dgm:fillClrLst>
+    <dgm:linClrLst meth="repeat">
+      <a:schemeClr val="accent1"/>
+    </dgm:linClrLst>
+    <dgm:effectClrLst/>
+    <dgm:txLinClrLst/>
+    <dgm:txFillClrLst/>
+    <dgm:txEffectClrLst/>
+  </dgm:styleLbl>
+  <dgm:styleLbl name="node1">
+    <dgm:fillClrLst meth="repeat">
+      <a:schemeClr val="accent1"/>
+    </dgm:fillClrLst>
+    <dgm:linClrLst meth="repeat">
+      <a:schemeClr val="lt1"/>
+    </dgm:linClrLst>
+    <dgm:effectClrLst/>
+    <dgm:txLinClrLst/>
+    <dgm:txFillClrLst/>
+    <dgm:txEffectClrLst/>
+  </dgm:styleLbl>
+  <dgm:styleLbl name="lnNode1">
+    <dgm:fillClrLst meth="repeat">
+      <a:schemeClr val="accent1"/>
+    </dgm:fillClrLst>
+    <dgm:linClrLst meth="repeat">
+      <a:schemeClr val="lt1"/>
+    </dgm:linClrLst>
+    <dgm:effectClrLst/>
+    <dgm:txLinClrLst/>
+    <dgm:txFillClrLst/>
+    <dgm:txEffectClrLst/>
+  </dgm:styleLbl>
+  <dgm:styleLbl name="vennNode1">
+    <dgm:fillClrLst meth="repeat">
+      <a:schemeClr val="accent1">
+        <a:alpha val="50000"/>
+      </a:schemeClr>
+    </dgm:fillClrLst>
+    <dgm:linClrLst meth="repeat">
+      <a:schemeClr val="lt1"/>
+    </dgm:linClrLst>
+    <dgm:effectClrLst/>
+    <dgm:txLinClrLst/>
+    <dgm:txFillClrLst/>
+    <dgm:txEffectClrLst/>
+  </dgm:styleLbl>
+  <dgm:styleLbl name="node2">
+    <dgm:fillClrLst meth="repeat">
+      <a:schemeClr val="accent1"/>
+    </dgm:fillClrLst>
+    <dgm:linClrLst meth="repeat">
+      <a:schemeClr val="lt1"/>
+    </dgm:linClrLst>
+    <dgm:effectClrLst/>
+    <dgm:txLinClrLst/>
+    <dgm:txFillClrLst/>
+    <dgm:txEffectClrLst/>
+  </dgm:styleLbl>
+  <dgm:styleLbl name="node3">
+    <dgm:fillClrLst meth="repeat">
+      <a:schemeClr val="accent1"/>
+    </dgm:fillClrLst>
+    <dgm:linClrLst meth="repeat">
+      <a:schemeClr val="lt1"/>
+    </dgm:linClrLst>
+    <dgm:effectClrLst/>
+    <dgm:txLinClrLst/>
+    <dgm:txFillClrLst/>
+    <dgm:txEffectClrLst/>
+  </dgm:styleLbl>
+  <dgm:styleLbl name="node4">
+    <dgm:fillClrLst meth="repeat">
+      <a:schemeClr val="accent1"/>
+    </dgm:fillClrLst>
+    <dgm:linClrLst meth="repeat">
+      <a:schemeClr val="lt1"/>
+    </dgm:linClrLst>
+    <dgm:effectClrLst/>
+    <dgm:txLinClrLst/>
+    <dgm:txFillClrLst/>
+    <dgm:txEffectClrLst/>
+  </dgm:styleLbl>
+  <dgm:styleLbl name="fgImgPlace1">
+    <dgm:fillClrLst meth="repeat">
+      <a:schemeClr val="accent1">
+        <a:tint val="50000"/>
+      </a:schemeClr>
+    </dgm:fillClrLst>
+    <dgm:linClrLst meth="repeat">
+      <a:schemeClr val="lt1"/>
+    </dgm:linClrLst>
+    <dgm:effectClrLst/>
+    <dgm:txLinClrLst/>
+    <dgm:txFillClrLst meth="repeat">
+      <a:schemeClr val="lt1"/>
+    </dgm:txFillClrLst>
+    <dgm:txEffectClrLst/>
+  </dgm:styleLbl>
+  <dgm:styleLbl name="alignImgPlace1">
+    <dgm:fillClrLst meth="repeat">
+      <a:schemeClr val="accent1">
+        <a:tint val="50000"/>
+      </a:schemeClr>
+    </dgm:fillClrLst>
+    <dgm:linClrLst meth="repeat">
+      <a:schemeClr val="lt1"/>
+    </dgm:linClrLst>
+    <dgm:effectClrLst/>
+    <dgm:txLinClrLst/>
+    <dgm:txFillClrLst meth="repeat">
+      <a:schemeClr val="lt1"/>
+    </dgm:txFillClrLst>
+    <dgm:txEffectClrLst/>
+  </dgm:styleLbl>
+  <dgm:styleLbl name="bgImgPlace1">
+    <dgm:fillClrLst meth="repeat">
+      <a:schemeClr val="accent1">
+        <a:tint val="50000"/>
+      </a:schemeClr>
+    </dgm:fillClrLst>
+    <dgm:linClrLst meth="repeat">
+      <a:schemeClr val="lt1"/>
+    </dgm:linClrLst>
+    <dgm:effectClrLst/>
+    <dgm:txLinClrLst/>
+    <dgm:txFillClrLst meth="repeat">
+      <a:schemeClr val="lt1"/>
+    </dgm:txFillClrLst>
+    <dgm:txEffectClrLst/>
+  </dgm:styleLbl>
+  <dgm:styleLbl name="sibTrans2D1">
+    <dgm:fillClrLst meth="repeat">
+      <a:schemeClr val="accent1">
+        <a:tint val="60000"/>
+      </a:schemeClr>
+    </dgm:fillClrLst>
+    <dgm:linClrLst meth="repeat">
+      <a:schemeClr val="accent1">
+        <a:tint val="60000"/>
+      </a:schemeClr>
+    </dgm:linClrLst>
+    <dgm:effectClrLst/>
+    <dgm:txLinClrLst/>
+    <dgm:txFillClrLst/>
+    <dgm:txEffectClrLst/>
+  </dgm:styleLbl>
+  <dgm:styleLbl name="fgSibTrans2D1">
+    <dgm:fillClrLst meth="repeat">
+      <a:schemeClr val="accent1">
+        <a:tint val="60000"/>
+      </a:schemeClr>
+    </dgm:fillClrLst>
+    <dgm:linClrLst meth="repeat">
+      <a:schemeClr val="accent1">
+        <a:tint val="60000"/>
+      </a:schemeClr>
+    </dgm:linClrLst>
+    <dgm:effectClrLst/>
+    <dgm:txLinClrLst/>
+    <dgm:txFillClrLst/>
+    <dgm:txEffectClrLst/>
+  </dgm:styleLbl>
+  <dgm:styleLbl name="bgSibTrans2D1">
+    <dgm:fillClrLst meth="repeat">
+      <a:schemeClr val="accent1">
+        <a:tint val="60000"/>
+      </a:schemeClr>
+    </dgm:fillClrLst>
+    <dgm:linClrLst meth="repeat">
+      <a:schemeClr val="accent1">
+        <a:tint val="60000"/>
+      </a:schemeClr>
+    </dgm:linClrLst>
+    <dgm:effectClrLst/>
+    <dgm:txLinClrLst/>
+    <dgm:txFillClrLst/>
+    <dgm:txEffectClrLst/>
+  </dgm:styleLbl>
+  <dgm:styleLbl name="sibTrans1D1">
+    <dgm:fillClrLst meth="repeat">
+      <a:schemeClr val="accent1"/>
+    </dgm:fillClrLst>
+    <dgm:linClrLst meth="repeat">
+      <a:schemeClr val="accent1"/>
+    </dgm:linClrLst>
+    <dgm:effectClrLst/>
+    <dgm:txLinClrLst/>
+    <dgm:txFillClrLst meth="repeat">
+      <a:schemeClr val="tx1"/>
+    </dgm:txFillClrLst>
+    <dgm:txEffectClrLst/>
+  </dgm:styleLbl>
+  <dgm:styleLbl name="callout">
+    <dgm:fillClrLst meth="repeat">
+      <a:schemeClr val="accent1"/>
+    </dgm:fillClrLst>
+    <dgm:linClrLst meth="repeat">
+      <a:schemeClr val="accent1">
+        <a:tint val="50000"/>
+      </a:schemeClr>
+    </dgm:linClrLst>
+    <dgm:effectClrLst/>
+    <dgm:txLinClrLst/>
+    <dgm:txFillClrLst meth="repeat">
+      <a:schemeClr val="tx1"/>
+    </dgm:txFillClrLst>
+    <dgm:txEffectClrLst/>
+  </dgm:styleLbl>
+  <dgm:styleLbl name="asst0">
+    <dgm:fillClrLst meth="repeat">
+      <a:schemeClr val="accent1"/>
+    </dgm:fillClrLst>
+    <dgm:linClrLst meth="repeat">
+      <a:schemeClr val="lt1"/>
+    </dgm:linClrLst>
+    <dgm:effectClrLst/>
+    <dgm:txLinClrLst/>
+    <dgm:txFillClrLst/>
+    <dgm:txEffectClrLst/>
+  </dgm:styleLbl>
+  <dgm:styleLbl name="asst1">
+    <dgm:fillClrLst meth="repeat">
+      <a:schemeClr val="accent1"/>
+    </dgm:fillClrLst>
+    <dgm:linClrLst meth="repeat">
+      <a:schemeClr val="lt1"/>
+    </dgm:linClrLst>
+    <dgm:effectClrLst/>
+    <dgm:txLinClrLst/>
+    <dgm:txFillClrLst/>
+    <dgm:txEffectClrLst/>
+  </dgm:styleLbl>
+  <dgm:styleLbl name="asst2">
+    <dgm:fillClrLst meth="repeat">
+      <a:schemeClr val="accent1"/>
+    </dgm:fillClrLst>
+    <dgm:linClrLst meth="repeat">
+      <a:schemeClr val="lt1"/>
+    </dgm:linClrLst>
+    <dgm:effectClrLst/>
+    <dgm:txLinClrLst/>
+    <dgm:txFillClrLst/>
+    <dgm:txEffectClrLst/>
+  </dgm:styleLbl>
+  <dgm:styleLbl name="asst3">
+    <dgm:fillClrLst meth="repeat">
+      <a:schemeClr val="accent1"/>
+    </dgm:fillClrLst>
+    <dgm:linClrLst meth="repeat">
+      <a:schemeClr val="lt1"/>
+    </dgm:linClrLst>
+    <dgm:effectClrLst/>
+    <dgm:txLinClrLst/>
+    <dgm:txFillClrLst/>
+    <dgm:txEffectClrLst/>
+  </dgm:styleLbl>
+  <dgm:styleLbl name="asst4">
+    <dgm:fillClrLst meth="repeat">
+      <a:schemeClr val="accent1"/>
+    </dgm:fillClrLst>
+    <dgm:linClrLst meth="repeat">
+      <a:schemeClr val="lt1"/>
+    </dgm:linClrLst>
+    <dgm:effectClrLst/>
+    <dgm:txLinClrLst/>
+    <dgm:txFillClrLst/>
+    <dgm:txEffectClrLst/>
+  </dgm:styleLbl>
+  <dgm:styleLbl name="parChTrans2D1">
+    <dgm:fillClrLst meth="repeat">
+      <a:schemeClr val="accent1">
+        <a:tint val="60000"/>
+      </a:schemeClr>
+    </dgm:fillClrLst>
+    <dgm:linClrLst meth="repeat">
+      <a:schemeClr val="accent1">
+        <a:tint val="60000"/>
+      </a:schemeClr>
+    </dgm:linClrLst>
+    <dgm:effectClrLst/>
+    <dgm:txLinClrLst/>
+    <dgm:txFillClrLst meth="repeat">
+      <a:schemeClr val="lt1"/>
+    </dgm:txFillClrLst>
+    <dgm:txEffectClrLst/>
+  </dgm:styleLbl>
+  <dgm:styleLbl name="parChTrans2D2">
+    <dgm:fillClrLst meth="repeat">
+      <a:schemeClr val="accent1"/>
+    </dgm:fillClrLst>
+    <dgm:linClrLst meth="repeat">
+      <a:schemeClr val="accent1"/>
+    </dgm:linClrLst>
+    <dgm:effectClrLst/>
+    <dgm:txLinClrLst/>
+    <dgm:txFillClrLst meth="repeat">
+      <a:schemeClr val="lt1"/>
+    </dgm:txFillClrLst>
+    <dgm:txEffectClrLst/>
+  </dgm:styleLbl>
+  <dgm:styleLbl name="parChTrans2D3">
+    <dgm:fillClrLst meth="repeat">
+      <a:schemeClr val="accent1"/>
+    </dgm:fillClrLst>
+    <dgm:linClrLst meth="repeat">
+      <a:schemeClr val="accent1"/>
+    </dgm:linClrLst>
+    <dgm:effectClrLst/>
+    <dgm:txLinClrLst/>
+    <dgm:txFillClrLst meth="repeat">
+      <a:schemeClr val="lt1"/>
+    </dgm:txFillClrLst>
+    <dgm:txEffectClrLst/>
+  </dgm:styleLbl>
+  <dgm:styleLbl name="parChTrans2D4">
+    <dgm:fillClrLst meth="repeat">
+      <a:schemeClr val="accent1"/>
+    </dgm:fillClrLst>
+    <dgm:linClrLst meth="repeat">
+      <a:schemeClr val="accent1"/>
+    </dgm:linClrLst>
+    <dgm:effectClrLst/>
+    <dgm:txLinClrLst/>
+    <dgm:txFillClrLst meth="repeat">
+      <a:schemeClr val="lt1"/>
+    </dgm:txFillClrLst>
+    <dgm:txEffectClrLst/>
+  </dgm:styleLbl>
+  <dgm:styleLbl name="parChTrans1D1">
+    <dgm:fillClrLst meth="repeat">
+      <a:schemeClr val="accent1"/>
+    </dgm:fillClrLst>
+    <dgm:linClrLst meth="repeat">
+      <a:schemeClr val="accent1">
+        <a:shade val="60000"/>
+      </a:schemeClr>
+    </dgm:linClrLst>
+    <dgm:effectClrLst/>
+    <dgm:txLinClrLst/>
+    <dgm:txFillClrLst meth="repeat">
+      <a:schemeClr val="tx1"/>
+    </dgm:txFillClrLst>
+    <dgm:txEffectClrLst/>
+  </dgm:styleLbl>
+  <dgm:styleLbl name="parChTrans1D2">
+    <dgm:fillClrLst meth="repeat">
+      <a:schemeClr val="accent1"/>
+    </dgm:fillClrLst>
+    <dgm:linClrLst meth="repeat">
+      <a:schemeClr val="accent1">
+        <a:shade val="60000"/>
+      </a:schemeClr>
+    </dgm:linClrLst>
+    <dgm:effectClrLst/>
+    <dgm:txLinClrLst/>
+    <dgm:txFillClrLst meth="repeat">
+      <a:schemeClr val="tx1"/>
+    </dgm:txFillClrLst>
+    <dgm:txEffectClrLst/>
+  </dgm:styleLbl>
+  <dgm:styleLbl name="parChTrans1D3">
+    <dgm:fillClrLst meth="repeat">
+      <a:schemeClr val="accent1"/>
+    </dgm:fillClrLst>
+    <dgm:linClrLst meth="repeat">
+      <a:schemeClr val="accent1">
+        <a:shade val="80000"/>
+      </a:schemeClr>
+    </dgm:linClrLst>
+    <dgm:effectClrLst/>
+    <dgm:txLinClrLst/>
+    <dgm:txFillClrLst meth="repeat">
+      <a:schemeClr val="tx1"/>
+    </dgm:txFillClrLst>
+    <dgm:txEffectClrLst/>
+  </dgm:styleLbl>
+  <dgm:styleLbl name="parChTrans1D4">
+    <dgm:fillClrLst meth="repeat">
+      <a:schemeClr val="accent1"/>
+    </dgm:fillClrLst>
+    <dgm:linClrLst meth="repeat">
+      <a:schemeClr val="accent1">
+        <a:shade val="80000"/>
+      </a:schemeClr>
+    </dgm:linClrLst>
+    <dgm:effectClrLst/>
+    <dgm:txLinClrLst/>
+    <dgm:txFillClrLst meth="repeat">
+      <a:schemeClr val="tx1"/>
+    </dgm:txFillClrLst>
+    <dgm:txEffectClrLst/>
+  </dgm:styleLbl>
+  <dgm:styleLbl name="fgAcc1">
+    <dgm:fillClrLst meth="repeat">
+      <a:schemeClr val="lt1">
+        <a:alpha val="90000"/>
+      </a:schemeClr>
+    </dgm:fillClrLst>
+    <dgm:linClrLst meth="repeat">
+      <a:schemeClr val="accent1"/>
+    </dgm:linClrLst>
+    <dgm:effectClrLst/>
+    <dgm:txLinClrLst/>
+    <dgm:txFillClrLst meth="repeat">
+      <a:schemeClr val="dk1"/>
+    </dgm:txFillClrLst>
+    <dgm:txEffectClrLst/>
+  </dgm:styleLbl>
+  <dgm:styleLbl name="conFgAcc1">
+    <dgm:fillClrLst meth="repeat">
+      <a:schemeClr val="lt1">
+        <a:alpha val="90000"/>
+      </a:schemeClr>
+    </dgm:fillClrLst>
+    <dgm:linClrLst meth="repeat">
+      <a:schemeClr val="accent1"/>
+    </dgm:linClrLst>
+    <dgm:effectClrLst/>
+    <dgm:txLinClrLst/>
+    <dgm:txFillClrLst meth="repeat">
+      <a:schemeClr val="dk1"/>
+    </dgm:txFillClrLst>
+    <dgm:txEffectClrLst/>
+  </dgm:styleLbl>
+  <dgm:styleLbl name="alignAcc1">
+    <dgm:fillClrLst meth="repeat">
+      <a:schemeClr val="lt1">
+        <a:alpha val="90000"/>
+      </a:schemeClr>
+    </dgm:fillClrLst>
+    <dgm:linClrLst meth="repeat">
+      <a:schemeClr val="accent1"/>
+    </dgm:linClrLst>
+    <dgm:effectClrLst/>
+    <dgm:txLinClrLst/>
+    <dgm:txFillClrLst meth="repeat">
+      <a:schemeClr val="dk1"/>
+    </dgm:txFillClrLst>
+    <dgm:txEffectClrLst/>
+  </dgm:styleLbl>
+  <dgm:styleLbl name="trAlignAcc1">
+    <dgm:fillClrLst meth="repeat">
+      <a:schemeClr val="lt1">
+        <a:alpha val="40000"/>
+      </a:schemeClr>
+    </dgm:fillClrLst>
+    <dgm:linClrLst meth="repeat">
+      <a:schemeClr val="accent1"/>
+    </dgm:linClrLst>
+    <dgm:effectClrLst/>
+    <dgm:txLinClrLst/>
+    <dgm:txFillClrLst meth="repeat">
+      <a:schemeClr val="dk1"/>
+    </dgm:txFillClrLst>
+    <dgm:txEffectClrLst/>
+  </dgm:styleLbl>
+  <dgm:styleLbl name="bgAcc1">
+    <dgm:fillClrLst meth="repeat">
+      <a:schemeClr val="lt1">
+        <a:alpha val="90000"/>
+      </a:schemeClr>
+    </dgm:fillClrLst>
+    <dgm:linClrLst meth="repeat">
+      <a:schemeClr val="accent1"/>
+    </dgm:linClrLst>
+    <dgm:effectClrLst/>
+    <dgm:txLinClrLst/>
+    <dgm:txFillClrLst meth="repeat">
+      <a:schemeClr val="dk1"/>
+    </dgm:txFillClrLst>
+    <dgm:txEffectClrLst/>
+  </dgm:styleLbl>
+  <dgm:styleLbl name="solidFgAcc1">
+    <dgm:fillClrLst meth="repeat">
+      <a:schemeClr val="lt1"/>
+    </dgm:fillClrLst>
+    <dgm:linClrLst meth="repeat">
+      <a:schemeClr val="accent1"/>
+    </dgm:linClrLst>
+    <dgm:effectClrLst/>
+    <dgm:txLinClrLst/>
+    <dgm:txFillClrLst meth="repeat">
+      <a:schemeClr val="dk1"/>
+    </dgm:txFillClrLst>
+    <dgm:txEffectClrLst/>
+  </dgm:styleLbl>
+  <dgm:styleLbl name="solidAlignAcc1">
+    <dgm:fillClrLst meth="repeat">
+      <a:schemeClr val="lt1"/>
+    </dgm:fillClrLst>
+    <dgm:linClrLst meth="repeat">
+      <a:schemeClr val="accent1"/>
+    </dgm:linClrLst>
+    <dgm:effectClrLst/>
+    <dgm:txLinClrLst/>
+    <dgm:txFillClrLst meth="repeat">
+      <a:schemeClr val="dk1"/>
+    </dgm:txFillClrLst>
+    <dgm:txEffectClrLst/>
+  </dgm:styleLbl>
+  <dgm:styleLbl name="solidBgAcc1">
+    <dgm:fillClrLst meth="repeat">
+      <a:schemeClr val="lt1"/>
+    </dgm:fillClrLst>
+    <dgm:linClrLst meth="repeat">
+      <a:schemeClr val="accent1"/>
+    </dgm:linClrLst>
+    <dgm:effectClrLst/>
+    <dgm:txLinClrLst/>
+    <dgm:txFillClrLst meth="repeat">
+      <a:schemeClr val="dk1"/>
+    </dgm:txFillClrLst>
+    <dgm:txEffectClrLst/>
+  </dgm:styleLbl>
+  <dgm:styleLbl name="fgAccFollowNode1">
+    <dgm:fillClrLst meth="repeat">
+      <a:schemeClr val="accent1">
+        <a:alpha val="90000"/>
+        <a:tint val="40000"/>
+      </a:schemeClr>
+    </dgm:fillClrLst>
+    <dgm:linClrLst meth="repeat">
+      <a:schemeClr val="accent1">
+        <a:alpha val="90000"/>
+        <a:tint val="40000"/>
+      </a:schemeClr>
+    </dgm:linClrLst>
+    <dgm:effectClrLst/>
+    <dgm:txLinClrLst/>
+    <dgm:txFillClrLst meth="repeat">
+      <a:schemeClr val="dk1"/>
+    </dgm:txFillClrLst>
+    <dgm:txEffectClrLst/>
+  </dgm:styleLbl>
+  <dgm:styleLbl name="alignAccFollowNode1">
+    <dgm:fillClrLst meth="repeat">
+      <a:schemeClr val="accent1">
+        <a:alpha val="90000"/>
+        <a:tint val="40000"/>
+      </a:schemeClr>
+    </dgm:fillClrLst>
+    <dgm:linClrLst meth="repeat">
+      <a:schemeClr val="accent1">
+        <a:alpha val="90000"/>
+        <a:tint val="40000"/>
+      </a:schemeClr>
+    </dgm:linClrLst>
+    <dgm:effectClrLst/>
+    <dgm:txLinClrLst/>
+    <dgm:txFillClrLst meth="repeat">
+      <a:schemeClr val="dk1"/>
+    </dgm:txFillClrLst>
+    <dgm:txEffectClrLst/>
+  </dgm:styleLbl>
+  <dgm:styleLbl name="bgAccFollowNode1">
+    <dgm:fillClrLst meth="repeat">
+      <a:schemeClr val="accent1">
+        <a:alpha val="90000"/>
+        <a:tint val="40000"/>
+      </a:schemeClr>
+    </dgm:fillClrLst>
+    <dgm:linClrLst meth="repeat">
+      <a:schemeClr val="accent1">
+        <a:alpha val="90000"/>
+        <a:tint val="40000"/>
+      </a:schemeClr>
+    </dgm:linClrLst>
+    <dgm:effectClrLst/>
+    <dgm:txLinClrLst/>
+    <dgm:txFillClrLst meth="repeat">
+      <a:schemeClr val="dk1"/>
+    </dgm:txFillClrLst>
+    <dgm:txEffectClrLst/>
+  </dgm:styleLbl>
+  <dgm:styleLbl name="fgAcc0">
+    <dgm:fillClrLst meth="repeat">
+      <a:schemeClr val="lt1">
+        <a:alpha val="90000"/>
+      </a:schemeClr>
+    </dgm:fillClrLst>
+    <dgm:linClrLst meth="repeat">
+      <a:schemeClr val="accent1"/>
+    </dgm:linClrLst>
+    <dgm:effectClrLst/>
+    <dgm:txLinClrLst/>
+    <dgm:txFillClrLst meth="repeat">
+      <a:schemeClr val="dk1"/>
+    </dgm:txFillClrLst>
+    <dgm:txEffectClrLst/>
+  </dgm:styleLbl>
+  <dgm:styleLbl name="fgAcc2">
+    <dgm:fillClrLst meth="repeat">
+      <a:schemeClr val="lt1">
+        <a:alpha val="90000"/>
+      </a:schemeClr>
+    </dgm:fillClrLst>
+    <dgm:linClrLst meth="repeat">
+      <a:schemeClr val="accent1"/>
+    </dgm:linClrLst>
+    <dgm:effectClrLst/>
+    <dgm:txLinClrLst/>
+    <dgm:txFillClrLst meth="repeat">
+      <a:schemeClr val="dk1"/>
+    </dgm:txFillClrLst>
+    <dgm:txEffectClrLst/>
+  </dgm:styleLbl>
+  <dgm:styleLbl name="fgAcc3">
+    <dgm:fillClrLst meth="repeat">
+      <a:schemeClr val="lt1">
+        <a:alpha val="90000"/>
+      </a:schemeClr>
+    </dgm:fillClrLst>
+    <dgm:linClrLst meth="repeat">
+      <a:schemeClr val="accent1"/>
+    </dgm:linClrLst>
+    <dgm:effectClrLst/>
+    <dgm:txLinClrLst/>
+    <dgm:txFillClrLst meth="repeat">
+      <a:schemeClr val="dk1"/>
+    </dgm:txFillClrLst>
+    <dgm:txEffectClrLst/>
+  </dgm:styleLbl>
+  <dgm:styleLbl name="fgAcc4">
+    <dgm:fillClrLst meth="repeat">
+      <a:schemeClr val="lt1">
+        <a:alpha val="90000"/>
+      </a:schemeClr>
+    </dgm:fillClrLst>
+    <dgm:linClrLst meth="repeat">
+      <a:schemeClr val="accent1"/>
+    </dgm:linClrLst>
+    <dgm:effectClrLst/>
+    <dgm:txLinClrLst/>
+    <dgm:txFillClrLst meth="repeat">
+      <a:schemeClr val="dk1"/>
+    </dgm:txFillClrLst>
+    <dgm:txEffectClrLst/>
+  </dgm:styleLbl>
+  <dgm:styleLbl name="bgShp">
+    <dgm:fillClrLst meth="repeat">
+      <a:schemeClr val="accent1">
+        <a:tint val="40000"/>
+      </a:schemeClr>
+    </dgm:fillClrLst>
+    <dgm:linClrLst meth="repeat">
+      <a:schemeClr val="accent1"/>
+    </dgm:linClrLst>
+    <dgm:effectClrLst/>
+    <dgm:txLinClrLst/>
+    <dgm:txFillClrLst meth="repeat">
+      <a:schemeClr val="dk1"/>
+    </dgm:txFillClrLst>
+    <dgm:txEffectClrLst/>
+  </dgm:styleLbl>
+  <dgm:styleLbl name="dkBgShp">
+    <dgm:fillClrLst meth="repeat">
+      <a:schemeClr val="accent1">
+        <a:shade val="80000"/>
+      </a:schemeClr>
+    </dgm:fillClrLst>
+    <dgm:linClrLst meth="repeat">
+      <a:schemeClr val="accent1"/>
+    </dgm:linClrLst>
+    <dgm:effectClrLst/>
+    <dgm:txLinClrLst/>
+    <dgm:txFillClrLst meth="repeat">
+      <a:schemeClr val="lt1"/>
+    </dgm:txFillClrLst>
+    <dgm:txEffectClrLst/>
+  </dgm:styleLbl>
+  <dgm:styleLbl name="trBgShp">
+    <dgm:fillClrLst meth="repeat">
+      <a:schemeClr val="accent1">
+        <a:tint val="50000"/>
+        <a:alpha val="40000"/>
+      </a:schemeClr>
+    </dgm:fillClrLst>
+    <dgm:linClrLst meth="repeat">
+      <a:schemeClr val="accent1"/>
+    </dgm:linClrLst>
+    <dgm:effectClrLst/>
+    <dgm:txLinClrLst/>
+    <dgm:txFillClrLst meth="repeat">
+      <a:schemeClr val="lt1"/>
+    </dgm:txFillClrLst>
+    <dgm:txEffectClrLst/>
+  </dgm:styleLbl>
+  <dgm:styleLbl name="fgShp">
+    <dgm:fillClrLst meth="repeat">
+      <a:schemeClr val="accent1">
+        <a:tint val="60000"/>
+      </a:schemeClr>
+    </dgm:fillClrLst>
+    <dgm:linClrLst meth="repeat">
+      <a:schemeClr val="lt1"/>
+    </dgm:linClrLst>
+    <dgm:effectClrLst/>
+    <dgm:txLinClrLst/>
+    <dgm:txFillClrLst meth="repeat">
+      <a:schemeClr val="dk1"/>
+    </dgm:txFillClrLst>
+    <dgm:txEffectClrLst/>
+  </dgm:styleLbl>
+  <dgm:styleLbl name="revTx">
+    <dgm:fillClrLst meth="repeat">
+      <a:schemeClr val="lt1">
+        <a:alpha val="0"/>
+      </a:schemeClr>
+    </dgm:fillClrLst>
+    <dgm:linClrLst meth="repeat">
+      <a:schemeClr val="dk1">
+        <a:alpha val="0"/>
+      </a:schemeClr>
+    </dgm:linClrLst>
+    <dgm:effectClrLst/>
+    <dgm:txLinClrLst/>
+    <dgm:txFillClrLst meth="repeat">
+      <a:schemeClr val="tx1"/>
+    </dgm:txFillClrLst>
+    <dgm:txEffectClrLst/>
+  </dgm:styleLbl>
+</dgm:colorsDef>
+</file>
+
+<file path=ppt/diagrams/data1.xml><?xml version="1.0" encoding="utf-8"?>
+<dgm:dataModel xmlns:dgm="http://schemas.openxmlformats.org/drawingml/2006/diagram" xmlns:a="http://schemas.openxmlformats.org/drawingml/2006/main">
+  <dgm:ptLst>
+    <dgm:pt modelId="{CBCD4AD9-EB00-4A95-93E3-0FF25D402FCF}" type="doc">
+      <dgm:prSet loTypeId="urn:microsoft.com/office/officeart/2005/8/layout/pyramid1" loCatId="pyramid" qsTypeId="urn:microsoft.com/office/officeart/2005/8/quickstyle/simple1" qsCatId="simple" csTypeId="urn:microsoft.com/office/officeart/2005/8/colors/accent1_2" csCatId="accent1" phldr="1"/>
+      <dgm:spPr/>
+    </dgm:pt>
+    <dgm:pt modelId="{CBC5FF75-3E9A-4789-9B64-57894C4C2F4E}">
+      <dgm:prSet phldrT="[Text]" custT="1"/>
+      <dgm:spPr/>
+      <dgm:t>
+        <a:bodyPr/>
+        <a:lstStyle/>
+        <a:p>
+          <a:r>
+            <a:rPr lang="en-US" sz="3200" dirty="0"/>
+            <a:t>3</a:t>
+          </a:r>
+          <a:r>
+            <a:rPr lang="en-US" sz="3200" baseline="30000" dirty="0"/>
+            <a:t>rd       </a:t>
+          </a:r>
+          <a:r>
+            <a:rPr lang="en-US" sz="3200" dirty="0"/>
+            <a:t> Party API</a:t>
+          </a:r>
+        </a:p>
+      </dgm:t>
+    </dgm:pt>
+    <dgm:pt modelId="{CA1E800F-20E7-4083-AC78-31BABAAB28FA}" type="parTrans" cxnId="{FDB93C35-C56F-43F8-93D2-06247033B124}">
+      <dgm:prSet/>
+      <dgm:spPr/>
+      <dgm:t>
+        <a:bodyPr/>
+        <a:lstStyle/>
+        <a:p>
+          <a:endParaRPr lang="en-US"/>
+        </a:p>
+      </dgm:t>
+    </dgm:pt>
+    <dgm:pt modelId="{339A5B68-9FB4-4ECA-9BFA-F87D79C6D744}" type="sibTrans" cxnId="{FDB93C35-C56F-43F8-93D2-06247033B124}">
+      <dgm:prSet/>
+      <dgm:spPr/>
+      <dgm:t>
+        <a:bodyPr/>
+        <a:lstStyle/>
+        <a:p>
+          <a:endParaRPr lang="en-US"/>
+        </a:p>
+      </dgm:t>
+    </dgm:pt>
+    <dgm:pt modelId="{299E9E08-FA87-46EB-BEFC-88908033A02A}">
+      <dgm:prSet phldrT="[Text]" custT="1"/>
+      <dgm:spPr/>
+      <dgm:t>
+        <a:bodyPr/>
+        <a:lstStyle/>
+        <a:p>
+          <a:r>
+            <a:rPr lang="en-US" sz="3200" dirty="0"/>
+            <a:t>Unser Server (Python Flask)</a:t>
+          </a:r>
+        </a:p>
+      </dgm:t>
+    </dgm:pt>
+    <dgm:pt modelId="{2E87E500-07EF-48B9-A8E3-C15A95015664}" type="parTrans" cxnId="{C1958A3B-D3FF-49A9-9EEB-874A9CD616D1}">
+      <dgm:prSet/>
+      <dgm:spPr/>
+      <dgm:t>
+        <a:bodyPr/>
+        <a:lstStyle/>
+        <a:p>
+          <a:endParaRPr lang="en-US"/>
+        </a:p>
+      </dgm:t>
+    </dgm:pt>
+    <dgm:pt modelId="{21AF0054-533B-4895-8381-4BE36494BB52}" type="sibTrans" cxnId="{C1958A3B-D3FF-49A9-9EEB-874A9CD616D1}">
+      <dgm:prSet/>
+      <dgm:spPr/>
+      <dgm:t>
+        <a:bodyPr/>
+        <a:lstStyle/>
+        <a:p>
+          <a:endParaRPr lang="en-US"/>
+        </a:p>
+      </dgm:t>
+    </dgm:pt>
+    <dgm:pt modelId="{07E5B75D-8F1D-4A1A-ADC0-CEBCA60D001E}">
+      <dgm:prSet phldrT="[Text]" custT="1"/>
+      <dgm:spPr/>
+      <dgm:t>
+        <a:bodyPr/>
+        <a:lstStyle/>
+        <a:p>
+          <a:r>
+            <a:rPr lang="en-US" sz="3200" dirty="0"/>
+            <a:t>Clients (PWA)</a:t>
+          </a:r>
+        </a:p>
+      </dgm:t>
+    </dgm:pt>
+    <dgm:pt modelId="{FF58BDD9-C48C-4461-8696-8533561F1DF7}" type="parTrans" cxnId="{E14D6A83-1EC6-4C93-9704-206FA67F4195}">
+      <dgm:prSet/>
+      <dgm:spPr/>
+      <dgm:t>
+        <a:bodyPr/>
+        <a:lstStyle/>
+        <a:p>
+          <a:endParaRPr lang="en-US"/>
+        </a:p>
+      </dgm:t>
+    </dgm:pt>
+    <dgm:pt modelId="{16B25DE8-80B8-40BF-8453-C6ECD9BB829F}" type="sibTrans" cxnId="{E14D6A83-1EC6-4C93-9704-206FA67F4195}">
+      <dgm:prSet/>
+      <dgm:spPr/>
+      <dgm:t>
+        <a:bodyPr/>
+        <a:lstStyle/>
+        <a:p>
+          <a:endParaRPr lang="en-US"/>
+        </a:p>
+      </dgm:t>
+    </dgm:pt>
+    <dgm:pt modelId="{2F68783F-5191-4767-8D69-8EA275D89809}">
+      <dgm:prSet phldrT="[Text]" custT="1"/>
+      <dgm:spPr/>
+      <dgm:t>
+        <a:bodyPr/>
+        <a:lstStyle/>
+        <a:p>
+          <a:r>
+            <a:rPr lang="en-US" sz="3200" dirty="0" err="1"/>
+            <a:t>OpenAPI</a:t>
+          </a:r>
+          <a:r>
+            <a:rPr lang="en-US" sz="3200" dirty="0"/>
+            <a:t> Interface</a:t>
+          </a:r>
+        </a:p>
+      </dgm:t>
+    </dgm:pt>
+    <dgm:pt modelId="{6232453B-8C65-45D6-8A7B-D9AB5454962B}" type="parTrans" cxnId="{F64D70D7-4F31-45C2-8CE6-7CA112868D9E}">
+      <dgm:prSet/>
+      <dgm:spPr/>
+      <dgm:t>
+        <a:bodyPr/>
+        <a:lstStyle/>
+        <a:p>
+          <a:endParaRPr lang="en-US"/>
+        </a:p>
+      </dgm:t>
+    </dgm:pt>
+    <dgm:pt modelId="{404BD232-D14D-472B-9C38-1160C2143234}" type="sibTrans" cxnId="{F64D70D7-4F31-45C2-8CE6-7CA112868D9E}">
+      <dgm:prSet/>
+      <dgm:spPr/>
+      <dgm:t>
+        <a:bodyPr/>
+        <a:lstStyle/>
+        <a:p>
+          <a:endParaRPr lang="en-US"/>
+        </a:p>
+      </dgm:t>
+    </dgm:pt>
+    <dgm:pt modelId="{146FB317-437D-46A6-B692-1E14E4A98E2E}" type="pres">
+      <dgm:prSet presAssocID="{CBCD4AD9-EB00-4A95-93E3-0FF25D402FCF}" presName="Name0" presStyleCnt="0">
+        <dgm:presLayoutVars>
+          <dgm:dir/>
+          <dgm:animLvl val="lvl"/>
+          <dgm:resizeHandles val="exact"/>
+        </dgm:presLayoutVars>
+      </dgm:prSet>
+      <dgm:spPr/>
+    </dgm:pt>
+    <dgm:pt modelId="{0B33F08D-0B69-4320-BCBE-432955BF1CE6}" type="pres">
+      <dgm:prSet presAssocID="{CBC5FF75-3E9A-4789-9B64-57894C4C2F4E}" presName="Name8" presStyleCnt="0"/>
+      <dgm:spPr/>
+    </dgm:pt>
+    <dgm:pt modelId="{968C69A3-0627-43DF-BDEE-EE4B61B262D3}" type="pres">
+      <dgm:prSet presAssocID="{CBC5FF75-3E9A-4789-9B64-57894C4C2F4E}" presName="level" presStyleLbl="node1" presStyleIdx="0" presStyleCnt="4">
+        <dgm:presLayoutVars>
+          <dgm:chMax val="1"/>
+          <dgm:bulletEnabled val="1"/>
+        </dgm:presLayoutVars>
+      </dgm:prSet>
+      <dgm:spPr/>
+    </dgm:pt>
+    <dgm:pt modelId="{80E6E517-9472-4689-A641-48E98AF9F0BF}" type="pres">
+      <dgm:prSet presAssocID="{CBC5FF75-3E9A-4789-9B64-57894C4C2F4E}" presName="levelTx" presStyleLbl="revTx" presStyleIdx="0" presStyleCnt="0">
+        <dgm:presLayoutVars>
+          <dgm:chMax val="1"/>
+          <dgm:bulletEnabled val="1"/>
+        </dgm:presLayoutVars>
+      </dgm:prSet>
+      <dgm:spPr/>
+    </dgm:pt>
+    <dgm:pt modelId="{B38BF2A4-E423-4DC7-B617-4EE1D1E4C720}" type="pres">
+      <dgm:prSet presAssocID="{299E9E08-FA87-46EB-BEFC-88908033A02A}" presName="Name8" presStyleCnt="0"/>
+      <dgm:spPr/>
+    </dgm:pt>
+    <dgm:pt modelId="{3F413690-9E0F-4A21-996A-1487085D5BF7}" type="pres">
+      <dgm:prSet presAssocID="{299E9E08-FA87-46EB-BEFC-88908033A02A}" presName="level" presStyleLbl="node1" presStyleIdx="1" presStyleCnt="4">
+        <dgm:presLayoutVars>
+          <dgm:chMax val="1"/>
+          <dgm:bulletEnabled val="1"/>
+        </dgm:presLayoutVars>
+      </dgm:prSet>
+      <dgm:spPr/>
+    </dgm:pt>
+    <dgm:pt modelId="{AFAD0274-EDBC-42BA-B08C-ABBE3C93E9C2}" type="pres">
+      <dgm:prSet presAssocID="{299E9E08-FA87-46EB-BEFC-88908033A02A}" presName="levelTx" presStyleLbl="revTx" presStyleIdx="0" presStyleCnt="0">
+        <dgm:presLayoutVars>
+          <dgm:chMax val="1"/>
+          <dgm:bulletEnabled val="1"/>
+        </dgm:presLayoutVars>
+      </dgm:prSet>
+      <dgm:spPr/>
+    </dgm:pt>
+    <dgm:pt modelId="{23804F04-B67D-442F-B510-C095D40115F9}" type="pres">
+      <dgm:prSet presAssocID="{2F68783F-5191-4767-8D69-8EA275D89809}" presName="Name8" presStyleCnt="0"/>
+      <dgm:spPr/>
+    </dgm:pt>
+    <dgm:pt modelId="{77A6437E-8068-4CE5-9BCA-F9F2CD30983B}" type="pres">
+      <dgm:prSet presAssocID="{2F68783F-5191-4767-8D69-8EA275D89809}" presName="level" presStyleLbl="node1" presStyleIdx="2" presStyleCnt="4">
+        <dgm:presLayoutVars>
+          <dgm:chMax val="1"/>
+          <dgm:bulletEnabled val="1"/>
+        </dgm:presLayoutVars>
+      </dgm:prSet>
+      <dgm:spPr/>
+    </dgm:pt>
+    <dgm:pt modelId="{E033A754-5947-4652-8CCD-119E814EED79}" type="pres">
+      <dgm:prSet presAssocID="{2F68783F-5191-4767-8D69-8EA275D89809}" presName="levelTx" presStyleLbl="revTx" presStyleIdx="0" presStyleCnt="0">
+        <dgm:presLayoutVars>
+          <dgm:chMax val="1"/>
+          <dgm:bulletEnabled val="1"/>
+        </dgm:presLayoutVars>
+      </dgm:prSet>
+      <dgm:spPr/>
+    </dgm:pt>
+    <dgm:pt modelId="{C5DF5B8C-F3C0-4E9F-81E1-E45D89BE4314}" type="pres">
+      <dgm:prSet presAssocID="{07E5B75D-8F1D-4A1A-ADC0-CEBCA60D001E}" presName="Name8" presStyleCnt="0"/>
+      <dgm:spPr/>
+    </dgm:pt>
+    <dgm:pt modelId="{B78AC45C-742E-48ED-949C-33D74434E3B4}" type="pres">
+      <dgm:prSet presAssocID="{07E5B75D-8F1D-4A1A-ADC0-CEBCA60D001E}" presName="level" presStyleLbl="node1" presStyleIdx="3" presStyleCnt="4">
+        <dgm:presLayoutVars>
+          <dgm:chMax val="1"/>
+          <dgm:bulletEnabled val="1"/>
+        </dgm:presLayoutVars>
+      </dgm:prSet>
+      <dgm:spPr/>
+    </dgm:pt>
+    <dgm:pt modelId="{B4066D63-864C-42E3-9B76-32082A2F11B5}" type="pres">
+      <dgm:prSet presAssocID="{07E5B75D-8F1D-4A1A-ADC0-CEBCA60D001E}" presName="levelTx" presStyleLbl="revTx" presStyleIdx="0" presStyleCnt="0">
+        <dgm:presLayoutVars>
+          <dgm:chMax val="1"/>
+          <dgm:bulletEnabled val="1"/>
+        </dgm:presLayoutVars>
+      </dgm:prSet>
+      <dgm:spPr/>
+    </dgm:pt>
+  </dgm:ptLst>
+  <dgm:cxnLst>
+    <dgm:cxn modelId="{FDB93C35-C56F-43F8-93D2-06247033B124}" srcId="{CBCD4AD9-EB00-4A95-93E3-0FF25D402FCF}" destId="{CBC5FF75-3E9A-4789-9B64-57894C4C2F4E}" srcOrd="0" destOrd="0" parTransId="{CA1E800F-20E7-4083-AC78-31BABAAB28FA}" sibTransId="{339A5B68-9FB4-4ECA-9BFA-F87D79C6D744}"/>
+    <dgm:cxn modelId="{C7FF8838-F216-4680-92BB-44FA9FC4D861}" type="presOf" srcId="{07E5B75D-8F1D-4A1A-ADC0-CEBCA60D001E}" destId="{B4066D63-864C-42E3-9B76-32082A2F11B5}" srcOrd="1" destOrd="0" presId="urn:microsoft.com/office/officeart/2005/8/layout/pyramid1"/>
+    <dgm:cxn modelId="{C1958A3B-D3FF-49A9-9EEB-874A9CD616D1}" srcId="{CBCD4AD9-EB00-4A95-93E3-0FF25D402FCF}" destId="{299E9E08-FA87-46EB-BEFC-88908033A02A}" srcOrd="1" destOrd="0" parTransId="{2E87E500-07EF-48B9-A8E3-C15A95015664}" sibTransId="{21AF0054-533B-4895-8381-4BE36494BB52}"/>
+    <dgm:cxn modelId="{C425D65B-D0EA-4ABA-994E-6281D4A141EC}" type="presOf" srcId="{CBC5FF75-3E9A-4789-9B64-57894C4C2F4E}" destId="{968C69A3-0627-43DF-BDEE-EE4B61B262D3}" srcOrd="0" destOrd="0" presId="urn:microsoft.com/office/officeart/2005/8/layout/pyramid1"/>
+    <dgm:cxn modelId="{6309256D-EF95-452F-865D-2FAF3FA02604}" type="presOf" srcId="{2F68783F-5191-4767-8D69-8EA275D89809}" destId="{77A6437E-8068-4CE5-9BCA-F9F2CD30983B}" srcOrd="0" destOrd="0" presId="urn:microsoft.com/office/officeart/2005/8/layout/pyramid1"/>
+    <dgm:cxn modelId="{94A59C82-7E7F-4AFB-A8AC-BF34FBD796F7}" type="presOf" srcId="{299E9E08-FA87-46EB-BEFC-88908033A02A}" destId="{AFAD0274-EDBC-42BA-B08C-ABBE3C93E9C2}" srcOrd="1" destOrd="0" presId="urn:microsoft.com/office/officeart/2005/8/layout/pyramid1"/>
+    <dgm:cxn modelId="{E14D6A83-1EC6-4C93-9704-206FA67F4195}" srcId="{CBCD4AD9-EB00-4A95-93E3-0FF25D402FCF}" destId="{07E5B75D-8F1D-4A1A-ADC0-CEBCA60D001E}" srcOrd="3" destOrd="0" parTransId="{FF58BDD9-C48C-4461-8696-8533561F1DF7}" sibTransId="{16B25DE8-80B8-40BF-8453-C6ECD9BB829F}"/>
+    <dgm:cxn modelId="{3D88118E-5296-404A-BC43-96E6D68358E8}" type="presOf" srcId="{CBCD4AD9-EB00-4A95-93E3-0FF25D402FCF}" destId="{146FB317-437D-46A6-B692-1E14E4A98E2E}" srcOrd="0" destOrd="0" presId="urn:microsoft.com/office/officeart/2005/8/layout/pyramid1"/>
+    <dgm:cxn modelId="{387DF0A5-2301-4E4B-82E3-9D4F9F54AE23}" type="presOf" srcId="{07E5B75D-8F1D-4A1A-ADC0-CEBCA60D001E}" destId="{B78AC45C-742E-48ED-949C-33D74434E3B4}" srcOrd="0" destOrd="0" presId="urn:microsoft.com/office/officeart/2005/8/layout/pyramid1"/>
+    <dgm:cxn modelId="{207400BB-B01F-4AB5-809E-5606215F7759}" type="presOf" srcId="{2F68783F-5191-4767-8D69-8EA275D89809}" destId="{E033A754-5947-4652-8CCD-119E814EED79}" srcOrd="1" destOrd="0" presId="urn:microsoft.com/office/officeart/2005/8/layout/pyramid1"/>
+    <dgm:cxn modelId="{B69B59C4-C8C0-4B9B-8FF7-D9097A7B64A1}" type="presOf" srcId="{299E9E08-FA87-46EB-BEFC-88908033A02A}" destId="{3F413690-9E0F-4A21-996A-1487085D5BF7}" srcOrd="0" destOrd="0" presId="urn:microsoft.com/office/officeart/2005/8/layout/pyramid1"/>
+    <dgm:cxn modelId="{CC3A95CC-EF76-4EA5-8A28-EA1BD0110688}" type="presOf" srcId="{CBC5FF75-3E9A-4789-9B64-57894C4C2F4E}" destId="{80E6E517-9472-4689-A641-48E98AF9F0BF}" srcOrd="1" destOrd="0" presId="urn:microsoft.com/office/officeart/2005/8/layout/pyramid1"/>
+    <dgm:cxn modelId="{F64D70D7-4F31-45C2-8CE6-7CA112868D9E}" srcId="{CBCD4AD9-EB00-4A95-93E3-0FF25D402FCF}" destId="{2F68783F-5191-4767-8D69-8EA275D89809}" srcOrd="2" destOrd="0" parTransId="{6232453B-8C65-45D6-8A7B-D9AB5454962B}" sibTransId="{404BD232-D14D-472B-9C38-1160C2143234}"/>
+    <dgm:cxn modelId="{D57B36D6-4D63-40D6-A368-809FF498FD87}" type="presParOf" srcId="{146FB317-437D-46A6-B692-1E14E4A98E2E}" destId="{0B33F08D-0B69-4320-BCBE-432955BF1CE6}" srcOrd="0" destOrd="0" presId="urn:microsoft.com/office/officeart/2005/8/layout/pyramid1"/>
+    <dgm:cxn modelId="{AFCD5AA0-0CDD-4790-9561-AE6E301F35E3}" type="presParOf" srcId="{0B33F08D-0B69-4320-BCBE-432955BF1CE6}" destId="{968C69A3-0627-43DF-BDEE-EE4B61B262D3}" srcOrd="0" destOrd="0" presId="urn:microsoft.com/office/officeart/2005/8/layout/pyramid1"/>
+    <dgm:cxn modelId="{B50F85F1-F523-4374-80A0-6B9D6FB811FA}" type="presParOf" srcId="{0B33F08D-0B69-4320-BCBE-432955BF1CE6}" destId="{80E6E517-9472-4689-A641-48E98AF9F0BF}" srcOrd="1" destOrd="0" presId="urn:microsoft.com/office/officeart/2005/8/layout/pyramid1"/>
+    <dgm:cxn modelId="{D6841DE9-7E8F-46F6-8C3E-E6E6F6A95D6D}" type="presParOf" srcId="{146FB317-437D-46A6-B692-1E14E4A98E2E}" destId="{B38BF2A4-E423-4DC7-B617-4EE1D1E4C720}" srcOrd="1" destOrd="0" presId="urn:microsoft.com/office/officeart/2005/8/layout/pyramid1"/>
+    <dgm:cxn modelId="{63B31044-E98C-4B43-B1F2-099364DF2E98}" type="presParOf" srcId="{B38BF2A4-E423-4DC7-B617-4EE1D1E4C720}" destId="{3F413690-9E0F-4A21-996A-1487085D5BF7}" srcOrd="0" destOrd="0" presId="urn:microsoft.com/office/officeart/2005/8/layout/pyramid1"/>
+    <dgm:cxn modelId="{6DFBC11F-B012-46EF-853A-266BE3B5DE43}" type="presParOf" srcId="{B38BF2A4-E423-4DC7-B617-4EE1D1E4C720}" destId="{AFAD0274-EDBC-42BA-B08C-ABBE3C93E9C2}" srcOrd="1" destOrd="0" presId="urn:microsoft.com/office/officeart/2005/8/layout/pyramid1"/>
+    <dgm:cxn modelId="{AD8B2305-7AAD-40CC-BE68-8B3AAB31A1CE}" type="presParOf" srcId="{146FB317-437D-46A6-B692-1E14E4A98E2E}" destId="{23804F04-B67D-442F-B510-C095D40115F9}" srcOrd="2" destOrd="0" presId="urn:microsoft.com/office/officeart/2005/8/layout/pyramid1"/>
+    <dgm:cxn modelId="{34D6C0BE-5272-43DF-A4D0-5C42A4D44901}" type="presParOf" srcId="{23804F04-B67D-442F-B510-C095D40115F9}" destId="{77A6437E-8068-4CE5-9BCA-F9F2CD30983B}" srcOrd="0" destOrd="0" presId="urn:microsoft.com/office/officeart/2005/8/layout/pyramid1"/>
+    <dgm:cxn modelId="{314AE795-9248-4C9E-8295-75F4D1877B2C}" type="presParOf" srcId="{23804F04-B67D-442F-B510-C095D40115F9}" destId="{E033A754-5947-4652-8CCD-119E814EED79}" srcOrd="1" destOrd="0" presId="urn:microsoft.com/office/officeart/2005/8/layout/pyramid1"/>
+    <dgm:cxn modelId="{C6255C24-091E-41F8-B262-1FB575EDA2E1}" type="presParOf" srcId="{146FB317-437D-46A6-B692-1E14E4A98E2E}" destId="{C5DF5B8C-F3C0-4E9F-81E1-E45D89BE4314}" srcOrd="3" destOrd="0" presId="urn:microsoft.com/office/officeart/2005/8/layout/pyramid1"/>
+    <dgm:cxn modelId="{E9343FCE-3AB6-4767-A2D3-1C552209CF6D}" type="presParOf" srcId="{C5DF5B8C-F3C0-4E9F-81E1-E45D89BE4314}" destId="{B78AC45C-742E-48ED-949C-33D74434E3B4}" srcOrd="0" destOrd="0" presId="urn:microsoft.com/office/officeart/2005/8/layout/pyramid1"/>
+    <dgm:cxn modelId="{72C09CF2-5A77-4553-9EC4-DB5B440F2F9E}" type="presParOf" srcId="{C5DF5B8C-F3C0-4E9F-81E1-E45D89BE4314}" destId="{B4066D63-864C-42E3-9B76-32082A2F11B5}" srcOrd="1" destOrd="0" presId="urn:microsoft.com/office/officeart/2005/8/layout/pyramid1"/>
+  </dgm:cxnLst>
+  <dgm:bg/>
+  <dgm:whole/>
+  <dgm:extLst>
+    <a:ext uri="http://schemas.microsoft.com/office/drawing/2008/diagram">
+      <dsp:dataModelExt xmlns:dsp="http://schemas.microsoft.com/office/drawing/2008/diagram" relId="rId6" minVer="http://schemas.openxmlformats.org/drawingml/2006/diagram"/>
+    </a:ext>
+  </dgm:extLst>
+</dgm:dataModel>
+</file>
+
+<file path=ppt/diagrams/drawing1.xml><?xml version="1.0" encoding="utf-8"?>
+<dsp:drawing xmlns:dgm="http://schemas.openxmlformats.org/drawingml/2006/diagram" xmlns:dsp="http://schemas.microsoft.com/office/drawing/2008/diagram" xmlns:a="http://schemas.openxmlformats.org/drawingml/2006/main">
+  <dsp:spTree>
+    <dsp:nvGrpSpPr>
+      <dsp:cNvPr id="0" name=""/>
+      <dsp:cNvGrpSpPr/>
+    </dsp:nvGrpSpPr>
+    <dsp:grpSpPr/>
+    <dsp:sp modelId="{968C69A3-0627-43DF-BDEE-EE4B61B262D3}">
+      <dsp:nvSpPr>
+        <dsp:cNvPr id="0" name=""/>
+        <dsp:cNvSpPr/>
+      </dsp:nvSpPr>
+      <dsp:spPr>
+        <a:xfrm>
+          <a:off x="3223617" y="0"/>
+          <a:ext cx="2149078" cy="1316052"/>
+        </a:xfrm>
+        <a:prstGeom prst="trapezoid">
+          <a:avLst>
+            <a:gd name="adj" fmla="val 81649"/>
+          </a:avLst>
+        </a:prstGeom>
+        <a:solidFill>
+          <a:schemeClr val="accent1">
+            <a:hueOff val="0"/>
+            <a:satOff val="0"/>
+            <a:lumOff val="0"/>
+            <a:alphaOff val="0"/>
+          </a:schemeClr>
+        </a:solidFill>
+        <a:ln w="19050" cap="rnd" cmpd="sng" algn="ctr">
+          <a:solidFill>
+            <a:schemeClr val="lt1">
+              <a:hueOff val="0"/>
+              <a:satOff val="0"/>
+              <a:lumOff val="0"/>
+              <a:alphaOff val="0"/>
+            </a:schemeClr>
+          </a:solidFill>
+          <a:prstDash val="solid"/>
+        </a:ln>
+        <a:effectLst/>
+      </dsp:spPr>
+      <dsp:style>
+        <a:lnRef idx="2">
+          <a:scrgbClr r="0" g="0" b="0"/>
+        </a:lnRef>
+        <a:fillRef idx="1">
+          <a:scrgbClr r="0" g="0" b="0"/>
+        </a:fillRef>
+        <a:effectRef idx="0">
+          <a:scrgbClr r="0" g="0" b="0"/>
+        </a:effectRef>
+        <a:fontRef idx="minor">
+          <a:schemeClr val="lt1"/>
+        </a:fontRef>
+      </dsp:style>
+      <dsp:txBody>
+        <a:bodyPr spcFirstLastPara="0" vert="horz" wrap="square" lIns="40640" tIns="40640" rIns="40640" bIns="40640" numCol="1" spcCol="1270" anchor="ctr" anchorCtr="0">
+          <a:noAutofit/>
+        </a:bodyPr>
+        <a:lstStyle/>
+        <a:p>
+          <a:pPr marL="0" lvl="0" indent="0" algn="ctr" defTabSz="1422400">
+            <a:lnSpc>
+              <a:spcPct val="90000"/>
+            </a:lnSpc>
+            <a:spcBef>
+              <a:spcPct val="0"/>
+            </a:spcBef>
+            <a:spcAft>
+              <a:spcPct val="35000"/>
+            </a:spcAft>
+            <a:buNone/>
+          </a:pPr>
+          <a:r>
+            <a:rPr lang="en-US" sz="3200" kern="1200" dirty="0"/>
+            <a:t>3</a:t>
+          </a:r>
+          <a:r>
+            <a:rPr lang="en-US" sz="3200" kern="1200" baseline="30000" dirty="0"/>
+            <a:t>rd       </a:t>
+          </a:r>
+          <a:r>
+            <a:rPr lang="en-US" sz="3200" kern="1200" dirty="0"/>
+            <a:t> Party API</a:t>
+          </a:r>
+        </a:p>
+      </dsp:txBody>
+      <dsp:txXfrm>
+        <a:off x="3223617" y="0"/>
+        <a:ext cx="2149078" cy="1316052"/>
+      </dsp:txXfrm>
+    </dsp:sp>
+    <dsp:sp modelId="{3F413690-9E0F-4A21-996A-1487085D5BF7}">
+      <dsp:nvSpPr>
+        <dsp:cNvPr id="0" name=""/>
+        <dsp:cNvSpPr/>
+      </dsp:nvSpPr>
+      <dsp:spPr>
+        <a:xfrm>
+          <a:off x="2149078" y="1316052"/>
+          <a:ext cx="4298156" cy="1316052"/>
+        </a:xfrm>
+        <a:prstGeom prst="trapezoid">
+          <a:avLst>
+            <a:gd name="adj" fmla="val 81649"/>
+          </a:avLst>
+        </a:prstGeom>
+        <a:solidFill>
+          <a:schemeClr val="accent1">
+            <a:hueOff val="0"/>
+            <a:satOff val="0"/>
+            <a:lumOff val="0"/>
+            <a:alphaOff val="0"/>
+          </a:schemeClr>
+        </a:solidFill>
+        <a:ln w="19050" cap="rnd" cmpd="sng" algn="ctr">
+          <a:solidFill>
+            <a:schemeClr val="lt1">
+              <a:hueOff val="0"/>
+              <a:satOff val="0"/>
+              <a:lumOff val="0"/>
+              <a:alphaOff val="0"/>
+            </a:schemeClr>
+          </a:solidFill>
+          <a:prstDash val="solid"/>
+        </a:ln>
+        <a:effectLst/>
+      </dsp:spPr>
+      <dsp:style>
+        <a:lnRef idx="2">
+          <a:scrgbClr r="0" g="0" b="0"/>
+        </a:lnRef>
+        <a:fillRef idx="1">
+          <a:scrgbClr r="0" g="0" b="0"/>
+        </a:fillRef>
+        <a:effectRef idx="0">
+          <a:scrgbClr r="0" g="0" b="0"/>
+        </a:effectRef>
+        <a:fontRef idx="minor">
+          <a:schemeClr val="lt1"/>
+        </a:fontRef>
+      </dsp:style>
+      <dsp:txBody>
+        <a:bodyPr spcFirstLastPara="0" vert="horz" wrap="square" lIns="40640" tIns="40640" rIns="40640" bIns="40640" numCol="1" spcCol="1270" anchor="ctr" anchorCtr="0">
+          <a:noAutofit/>
+        </a:bodyPr>
+        <a:lstStyle/>
+        <a:p>
+          <a:pPr marL="0" lvl="0" indent="0" algn="ctr" defTabSz="1422400">
+            <a:lnSpc>
+              <a:spcPct val="90000"/>
+            </a:lnSpc>
+            <a:spcBef>
+              <a:spcPct val="0"/>
+            </a:spcBef>
+            <a:spcAft>
+              <a:spcPct val="35000"/>
+            </a:spcAft>
+            <a:buNone/>
+          </a:pPr>
+          <a:r>
+            <a:rPr lang="en-US" sz="3200" kern="1200" dirty="0"/>
+            <a:t>Unser Server (Python Flask)</a:t>
+          </a:r>
+        </a:p>
+      </dsp:txBody>
+      <dsp:txXfrm>
+        <a:off x="2901255" y="1316052"/>
+        <a:ext cx="2793801" cy="1316052"/>
+      </dsp:txXfrm>
+    </dsp:sp>
+    <dsp:sp modelId="{77A6437E-8068-4CE5-9BCA-F9F2CD30983B}">
+      <dsp:nvSpPr>
+        <dsp:cNvPr id="0" name=""/>
+        <dsp:cNvSpPr/>
+      </dsp:nvSpPr>
+      <dsp:spPr>
+        <a:xfrm>
+          <a:off x="1074539" y="2632104"/>
+          <a:ext cx="6447234" cy="1316052"/>
+        </a:xfrm>
+        <a:prstGeom prst="trapezoid">
+          <a:avLst>
+            <a:gd name="adj" fmla="val 81649"/>
+          </a:avLst>
+        </a:prstGeom>
+        <a:solidFill>
+          <a:schemeClr val="accent1">
+            <a:hueOff val="0"/>
+            <a:satOff val="0"/>
+            <a:lumOff val="0"/>
+            <a:alphaOff val="0"/>
+          </a:schemeClr>
+        </a:solidFill>
+        <a:ln w="19050" cap="rnd" cmpd="sng" algn="ctr">
+          <a:solidFill>
+            <a:schemeClr val="lt1">
+              <a:hueOff val="0"/>
+              <a:satOff val="0"/>
+              <a:lumOff val="0"/>
+              <a:alphaOff val="0"/>
+            </a:schemeClr>
+          </a:solidFill>
+          <a:prstDash val="solid"/>
+        </a:ln>
+        <a:effectLst/>
+      </dsp:spPr>
+      <dsp:style>
+        <a:lnRef idx="2">
+          <a:scrgbClr r="0" g="0" b="0"/>
+        </a:lnRef>
+        <a:fillRef idx="1">
+          <a:scrgbClr r="0" g="0" b="0"/>
+        </a:fillRef>
+        <a:effectRef idx="0">
+          <a:scrgbClr r="0" g="0" b="0"/>
+        </a:effectRef>
+        <a:fontRef idx="minor">
+          <a:schemeClr val="lt1"/>
+        </a:fontRef>
+      </dsp:style>
+      <dsp:txBody>
+        <a:bodyPr spcFirstLastPara="0" vert="horz" wrap="square" lIns="40640" tIns="40640" rIns="40640" bIns="40640" numCol="1" spcCol="1270" anchor="ctr" anchorCtr="0">
+          <a:noAutofit/>
+        </a:bodyPr>
+        <a:lstStyle/>
+        <a:p>
+          <a:pPr marL="0" lvl="0" indent="0" algn="ctr" defTabSz="1422400">
+            <a:lnSpc>
+              <a:spcPct val="90000"/>
+            </a:lnSpc>
+            <a:spcBef>
+              <a:spcPct val="0"/>
+            </a:spcBef>
+            <a:spcAft>
+              <a:spcPct val="35000"/>
+            </a:spcAft>
+            <a:buNone/>
+          </a:pPr>
+          <a:r>
+            <a:rPr lang="en-US" sz="3200" kern="1200" dirty="0" err="1"/>
+            <a:t>OpenAPI</a:t>
+          </a:r>
+          <a:r>
+            <a:rPr lang="en-US" sz="3200" kern="1200" dirty="0"/>
+            <a:t> Interface</a:t>
+          </a:r>
+        </a:p>
+      </dsp:txBody>
+      <dsp:txXfrm>
+        <a:off x="2202804" y="2632104"/>
+        <a:ext cx="4190702" cy="1316052"/>
+      </dsp:txXfrm>
+    </dsp:sp>
+    <dsp:sp modelId="{B78AC45C-742E-48ED-949C-33D74434E3B4}">
+      <dsp:nvSpPr>
+        <dsp:cNvPr id="0" name=""/>
+        <dsp:cNvSpPr/>
+      </dsp:nvSpPr>
+      <dsp:spPr>
+        <a:xfrm>
+          <a:off x="0" y="3948156"/>
+          <a:ext cx="8596312" cy="1316052"/>
+        </a:xfrm>
+        <a:prstGeom prst="trapezoid">
+          <a:avLst>
+            <a:gd name="adj" fmla="val 81649"/>
+          </a:avLst>
+        </a:prstGeom>
+        <a:solidFill>
+          <a:schemeClr val="accent1">
+            <a:hueOff val="0"/>
+            <a:satOff val="0"/>
+            <a:lumOff val="0"/>
+            <a:alphaOff val="0"/>
+          </a:schemeClr>
+        </a:solidFill>
+        <a:ln w="19050" cap="rnd" cmpd="sng" algn="ctr">
+          <a:solidFill>
+            <a:schemeClr val="lt1">
+              <a:hueOff val="0"/>
+              <a:satOff val="0"/>
+              <a:lumOff val="0"/>
+              <a:alphaOff val="0"/>
+            </a:schemeClr>
+          </a:solidFill>
+          <a:prstDash val="solid"/>
+        </a:ln>
+        <a:effectLst/>
+      </dsp:spPr>
+      <dsp:style>
+        <a:lnRef idx="2">
+          <a:scrgbClr r="0" g="0" b="0"/>
+        </a:lnRef>
+        <a:fillRef idx="1">
+          <a:scrgbClr r="0" g="0" b="0"/>
+        </a:fillRef>
+        <a:effectRef idx="0">
+          <a:scrgbClr r="0" g="0" b="0"/>
+        </a:effectRef>
+        <a:fontRef idx="minor">
+          <a:schemeClr val="lt1"/>
+        </a:fontRef>
+      </dsp:style>
+      <dsp:txBody>
+        <a:bodyPr spcFirstLastPara="0" vert="horz" wrap="square" lIns="40640" tIns="40640" rIns="40640" bIns="40640" numCol="1" spcCol="1270" anchor="ctr" anchorCtr="0">
+          <a:noAutofit/>
+        </a:bodyPr>
+        <a:lstStyle/>
+        <a:p>
+          <a:pPr marL="0" lvl="0" indent="0" algn="ctr" defTabSz="1422400">
+            <a:lnSpc>
+              <a:spcPct val="90000"/>
+            </a:lnSpc>
+            <a:spcBef>
+              <a:spcPct val="0"/>
+            </a:spcBef>
+            <a:spcAft>
+              <a:spcPct val="35000"/>
+            </a:spcAft>
+            <a:buNone/>
+          </a:pPr>
+          <a:r>
+            <a:rPr lang="en-US" sz="3200" kern="1200" dirty="0"/>
+            <a:t>Clients (PWA)</a:t>
+          </a:r>
+        </a:p>
+      </dsp:txBody>
+      <dsp:txXfrm>
+        <a:off x="1504354" y="3948156"/>
+        <a:ext cx="5587602" cy="1316052"/>
+      </dsp:txXfrm>
+    </dsp:sp>
+  </dsp:spTree>
+</dsp:drawing>
+</file>
+
+<file path=ppt/diagrams/layout1.xml><?xml version="1.0" encoding="utf-8"?>
+<dgm:layoutDef xmlns:dgm="http://schemas.openxmlformats.org/drawingml/2006/diagram" xmlns:a="http://schemas.openxmlformats.org/drawingml/2006/main" uniqueId="urn:microsoft.com/office/officeart/2005/8/layout/pyramid1">
+  <dgm:title val=""/>
+  <dgm:desc val=""/>
+  <dgm:catLst>
+    <dgm:cat type="pyramid" pri="1000"/>
+  </dgm:catLst>
+  <dgm:sampData useDef="1">
+    <dgm:dataModel>
+      <dgm:ptLst/>
+      <dgm:bg/>
+      <dgm:whole/>
+    </dgm:dataModel>
+  </dgm:sampData>
+  <dgm:styleData>
+    <dgm:dataModel>
+      <dgm:ptLst>
+        <dgm:pt modelId="0" type="doc"/>
+        <dgm:pt modelId="1"/>
+        <dgm:pt modelId="2"/>
+      </dgm:ptLst>
+      <dgm:cxnLst>
+        <dgm:cxn modelId="3" srcId="0" destId="1" srcOrd="0" destOrd="0"/>
+        <dgm:cxn modelId="4" srcId="0" destId="2" srcOrd="1" destOrd="0"/>
+      </dgm:cxnLst>
+      <dgm:bg/>
+      <dgm:whole/>
+    </dgm:dataModel>
+  </dgm:styleData>
+  <dgm:clrData>
+    <dgm:dataModel>
+      <dgm:ptLst>
+        <dgm:pt modelId="0" type="doc"/>
+        <dgm:pt modelId="1"/>
+        <dgm:pt modelId="2"/>
+        <dgm:pt modelId="3"/>
+        <dgm:pt modelId="4"/>
+      </dgm:ptLst>
+      <dgm:cxnLst>
+        <dgm:cxn modelId="5" srcId="0" destId="1" srcOrd="0" destOrd="0"/>
+        <dgm:cxn modelId="6" srcId="0" destId="2" srcOrd="1" destOrd="0"/>
+        <dgm:cxn modelId="7" srcId="0" destId="3" srcOrd="2" destOrd="0"/>
+        <dgm:cxn modelId="8" srcId="0" destId="4" srcOrd="3" destOrd="0"/>
+      </dgm:cxnLst>
+      <dgm:bg/>
+      <dgm:whole/>
+    </dgm:dataModel>
+  </dgm:clrData>
+  <dgm:layoutNode name="Name0">
+    <dgm:varLst>
+      <dgm:dir/>
+      <dgm:animLvl val="lvl"/>
+      <dgm:resizeHandles val="exact"/>
+    </dgm:varLst>
+    <dgm:choose name="Name1">
+      <dgm:if name="Name2" func="var" arg="dir" op="equ" val="norm">
+        <dgm:alg type="pyra">
+          <dgm:param type="linDir" val="fromB"/>
+          <dgm:param type="txDir" val="fromT"/>
+          <dgm:param type="pyraAcctPos" val="aft"/>
+          <dgm:param type="pyraAcctTxMar" val="step"/>
+          <dgm:param type="pyraAcctBkgdNode" val="acctBkgd"/>
+          <dgm:param type="pyraAcctTxNode" val="acctTx"/>
+          <dgm:param type="pyraLvlNode" val="level"/>
+        </dgm:alg>
+      </dgm:if>
+      <dgm:else name="Name3">
+        <dgm:alg type="pyra">
+          <dgm:param type="linDir" val="fromB"/>
+          <dgm:param type="txDir" val="fromT"/>
+          <dgm:param type="pyraAcctPos" val="bef"/>
+          <dgm:param type="pyraAcctTxMar" val="step"/>
+          <dgm:param type="pyraAcctBkgdNode" val="acctBkgd"/>
+          <dgm:param type="pyraAcctTxNode" val="acctTx"/>
+          <dgm:param type="pyraLvlNode" val="level"/>
+        </dgm:alg>
+      </dgm:else>
+    </dgm:choose>
+    <dgm:shape xmlns:r="http://schemas.openxmlformats.org/officeDocument/2006/relationships" r:blip="">
+      <dgm:adjLst/>
+    </dgm:shape>
+    <dgm:presOf/>
+    <dgm:choose name="Name4">
+      <dgm:if name="Name5" axis="root des" ptType="all node" func="maxDepth" op="gte" val="2">
+        <dgm:constrLst>
+          <dgm:constr type="primFontSz" for="des" forName="levelTx" op="equ"/>
+          <dgm:constr type="secFontSz" for="des" forName="acctTx" op="equ"/>
+          <dgm:constr type="pyraAcctRatio" val="0.32"/>
+        </dgm:constrLst>
+      </dgm:if>
+      <dgm:else name="Name6">
+        <dgm:constrLst>
+          <dgm:constr type="primFontSz" for="des" forName="levelTx" op="equ"/>
+          <dgm:constr type="secFontSz" for="des" forName="acctTx" op="equ"/>
+          <dgm:constr type="pyraAcctRatio"/>
+        </dgm:constrLst>
+      </dgm:else>
+    </dgm:choose>
+    <dgm:ruleLst/>
+    <dgm:forEach name="Name7" axis="ch" ptType="node">
+      <dgm:layoutNode name="Name8">
+        <dgm:alg type="composite">
+          <dgm:param type="horzAlign" val="none"/>
+        </dgm:alg>
+        <dgm:shape xmlns:r="http://schemas.openxmlformats.org/officeDocument/2006/relationships" r:blip="">
+          <dgm:adjLst/>
+        </dgm:shape>
+        <dgm:presOf/>
+        <dgm:choose name="Name9">
+          <dgm:if name="Name10" axis="self" ptType="node" func="pos" op="equ" val="1">
+            <dgm:constrLst>
+              <dgm:constr type="ctrX" for="ch" forName="acctBkgd" val="1"/>
+              <dgm:constr type="ctrY" for="ch" forName="acctBkgd" val="1"/>
+              <dgm:constr type="w" for="ch" forName="acctBkgd" val="1"/>
+              <dgm:constr type="h" for="ch" forName="acctBkgd" val="1"/>
+              <dgm:constr type="ctrX" for="ch" forName="acctTx" val="1"/>
+              <dgm:constr type="ctrY" for="ch" forName="acctTx" val="1"/>
+              <dgm:constr type="w" for="ch" forName="acctTx" val="1"/>
+              <dgm:constr type="h" for="ch" forName="acctTx" val="1"/>
+              <dgm:constr type="ctrX" for="ch" forName="level" val="1"/>
+              <dgm:constr type="ctrY" for="ch" forName="level" val="1"/>
+              <dgm:constr type="w" for="ch" forName="level" val="1"/>
+              <dgm:constr type="h" for="ch" forName="level" val="1"/>
+              <dgm:constr type="ctrX" for="ch" forName="levelTx" refType="ctrX" refFor="ch" refForName="level"/>
+              <dgm:constr type="ctrY" for="ch" forName="levelTx" refType="ctrY" refFor="ch" refForName="level"/>
+              <dgm:constr type="w" for="ch" forName="levelTx" refType="w" refFor="ch" refForName="level"/>
+              <dgm:constr type="h" for="ch" forName="levelTx" refType="h" refFor="ch" refForName="level"/>
+            </dgm:constrLst>
+          </dgm:if>
+          <dgm:else name="Name11">
+            <dgm:constrLst>
+              <dgm:constr type="ctrX" for="ch" forName="acctBkgd" val="1"/>
+              <dgm:constr type="ctrY" for="ch" forName="acctBkgd" val="1"/>
+              <dgm:constr type="w" for="ch" forName="acctBkgd" val="1"/>
+              <dgm:constr type="h" for="ch" forName="acctBkgd" val="1"/>
+              <dgm:constr type="ctrX" for="ch" forName="acctTx" val="1"/>
+              <dgm:constr type="ctrY" for="ch" forName="acctTx" val="1"/>
+              <dgm:constr type="w" for="ch" forName="acctTx" val="1"/>
+              <dgm:constr type="h" for="ch" forName="acctTx" val="1"/>
+              <dgm:constr type="ctrX" for="ch" forName="level" val="1"/>
+              <dgm:constr type="ctrY" for="ch" forName="level" val="1"/>
+              <dgm:constr type="w" for="ch" forName="level" val="1"/>
+              <dgm:constr type="h" for="ch" forName="level" val="1"/>
+              <dgm:constr type="ctrX" for="ch" forName="levelTx" refType="ctrX" refFor="ch" refForName="level"/>
+              <dgm:constr type="ctrY" for="ch" forName="levelTx" refType="ctrY" refFor="ch" refForName="level"/>
+              <dgm:constr type="w" for="ch" forName="levelTx" refType="w" refFor="ch" refForName="level" fact="0.65"/>
+              <dgm:constr type="h" for="ch" forName="levelTx" refType="h" refFor="ch" refForName="level"/>
+            </dgm:constrLst>
+          </dgm:else>
+        </dgm:choose>
+        <dgm:ruleLst/>
+        <dgm:choose name="Name12">
+          <dgm:if name="Name13" axis="ch" ptType="node" func="cnt" op="gte" val="1">
+            <dgm:layoutNode name="acctBkgd" styleLbl="alignAcc1">
+              <dgm:alg type="sp"/>
+              <dgm:shape xmlns:r="http://schemas.openxmlformats.org/officeDocument/2006/relationships" type="nonIsoscelesTrapezoid" r:blip="">
+                <dgm:adjLst/>
+              </dgm:shape>
+              <dgm:presOf axis="des" ptType="node"/>
+              <dgm:constrLst/>
+              <dgm:ruleLst/>
+            </dgm:layoutNode>
+            <dgm:layoutNode name="acctTx" styleLbl="alignAcc1">
+              <dgm:varLst>
+                <dgm:bulletEnabled val="1"/>
+              </dgm:varLst>
+              <dgm:alg type="tx">
+                <dgm:param type="stBulletLvl" val="1"/>
+                <dgm:param type="txAnchorVertCh" val="mid"/>
+              </dgm:alg>
+              <dgm:shape xmlns:r="http://schemas.openxmlformats.org/officeDocument/2006/relationships" type="nonIsoscelesTrapezoid" r:blip="" hideGeom="1">
+                <dgm:adjLst/>
+              </dgm:shape>
+              <dgm:presOf axis="des" ptType="node"/>
+              <dgm:constrLst>
+                <dgm:constr type="secFontSz" val="65"/>
+                <dgm:constr type="primFontSz" refType="secFontSz"/>
+                <dgm:constr type="tMarg" refType="secFontSz" fact="0.3"/>
+                <dgm:constr type="bMarg" refType="secFontSz" fact="0.3"/>
+                <dgm:constr type="lMarg" refType="secFontSz" fact="0.3"/>
+                <dgm:constr type="rMarg" refType="secFontSz" fact="0.3"/>
+              </dgm:constrLst>
+              <dgm:ruleLst>
+                <dgm:rule type="secFontSz" val="5" fact="NaN" max="NaN"/>
+              </dgm:ruleLst>
+            </dgm:layoutNode>
+          </dgm:if>
+          <dgm:else name="Name14"/>
+        </dgm:choose>
+        <dgm:layoutNode name="level">
+          <dgm:varLst>
+            <dgm:chMax val="1"/>
+            <dgm:bulletEnabled val="1"/>
+          </dgm:varLst>
+          <dgm:alg type="sp"/>
+          <dgm:shape xmlns:r="http://schemas.openxmlformats.org/officeDocument/2006/relationships" type="trapezoid" r:blip="">
+            <dgm:adjLst/>
+          </dgm:shape>
+          <dgm:presOf axis="self"/>
+          <dgm:constrLst>
+            <dgm:constr type="h" val="500"/>
+            <dgm:constr type="w" val="1"/>
+          </dgm:constrLst>
+          <dgm:ruleLst/>
+        </dgm:layoutNode>
+        <dgm:layoutNode name="levelTx" styleLbl="revTx">
+          <dgm:varLst>
+            <dgm:chMax val="1"/>
+            <dgm:bulletEnabled val="1"/>
+          </dgm:varLst>
+          <dgm:alg type="tx"/>
+          <dgm:shape xmlns:r="http://schemas.openxmlformats.org/officeDocument/2006/relationships" type="rect" r:blip="" hideGeom="1">
+            <dgm:adjLst/>
+          </dgm:shape>
+          <dgm:presOf axis="self"/>
+          <dgm:constrLst>
+            <dgm:constr type="tMarg" refType="primFontSz" fact="0.1"/>
+            <dgm:constr type="bMarg" refType="primFontSz" fact="0.1"/>
+            <dgm:constr type="lMarg" refType="primFontSz" fact="0.1"/>
+            <dgm:constr type="rMarg" refType="primFontSz" fact="0.1"/>
+            <dgm:constr type="primFontSz" val="65"/>
+          </dgm:constrLst>
+          <dgm:ruleLst>
+            <dgm:rule type="primFontSz" val="5" fact="NaN" max="NaN"/>
+          </dgm:ruleLst>
+        </dgm:layoutNode>
+      </dgm:layoutNode>
+    </dgm:forEach>
+  </dgm:layoutNode>
+</dgm:layoutDef>
+</file>
+
+<file path=ppt/diagrams/quickStyle1.xml><?xml version="1.0" encoding="utf-8"?>
+<dgm:styleDef xmlns:dgm="http://schemas.openxmlformats.org/drawingml/2006/diagram" xmlns:a="http://schemas.openxmlformats.org/drawingml/2006/main" uniqueId="urn:microsoft.com/office/officeart/2005/8/quickstyle/simple1">
+  <dgm:title val=""/>
+  <dgm:desc val=""/>
+  <dgm:catLst>
+    <dgm:cat type="simple" pri="10100"/>
+  </dgm:catLst>
+  <dgm:scene3d>
+    <a:camera prst="orthographicFront"/>
+    <a:lightRig rig="threePt" dir="t"/>
+  </dgm:scene3d>
+  <dgm:styleLbl name="node0">
+    <dgm:scene3d>
+      <a:camera prst="orthographicFront"/>
+      <a:lightRig rig="threePt" dir="t"/>
+    </dgm:scene3d>
+    <dgm:sp3d/>
+    <dgm:txPr/>
+    <dgm:style>
+      <a:lnRef idx="2">
+        <a:scrgbClr r="0" g="0" b="0"/>
+      </a:lnRef>
+      <a:fillRef idx="1">
+        <a:scrgbClr r="0" g="0" b="0"/>
+      </a:fillRef>
+      <a:effectRef idx="0">
+        <a:scrgbClr r="0" g="0" b="0"/>
+      </a:effectRef>
+      <a:fontRef idx="minor">
+        <a:schemeClr val="lt1"/>
+      </a:fontRef>
+    </dgm:style>
+  </dgm:styleLbl>
+  <dgm:styleLbl name="lnNode1">
+    <dgm:scene3d>
+      <a:camera prst="orthographicFront"/>
+      <a:lightRig rig="threePt" dir="t"/>
+    </dgm:scene3d>
+    <dgm:sp3d/>
+    <dgm:txPr/>
+    <dgm:style>
+      <a:lnRef idx="2">
+        <a:scrgbClr r="0" g="0" b="0"/>
+      </a:lnRef>
+      <a:fillRef idx="1">
+        <a:scrgbClr r="0" g="0" b="0"/>
+      </a:fillRef>
+      <a:effectRef idx="0">
+        <a:scrgbClr r="0" g="0" b="0"/>
+      </a:effectRef>
+      <a:fontRef idx="minor">
+        <a:schemeClr val="lt1"/>
+      </a:fontRef>
+    </dgm:style>
+  </dgm:styleLbl>
+  <dgm:styleLbl name="vennNode1">
+    <dgm:scene3d>
+      <a:camera prst="orthographicFront"/>
+      <a:lightRig rig="threePt" dir="t"/>
+    </dgm:scene3d>
+    <dgm:sp3d/>
+    <dgm:txPr/>
+    <dgm:style>
+      <a:lnRef idx="2">
+        <a:scrgbClr r="0" g="0" b="0"/>
+      </a:lnRef>
+      <a:fillRef idx="1">
+        <a:scrgbClr r="0" g="0" b="0"/>
+      </a:fillRef>
+      <a:effectRef idx="0">
+        <a:scrgbClr r="0" g="0" b="0"/>
+      </a:effectRef>
+      <a:fontRef idx="minor">
+        <a:schemeClr val="tx1"/>
+      </a:fontRef>
+    </dgm:style>
+  </dgm:styleLbl>
+  <dgm:styleLbl name="alignNode1">
+    <dgm:scene3d>
+      <a:camera prst="orthographicFront"/>
+      <a:lightRig rig="threePt" dir="t"/>
+    </dgm:scene3d>
+    <dgm:sp3d/>
+    <dgm:txPr/>
+    <dgm:style>
+      <a:lnRef idx="2">
+        <a:scrgbClr r="0" g="0" b="0"/>
+      </a:lnRef>
+      <a:fillRef idx="1">
+        <a:scrgbClr r="0" g="0" b="0"/>
+      </a:fillRef>
+      <a:effectRef idx="0">
+        <a:scrgbClr r="0" g="0" b="0"/>
+      </a:effectRef>
+      <a:fontRef idx="minor">
+        <a:schemeClr val="lt1"/>
+      </a:fontRef>
+    </dgm:style>
+  </dgm:styleLbl>
+  <dgm:styleLbl name="node1">
+    <dgm:scene3d>
+      <a:camera prst="orthographicFront"/>
+      <a:lightRig rig="threePt" dir="t"/>
+    </dgm:scene3d>
+    <dgm:sp3d/>
+    <dgm:txPr/>
+    <dgm:style>
+      <a:lnRef idx="2">
+        <a:scrgbClr r="0" g="0" b="0"/>
+      </a:lnRef>
+      <a:fillRef idx="1">
+        <a:scrgbClr r="0" g="0" b="0"/>
+      </a:fillRef>
+      <a:effectRef idx="0">
+        <a:scrgbClr r="0" g="0" b="0"/>
+      </a:effectRef>
+      <a:fontRef idx="minor">
+        <a:schemeClr val="lt1"/>
+      </a:fontRef>
+    </dgm:style>
+  </dgm:styleLbl>
+  <dgm:styleLbl name="node2">
+    <dgm:scene3d>
+      <a:camera prst="orthographicFront"/>
+      <a:lightRig rig="threePt" dir="t"/>
+    </dgm:scene3d>
+    <dgm:sp3d/>
+    <dgm:txPr/>
+    <dgm:style>
+      <a:lnRef idx="2">
+        <a:scrgbClr r="0" g="0" b="0"/>
+      </a:lnRef>
+      <a:fillRef idx="1">
+        <a:scrgbClr r="0" g="0" b="0"/>
+      </a:fillRef>
+      <a:effectRef idx="0">
+        <a:scrgbClr r="0" g="0" b="0"/>
+      </a:effectRef>
+      <a:fontRef idx="minor">
+        <a:schemeClr val="lt1"/>
+      </a:fontRef>
+    </dgm:style>
+  </dgm:styleLbl>
+  <dgm:styleLbl name="node3">
+    <dgm:scene3d>
+      <a:camera prst="orthographicFront"/>
+      <a:lightRig rig="threePt" dir="t"/>
+    </dgm:scene3d>
+    <dgm:sp3d/>
+    <dgm:txPr/>
+    <dgm:style>
+      <a:lnRef idx="2">
+        <a:scrgbClr r="0" g="0" b="0"/>
+      </a:lnRef>
+      <a:fillRef idx="1">
+        <a:scrgbClr r="0" g="0" b="0"/>
+      </a:fillRef>
+      <a:effectRef idx="0">
+        <a:scrgbClr r="0" g="0" b="0"/>
+      </a:effectRef>
+      <a:fontRef idx="minor">
+        <a:schemeClr val="lt1"/>
+      </a:fontRef>
+    </dgm:style>
+  </dgm:styleLbl>
+  <dgm:styleLbl name="node4">
+    <dgm:scene3d>
+      <a:camera prst="orthographicFront"/>
+      <a:lightRig rig="threePt" dir="t"/>
+    </dgm:scene3d>
+    <dgm:sp3d/>
+    <dgm:txPr/>
+    <dgm:style>
+      <a:lnRef idx="2">
+        <a:scrgbClr r="0" g="0" b="0"/>
+      </a:lnRef>
+      <a:fillRef idx="1">
+        <a:scrgbClr r="0" g="0" b="0"/>
+      </a:fillRef>
+      <a:effectRef idx="0">
+        <a:scrgbClr r="0" g="0" b="0"/>
+      </a:effectRef>
+      <a:fontRef idx="minor">
+        <a:schemeClr val="lt1"/>
+      </a:fontRef>
+    </dgm:style>
+  </dgm:styleLbl>
+  <dgm:styleLbl name="fgImgPlace1">
+    <dgm:scene3d>
+      <a:camera prst="orthographicFront"/>
+      <a:lightRig rig="threePt" dir="t"/>
+    </dgm:scene3d>
+    <dgm:sp3d/>
+    <dgm:txPr/>
+    <dgm:style>
+      <a:lnRef idx="2">
+        <a:scrgbClr r="0" g="0" b="0"/>
+      </a:lnRef>
+      <a:fillRef idx="1">
+        <a:scrgbClr r="0" g="0" b="0"/>
+      </a:fillRef>
+      <a:effectRef idx="0">
+        <a:scrgbClr r="0" g="0" b="0"/>
+      </a:effectRef>
+      <a:fontRef idx="minor"/>
+    </dgm:style>
+  </dgm:styleLbl>
+  <dgm:styleLbl name="alignImgPlace1">
+    <dgm:scene3d>
+      <a:camera prst="orthographicFront"/>
+      <a:lightRig rig="threePt" dir="t"/>
+    </dgm:scene3d>
+    <dgm:sp3d/>
+    <dgm:txPr/>
+    <dgm:style>
+      <a:lnRef idx="2">
+        <a:scrgbClr r="0" g="0" b="0"/>
+      </a:lnRef>
+      <a:fillRef idx="1">
+        <a:scrgbClr r="0" g="0" b="0"/>
+      </a:fillRef>
+      <a:effectRef idx="0">
+        <a:scrgbClr r="0" g="0" b="0"/>
+      </a:effectRef>
+      <a:fontRef idx="minor"/>
+    </dgm:style>
+  </dgm:styleLbl>
+  <dgm:styleLbl name="bgImgPlace1">
+    <dgm:scene3d>
+      <a:camera prst="orthographicFront"/>
+      <a:lightRig rig="threePt" dir="t"/>
+    </dgm:scene3d>
+    <dgm:sp3d/>
+    <dgm:txPr/>
+    <dgm:style>
+      <a:lnRef idx="2">
+        <a:scrgbClr r="0" g="0" b="0"/>
+      </a:lnRef>
+      <a:fillRef idx="1">
+        <a:scrgbClr r="0" g="0" b="0"/>
+      </a:fillRef>
+      <a:effectRef idx="0">
+        <a:scrgbClr r="0" g="0" b="0"/>
+      </a:effectRef>
+      <a:fontRef idx="minor"/>
+    </dgm:style>
+  </dgm:styleLbl>
+  <dgm:styleLbl name="sibTrans2D1">
+    <dgm:scene3d>
+      <a:camera prst="orthographicFront"/>
+      <a:lightRig rig="threePt" dir="t"/>
+    </dgm:scene3d>
+    <dgm:sp3d/>
+    <dgm:txPr/>
+    <dgm:style>
+      <a:lnRef idx="0">
+        <a:scrgbClr r="0" g="0" b="0"/>
+      </a:lnRef>
+      <a:fillRef idx="1">
+        <a:scrgbClr r="0" g="0" b="0"/>
+      </a:fillRef>
+      <a:effectRef idx="0">
+        <a:scrgbClr r="0" g="0" b="0"/>
+      </a:effectRef>
+      <a:fontRef idx="minor">
+        <a:schemeClr val="lt1"/>
+      </a:fontRef>
+    </dgm:style>
+  </dgm:styleLbl>
+  <dgm:styleLbl name="fgSibTrans2D1">
+    <dgm:scene3d>
+      <a:camera prst="orthographicFront"/>
+      <a:lightRig rig="threePt" dir="t"/>
+    </dgm:scene3d>
+    <dgm:sp3d/>
+    <dgm:txPr/>
+    <dgm:style>
+      <a:lnRef idx="0">
+        <a:scrgbClr r="0" g="0" b="0"/>
+      </a:lnRef>
+      <a:fillRef idx="1">
+        <a:scrgbClr r="0" g="0" b="0"/>
+      </a:fillRef>
+      <a:effectRef idx="0">
+        <a:scrgbClr r="0" g="0" b="0"/>
+      </a:effectRef>
+      <a:fontRef idx="minor">
+        <a:schemeClr val="lt1"/>
+      </a:fontRef>
+    </dgm:style>
+  </dgm:styleLbl>
+  <dgm:styleLbl name="bgSibTrans2D1">
+    <dgm:scene3d>
+      <a:camera prst="orthographicFront"/>
+      <a:lightRig rig="threePt" dir="t"/>
+    </dgm:scene3d>
+    <dgm:sp3d/>
+    <dgm:txPr/>
+    <dgm:style>
+      <a:lnRef idx="0">
+        <a:scrgbClr r="0" g="0" b="0"/>
+      </a:lnRef>
+      <a:fillRef idx="1">
+        <a:scrgbClr r="0" g="0" b="0"/>
+      </a:fillRef>
+      <a:effectRef idx="0">
+        <a:scrgbClr r="0" g="0" b="0"/>
+      </a:effectRef>
+      <a:fontRef idx="minor">
+        <a:schemeClr val="lt1"/>
+      </a:fontRef>
+    </dgm:style>
+  </dgm:styleLbl>
+  <dgm:styleLbl name="sibTrans1D1">
+    <dgm:scene3d>
+      <a:camera prst="orthographicFront"/>
+      <a:lightRig rig="threePt" dir="t"/>
+    </dgm:scene3d>
+    <dgm:sp3d/>
+    <dgm:txPr/>
+    <dgm:style>
+      <a:lnRef idx="1">
+        <a:scrgbClr r="0" g="0" b="0"/>
+      </a:lnRef>
+      <a:fillRef idx="0">
+        <a:scrgbClr r="0" g="0" b="0"/>
+      </a:fillRef>
+      <a:effectRef idx="0">
+        <a:scrgbClr r="0" g="0" b="0"/>
+      </a:effectRef>
+      <a:fontRef idx="minor"/>
+    </dgm:style>
+  </dgm:styleLbl>
+  <dgm:styleLbl name="callout">
+    <dgm:scene3d>
+      <a:camera prst="orthographicFront"/>
+      <a:lightRig rig="threePt" dir="t"/>
+    </dgm:scene3d>
+    <dgm:sp3d/>
+    <dgm:txPr/>
+    <dgm:style>
+      <a:lnRef idx="2">
+        <a:scrgbClr r="0" g="0" b="0"/>
+      </a:lnRef>
+      <a:fillRef idx="1">
+        <a:scrgbClr r="0" g="0" b="0"/>
+      </a:fillRef>
+      <a:effectRef idx="0">
+        <a:scrgbClr r="0" g="0" b="0"/>
+      </a:effectRef>
+      <a:fontRef idx="minor"/>
+    </dgm:style>
+  </dgm:styleLbl>
+  <dgm:styleLbl name="asst0">
+    <dgm:scene3d>
+      <a:camera prst="orthographicFront"/>
+      <a:lightRig rig="threePt" dir="t"/>
+    </dgm:scene3d>
+    <dgm:sp3d/>
+    <dgm:txPr/>
+    <dgm:style>
+      <a:lnRef idx="2">
+        <a:scrgbClr r="0" g="0" b="0"/>
+      </a:lnRef>
+      <a:fillRef idx="1">
+        <a:scrgbClr r="0" g="0" b="0"/>
+      </a:fillRef>
+      <a:effectRef idx="0">
+        <a:scrgbClr r="0" g="0" b="0"/>
+      </a:effectRef>
+      <a:fontRef idx="minor">
+        <a:schemeClr val="lt1"/>
+      </a:fontRef>
+    </dgm:style>
+  </dgm:styleLbl>
+  <dgm:styleLbl name="asst1">
+    <dgm:scene3d>
+      <a:camera prst="orthographicFront"/>
+      <a:lightRig rig="threePt" dir="t"/>
+    </dgm:scene3d>
+    <dgm:sp3d/>
+    <dgm:txPr/>
+    <dgm:style>
+      <a:lnRef idx="2">
+        <a:scrgbClr r="0" g="0" b="0"/>
+      </a:lnRef>
+      <a:fillRef idx="1">
+        <a:scrgbClr r="0" g="0" b="0"/>
+      </a:fillRef>
+      <a:effectRef idx="0">
+        <a:scrgbClr r="0" g="0" b="0"/>
+      </a:effectRef>
+      <a:fontRef idx="minor">
+        <a:schemeClr val="lt1"/>
+      </a:fontRef>
+    </dgm:style>
+  </dgm:styleLbl>
+  <dgm:styleLbl name="asst2">
+    <dgm:scene3d>
+      <a:camera prst="orthographicFront"/>
+      <a:lightRig rig="threePt" dir="t"/>
+    </dgm:scene3d>
+    <dgm:sp3d/>
+    <dgm:txPr/>
+    <dgm:style>
+      <a:lnRef idx="2">
+        <a:scrgbClr r="0" g="0" b="0"/>
+      </a:lnRef>
+      <a:fillRef idx="1">
+        <a:scrgbClr r="0" g="0" b="0"/>
+      </a:fillRef>
+      <a:effectRef idx="0">
+        <a:scrgbClr r="0" g="0" b="0"/>
+      </a:effectRef>
+      <a:fontRef idx="minor">
+        <a:schemeClr val="lt1"/>
+      </a:fontRef>
+    </dgm:style>
+  </dgm:styleLbl>
+  <dgm:styleLbl name="asst3">
+    <dgm:scene3d>
+      <a:camera prst="orthographicFront"/>
+      <a:lightRig rig="threePt" dir="t"/>
+    </dgm:scene3d>
+    <dgm:sp3d/>
+    <dgm:txPr/>
+    <dgm:style>
+      <a:lnRef idx="2">
+        <a:scrgbClr r="0" g="0" b="0"/>
+      </a:lnRef>
+      <a:fillRef idx="1">
+        <a:scrgbClr r="0" g="0" b="0"/>
+      </a:fillRef>
+      <a:effectRef idx="0">
+        <a:scrgbClr r="0" g="0" b="0"/>
+      </a:effectRef>
+      <a:fontRef idx="minor">
+        <a:schemeClr val="lt1"/>
+      </a:fontRef>
+    </dgm:style>
+  </dgm:styleLbl>
+  <dgm:styleLbl name="asst4">
+    <dgm:scene3d>
+      <a:camera prst="orthographicFront"/>
+      <a:lightRig rig="threePt" dir="t"/>
+    </dgm:scene3d>
+    <dgm:sp3d/>
+    <dgm:txPr/>
+    <dgm:style>
+      <a:lnRef idx="2">
+        <a:scrgbClr r="0" g="0" b="0"/>
+      </a:lnRef>
+      <a:fillRef idx="1">
+        <a:scrgbClr r="0" g="0" b="0"/>
+      </a:fillRef>
+      <a:effectRef idx="0">
+        <a:scrgbClr r="0" g="0" b="0"/>
+      </a:effectRef>
+      <a:fontRef idx="minor">
+        <a:schemeClr val="lt1"/>
+      </a:fontRef>
+    </dgm:style>
+  </dgm:styleLbl>
+  <dgm:styleLbl name="parChTrans2D1">
+    <dgm:scene3d>
+      <a:camera prst="orthographicFront"/>
+      <a:lightRig rig="threePt" dir="t"/>
+    </dgm:scene3d>
+    <dgm:sp3d/>
+    <dgm:txPr/>
+    <dgm:style>
+      <a:lnRef idx="2">
+        <a:scrgbClr r="0" g="0" b="0"/>
+      </a:lnRef>
+      <a:fillRef idx="1">
+        <a:scrgbClr r="0" g="0" b="0"/>
+      </a:fillRef>
+      <a:effectRef idx="0">
+        <a:scrgbClr r="0" g="0" b="0"/>
+      </a:effectRef>
+      <a:fontRef idx="minor">
+        <a:schemeClr val="lt1"/>
+      </a:fontRef>
+    </dgm:style>
+  </dgm:styleLbl>
+  <dgm:styleLbl name="parChTrans2D2">
+    <dgm:scene3d>
+      <a:camera prst="orthographicFront"/>
+      <a:lightRig rig="threePt" dir="t"/>
+    </dgm:scene3d>
+    <dgm:sp3d/>
+    <dgm:txPr/>
+    <dgm:style>
+      <a:lnRef idx="2">
+        <a:scrgbClr r="0" g="0" b="0"/>
+      </a:lnRef>
+      <a:fillRef idx="1">
+        <a:scrgbClr r="0" g="0" b="0"/>
+      </a:fillRef>
+      <a:effectRef idx="0">
+        <a:scrgbClr r="0" g="0" b="0"/>
+      </a:effectRef>
+      <a:fontRef idx="minor">
+        <a:schemeClr val="lt1"/>
+      </a:fontRef>
+    </dgm:style>
+  </dgm:styleLbl>
+  <dgm:styleLbl name="parChTrans2D3">
+    <dgm:scene3d>
+      <a:camera prst="orthographicFront"/>
+      <a:lightRig rig="threePt" dir="t"/>
+    </dgm:scene3d>
+    <dgm:sp3d/>
+    <dgm:txPr/>
+    <dgm:style>
+      <a:lnRef idx="2">
+        <a:scrgbClr r="0" g="0" b="0"/>
+      </a:lnRef>
+      <a:fillRef idx="1">
+        <a:scrgbClr r="0" g="0" b="0"/>
+      </a:fillRef>
+      <a:effectRef idx="0">
+        <a:scrgbClr r="0" g="0" b="0"/>
+      </a:effectRef>
+      <a:fontRef idx="minor">
+        <a:schemeClr val="lt1"/>
+      </a:fontRef>
+    </dgm:style>
+  </dgm:styleLbl>
+  <dgm:styleLbl name="parChTrans2D4">
+    <dgm:scene3d>
+      <a:camera prst="orthographicFront"/>
+      <a:lightRig rig="threePt" dir="t"/>
+    </dgm:scene3d>
+    <dgm:sp3d/>
+    <dgm:txPr/>
+    <dgm:style>
+      <a:lnRef idx="2">
+        <a:scrgbClr r="0" g="0" b="0"/>
+      </a:lnRef>
+      <a:fillRef idx="1">
+        <a:scrgbClr r="0" g="0" b="0"/>
+      </a:fillRef>
+      <a:effectRef idx="0">
+        <a:scrgbClr r="0" g="0" b="0"/>
+      </a:effectRef>
+      <a:fontRef idx="minor">
+        <a:schemeClr val="lt1"/>
+      </a:fontRef>
+    </dgm:style>
+  </dgm:styleLbl>
+  <dgm:styleLbl name="parChTrans1D1">
+    <dgm:scene3d>
+      <a:camera prst="orthographicFront"/>
+      <a:lightRig rig="threePt" dir="t"/>
+    </dgm:scene3d>
+    <dgm:sp3d/>
+    <dgm:txPr/>
+    <dgm:style>
+      <a:lnRef idx="2">
+        <a:scrgbClr r="0" g="0" b="0"/>
+      </a:lnRef>
+      <a:fillRef idx="0">
+        <a:scrgbClr r="0" g="0" b="0"/>
+      </a:fillRef>
+      <a:effectRef idx="0">
+        <a:scrgbClr r="0" g="0" b="0"/>
+      </a:effectRef>
+      <a:fontRef idx="minor"/>
+    </dgm:style>
+  </dgm:styleLbl>
+  <dgm:styleLbl name="parChTrans1D2">
+    <dgm:scene3d>
+      <a:camera prst="orthographicFront"/>
+      <a:lightRig rig="threePt" dir="t"/>
+    </dgm:scene3d>
+    <dgm:sp3d/>
+    <dgm:txPr/>
+    <dgm:style>
+      <a:lnRef idx="2">
+        <a:scrgbClr r="0" g="0" b="0"/>
+      </a:lnRef>
+      <a:fillRef idx="0">
+        <a:scrgbClr r="0" g="0" b="0"/>
+      </a:fillRef>
+      <a:effectRef idx="0">
+        <a:scrgbClr r="0" g="0" b="0"/>
+      </a:effectRef>
+      <a:fontRef idx="minor"/>
+    </dgm:style>
+  </dgm:styleLbl>
+  <dgm:styleLbl name="parChTrans1D3">
+    <dgm:scene3d>
+      <a:camera prst="orthographicFront"/>
+      <a:lightRig rig="threePt" dir="t"/>
+    </dgm:scene3d>
+    <dgm:sp3d/>
+    <dgm:txPr/>
+    <dgm:style>
+      <a:lnRef idx="2">
+        <a:scrgbClr r="0" g="0" b="0"/>
+      </a:lnRef>
+      <a:fillRef idx="0">
+        <a:scrgbClr r="0" g="0" b="0"/>
+      </a:fillRef>
+      <a:effectRef idx="0">
+        <a:scrgbClr r="0" g="0" b="0"/>
+      </a:effectRef>
+      <a:fontRef idx="minor"/>
+    </dgm:style>
+  </dgm:styleLbl>
+  <dgm:styleLbl name="parChTrans1D4">
+    <dgm:scene3d>
+      <a:camera prst="orthographicFront"/>
+      <a:lightRig rig="threePt" dir="t"/>
+    </dgm:scene3d>
+    <dgm:sp3d/>
+    <dgm:txPr/>
+    <dgm:style>
+      <a:lnRef idx="2">
+        <a:scrgbClr r="0" g="0" b="0"/>
+      </a:lnRef>
+      <a:fillRef idx="0">
+        <a:scrgbClr r="0" g="0" b="0"/>
+      </a:fillRef>
+      <a:effectRef idx="0">
+        <a:scrgbClr r="0" g="0" b="0"/>
+      </a:effectRef>
+      <a:fontRef idx="minor"/>
+    </dgm:style>
+  </dgm:styleLbl>
+  <dgm:styleLbl name="fgAcc1">
+    <dgm:scene3d>
+      <a:camera prst="orthographicFront"/>
+      <a:lightRig rig="threePt" dir="t"/>
+    </dgm:scene3d>
+    <dgm:sp3d/>
+    <dgm:txPr/>
+    <dgm:style>
+      <a:lnRef idx="2">
+        <a:scrgbClr r="0" g="0" b="0"/>
+      </a:lnRef>
+      <a:fillRef idx="1">
+        <a:scrgbClr r="0" g="0" b="0"/>
+      </a:fillRef>
+      <a:effectRef idx="0">
+        <a:scrgbClr r="0" g="0" b="0"/>
+      </a:effectRef>
+      <a:fontRef idx="minor"/>
+    </dgm:style>
+  </dgm:styleLbl>
+  <dgm:styleLbl name="conFgAcc1">
+    <dgm:scene3d>
+      <a:camera prst="orthographicFront"/>
+      <a:lightRig rig="threePt" dir="t"/>
+    </dgm:scene3d>
+    <dgm:sp3d/>
+    <dgm:txPr/>
+    <dgm:style>
+      <a:lnRef idx="2">
+        <a:scrgbClr r="0" g="0" b="0"/>
+      </a:lnRef>
+      <a:fillRef idx="1">
+        <a:scrgbClr r="0" g="0" b="0"/>
+      </a:fillRef>
+      <a:effectRef idx="0">
+        <a:scrgbClr r="0" g="0" b="0"/>
+      </a:effectRef>
+      <a:fontRef idx="minor"/>
+    </dgm:style>
+  </dgm:styleLbl>
+  <dgm:styleLbl name="alignAcc1">
+    <dgm:scene3d>
+      <a:camera prst="orthographicFront"/>
+      <a:lightRig rig="threePt" dir="t"/>
+    </dgm:scene3d>
+    <dgm:sp3d/>
+    <dgm:txPr/>
+    <dgm:style>
+      <a:lnRef idx="2">
+        <a:scrgbClr r="0" g="0" b="0"/>
+      </a:lnRef>
+      <a:fillRef idx="1">
+        <a:scrgbClr r="0" g="0" b="0"/>
+      </a:fillRef>
+      <a:effectRef idx="0">
+        <a:scrgbClr r="0" g="0" b="0"/>
+      </a:effectRef>
+      <a:fontRef idx="minor"/>
+    </dgm:style>
+  </dgm:styleLbl>
+  <dgm:styleLbl name="trAlignAcc1">
+    <dgm:scene3d>
+      <a:camera prst="orthographicFront"/>
+      <a:lightRig rig="threePt" dir="t"/>
+    </dgm:scene3d>
+    <dgm:sp3d/>
+    <dgm:txPr/>
+    <dgm:style>
+      <a:lnRef idx="1">
+        <a:scrgbClr r="0" g="0" b="0"/>
+      </a:lnRef>
+      <a:fillRef idx="1">
+        <a:scrgbClr r="0" g="0" b="0"/>
+      </a:fillRef>
+      <a:effectRef idx="0">
+        <a:scrgbClr r="0" g="0" b="0"/>
+      </a:effectRef>
+      <a:fontRef idx="minor"/>
+    </dgm:style>
+  </dgm:styleLbl>
+  <dgm:styleLbl name="bgAcc1">
+    <dgm:scene3d>
+      <a:camera prst="orthographicFront"/>
+      <a:lightRig rig="threePt" dir="t"/>
+    </dgm:scene3d>
+    <dgm:sp3d/>
+    <dgm:txPr/>
+    <dgm:style>
+      <a:lnRef idx="2">
+        <a:scrgbClr r="0" g="0" b="0"/>
+      </a:lnRef>
+      <a:fillRef idx="1">
+        <a:scrgbClr r="0" g="0" b="0"/>
+      </a:fillRef>
+      <a:effectRef idx="0">
+        <a:scrgbClr r="0" g="0" b="0"/>
+      </a:effectRef>
+      <a:fontRef idx="minor"/>
+    </dgm:style>
+  </dgm:styleLbl>
+  <dgm:styleLbl name="solidFgAcc1">
+    <dgm:scene3d>
+      <a:camera prst="orthographicFront"/>
+      <a:lightRig rig="threePt" dir="t"/>
+    </dgm:scene3d>
+    <dgm:sp3d/>
+    <dgm:txPr/>
+    <dgm:style>
+      <a:lnRef idx="2">
+        <a:scrgbClr r="0" g="0" b="0"/>
+      </a:lnRef>
+      <a:fillRef idx="1">
+        <a:scrgbClr r="0" g="0" b="0"/>
+      </a:fillRef>
+      <a:effectRef idx="0">
+        <a:scrgbClr r="0" g="0" b="0"/>
+      </a:effectRef>
+      <a:fontRef idx="minor"/>
+    </dgm:style>
+  </dgm:styleLbl>
+  <dgm:styleLbl name="solidAlignAcc1">
+    <dgm:scene3d>
+      <a:camera prst="orthographicFront"/>
+      <a:lightRig rig="threePt" dir="t"/>
+    </dgm:scene3d>
+    <dgm:sp3d/>
+    <dgm:txPr/>
+    <dgm:style>
+      <a:lnRef idx="2">
+        <a:scrgbClr r="0" g="0" b="0"/>
+      </a:lnRef>
+      <a:fillRef idx="1">
+        <a:scrgbClr r="0" g="0" b="0"/>
+      </a:fillRef>
+      <a:effectRef idx="0">
+        <a:scrgbClr r="0" g="0" b="0"/>
+      </a:effectRef>
+      <a:fontRef idx="minor"/>
+    </dgm:style>
+  </dgm:styleLbl>
+  <dgm:styleLbl name="solidBgAcc1">
+    <dgm:scene3d>
+      <a:camera prst="orthographicFront"/>
+      <a:lightRig rig="threePt" dir="t"/>
+    </dgm:scene3d>
+    <dgm:sp3d/>
+    <dgm:txPr/>
+    <dgm:style>
+      <a:lnRef idx="2">
+        <a:scrgbClr r="0" g="0" b="0"/>
+      </a:lnRef>
+      <a:fillRef idx="1">
+        <a:scrgbClr r="0" g="0" b="0"/>
+      </a:fillRef>
+      <a:effectRef idx="0">
+        <a:scrgbClr r="0" g="0" b="0"/>
+      </a:effectRef>
+      <a:fontRef idx="minor"/>
+    </dgm:style>
+  </dgm:styleLbl>
+  <dgm:styleLbl name="fgAccFollowNode1">
+    <dgm:scene3d>
+      <a:camera prst="orthographicFront"/>
+      <a:lightRig rig="threePt" dir="t"/>
+    </dgm:scene3d>
+    <dgm:sp3d/>
+    <dgm:txPr/>
+    <dgm:style>
+      <a:lnRef idx="2">
+        <a:scrgbClr r="0" g="0" b="0"/>
+      </a:lnRef>
+      <a:fillRef idx="1">
+        <a:scrgbClr r="0" g="0" b="0"/>
+      </a:fillRef>
+      <a:effectRef idx="0">
+        <a:scrgbClr r="0" g="0" b="0"/>
+      </a:effectRef>
+      <a:fontRef idx="minor"/>
+    </dgm:style>
+  </dgm:styleLbl>
+  <dgm:styleLbl name="alignAccFollowNode1">
+    <dgm:scene3d>
+      <a:camera prst="orthographicFront"/>
+      <a:lightRig rig="threePt" dir="t"/>
+    </dgm:scene3d>
+    <dgm:sp3d/>
+    <dgm:txPr/>
+    <dgm:style>
+      <a:lnRef idx="2">
+        <a:scrgbClr r="0" g="0" b="0"/>
+      </a:lnRef>
+      <a:fillRef idx="1">
+        <a:scrgbClr r="0" g="0" b="0"/>
+      </a:fillRef>
+      <a:effectRef idx="0">
+        <a:scrgbClr r="0" g="0" b="0"/>
+      </a:effectRef>
+      <a:fontRef idx="minor"/>
+    </dgm:style>
+  </dgm:styleLbl>
+  <dgm:styleLbl name="bgAccFollowNode1">
+    <dgm:scene3d>
+      <a:camera prst="orthographicFront"/>
+      <a:lightRig rig="threePt" dir="t"/>
+    </dgm:scene3d>
+    <dgm:sp3d/>
+    <dgm:txPr/>
+    <dgm:style>
+      <a:lnRef idx="2">
+        <a:scrgbClr r="0" g="0" b="0"/>
+      </a:lnRef>
+      <a:fillRef idx="1">
+        <a:scrgbClr r="0" g="0" b="0"/>
+      </a:fillRef>
+      <a:effectRef idx="0">
+        <a:scrgbClr r="0" g="0" b="0"/>
+      </a:effectRef>
+      <a:fontRef idx="minor"/>
+    </dgm:style>
+  </dgm:styleLbl>
+  <dgm:styleLbl name="fgAcc0">
+    <dgm:scene3d>
+      <a:camera prst="orthographicFront"/>
+      <a:lightRig rig="threePt" dir="t"/>
+    </dgm:scene3d>
+    <dgm:sp3d/>
+    <dgm:txPr/>
+    <dgm:style>
+      <a:lnRef idx="2">
+        <a:scrgbClr r="0" g="0" b="0"/>
+      </a:lnRef>
+      <a:fillRef idx="1">
+        <a:scrgbClr r="0" g="0" b="0"/>
+      </a:fillRef>
+      <a:effectRef idx="0">
+        <a:scrgbClr r="0" g="0" b="0"/>
+      </a:effectRef>
+      <a:fontRef idx="minor"/>
+    </dgm:style>
+  </dgm:styleLbl>
+  <dgm:styleLbl name="fgAcc2">
+    <dgm:scene3d>
+      <a:camera prst="orthographicFront"/>
+      <a:lightRig rig="threePt" dir="t"/>
+    </dgm:scene3d>
+    <dgm:sp3d/>
+    <dgm:txPr/>
+    <dgm:style>
+      <a:lnRef idx="2">
+        <a:scrgbClr r="0" g="0" b="0"/>
+      </a:lnRef>
+      <a:fillRef idx="1">
+        <a:scrgbClr r="0" g="0" b="0"/>
+      </a:fillRef>
+      <a:effectRef idx="0">
+        <a:scrgbClr r="0" g="0" b="0"/>
+      </a:effectRef>
+      <a:fontRef idx="minor"/>
+    </dgm:style>
+  </dgm:styleLbl>
+  <dgm:styleLbl name="fgAcc3">
+    <dgm:scene3d>
+      <a:camera prst="orthographicFront"/>
+      <a:lightRig rig="threePt" dir="t"/>
+    </dgm:scene3d>
+    <dgm:sp3d/>
+    <dgm:txPr/>
+    <dgm:style>
+      <a:lnRef idx="2">
+        <a:scrgbClr r="0" g="0" b="0"/>
+      </a:lnRef>
+      <a:fillRef idx="1">
+        <a:scrgbClr r="0" g="0" b="0"/>
+      </a:fillRef>
+      <a:effectRef idx="0">
+        <a:scrgbClr r="0" g="0" b="0"/>
+      </a:effectRef>
+      <a:fontRef idx="minor"/>
+    </dgm:style>
+  </dgm:styleLbl>
+  <dgm:styleLbl name="fgAcc4">
+    <dgm:scene3d>
+      <a:camera prst="orthographicFront"/>
+      <a:lightRig rig="threePt" dir="t"/>
+    </dgm:scene3d>
+    <dgm:sp3d/>
+    <dgm:txPr/>
+    <dgm:style>
+      <a:lnRef idx="2">
+        <a:scrgbClr r="0" g="0" b="0"/>
+      </a:lnRef>
+      <a:fillRef idx="1">
+        <a:scrgbClr r="0" g="0" b="0"/>
+      </a:fillRef>
+      <a:effectRef idx="0">
+        <a:scrgbClr r="0" g="0" b="0"/>
+      </a:effectRef>
+      <a:fontRef idx="minor"/>
+    </dgm:style>
+  </dgm:styleLbl>
+  <dgm:styleLbl name="bgShp">
+    <dgm:scene3d>
+      <a:camera prst="orthographicFront"/>
+      <a:lightRig rig="threePt" dir="t"/>
+    </dgm:scene3d>
+    <dgm:sp3d/>
+    <dgm:txPr/>
+    <dgm:style>
+      <a:lnRef idx="0">
+        <a:scrgbClr r="0" g="0" b="0"/>
+      </a:lnRef>
+      <a:fillRef idx="1">
+        <a:scrgbClr r="0" g="0" b="0"/>
+      </a:fillRef>
+      <a:effectRef idx="0">
+        <a:scrgbClr r="0" g="0" b="0"/>
+      </a:effectRef>
+      <a:fontRef idx="minor"/>
+    </dgm:style>
+  </dgm:styleLbl>
+  <dgm:styleLbl name="dkBgShp">
+    <dgm:scene3d>
+      <a:camera prst="orthographicFront"/>
+      <a:lightRig rig="threePt" dir="t"/>
+    </dgm:scene3d>
+    <dgm:sp3d/>
+    <dgm:txPr/>
+    <dgm:style>
+      <a:lnRef idx="0">
+        <a:scrgbClr r="0" g="0" b="0"/>
+      </a:lnRef>
+      <a:fillRef idx="1">
+        <a:scrgbClr r="0" g="0" b="0"/>
+      </a:fillRef>
+      <a:effectRef idx="0">
+        <a:scrgbClr r="0" g="0" b="0"/>
+      </a:effectRef>
+      <a:fontRef idx="minor"/>
+    </dgm:style>
+  </dgm:styleLbl>
+  <dgm:styleLbl name="trBgShp">
+    <dgm:scene3d>
+      <a:camera prst="orthographicFront"/>
+      <a:lightRig rig="threePt" dir="t"/>
+    </dgm:scene3d>
+    <dgm:sp3d/>
+    <dgm:txPr/>
+    <dgm:style>
+      <a:lnRef idx="0">
+        <a:scrgbClr r="0" g="0" b="0"/>
+      </a:lnRef>
+      <a:fillRef idx="1">
+        <a:scrgbClr r="0" g="0" b="0"/>
+      </a:fillRef>
+      <a:effectRef idx="0">
+        <a:scrgbClr r="0" g="0" b="0"/>
+      </a:effectRef>
+      <a:fontRef idx="minor"/>
+    </dgm:style>
+  </dgm:styleLbl>
+  <dgm:styleLbl name="fgShp">
+    <dgm:scene3d>
+      <a:camera prst="orthographicFront"/>
+      <a:lightRig rig="threePt" dir="t"/>
+    </dgm:scene3d>
+    <dgm:sp3d/>
+    <dgm:txPr/>
+    <dgm:style>
+      <a:lnRef idx="2">
+        <a:scrgbClr r="0" g="0" b="0"/>
+      </a:lnRef>
+      <a:fillRef idx="1">
+        <a:scrgbClr r="0" g="0" b="0"/>
+      </a:fillRef>
+      <a:effectRef idx="0">
+        <a:scrgbClr r="0" g="0" b="0"/>
+      </a:effectRef>
+      <a:fontRef idx="minor"/>
+    </dgm:style>
+  </dgm:styleLbl>
+  <dgm:styleLbl name="revTx">
+    <dgm:scene3d>
+      <a:camera prst="orthographicFront"/>
+      <a:lightRig rig="threePt" dir="t"/>
+    </dgm:scene3d>
+    <dgm:sp3d/>
+    <dgm:txPr/>
+    <dgm:style>
+      <a:lnRef idx="0">
+        <a:scrgbClr r="0" g="0" b="0"/>
+      </a:lnRef>
+      <a:fillRef idx="0">
+        <a:scrgbClr r="0" g="0" b="0"/>
+      </a:fillRef>
+      <a:effectRef idx="0">
+        <a:scrgbClr r="0" g="0" b="0"/>
+      </a:effectRef>
+      <a:fontRef idx="minor"/>
+    </dgm:style>
+  </dgm:styleLbl>
+</dgm:styleDef>
 </file>
 
 <file path=ppt/slideLayouts/slideLayout1.xml><?xml version="1.0" encoding="utf-8"?>
@@ -6371,13 +9026,19 @@
             <p:ph type="ctrTitle"/>
           </p:nvPr>
         </p:nvSpPr>
-        <p:spPr/>
+        <p:spPr>
+          <a:xfrm>
+            <a:off x="3896881" y="1845892"/>
+            <a:ext cx="2828660" cy="926208"/>
+          </a:xfrm>
+        </p:spPr>
         <p:txBody>
           <a:bodyPr/>
           <a:lstStyle/>
           <a:p>
-            <a:r>
-              <a:rPr lang="en-US" dirty="0"/>
+            <a:pPr algn="l"/>
+            <a:r>
+              <a:rPr lang="en-US" sz="7200" dirty="0"/>
               <a:t>VUBA</a:t>
             </a:r>
           </a:p>
@@ -6401,55 +9062,57 @@
         </p:nvSpPr>
         <p:spPr>
           <a:xfrm>
-            <a:off x="7357929" y="4050833"/>
-            <a:ext cx="1916074" cy="2042318"/>
+            <a:off x="3896882" y="2674961"/>
+            <a:ext cx="2828659" cy="2281600"/>
           </a:xfrm>
         </p:spPr>
         <p:txBody>
-          <a:bodyPr/>
+          <a:bodyPr>
+            <a:normAutofit/>
+          </a:bodyPr>
           <a:lstStyle/>
           <a:p>
             <a:pPr algn="l"/>
             <a:r>
-              <a:rPr lang="en-US" b="1" dirty="0" err="1"/>
+              <a:rPr lang="en-US" sz="2400" b="1" dirty="0" err="1"/>
               <a:t>Vereinigte</a:t>
             </a:r>
             <a:r>
-              <a:rPr lang="en-US" dirty="0"/>
+              <a:rPr lang="en-US" sz="2400" dirty="0"/>
               <a:t> </a:t>
             </a:r>
           </a:p>
           <a:p>
             <a:pPr algn="l"/>
             <a:r>
-              <a:rPr lang="en-US" b="1" dirty="0" err="1"/>
+              <a:rPr lang="en-US" sz="2400" b="1" dirty="0" err="1"/>
               <a:t>Ubersicht</a:t>
             </a:r>
             <a:r>
-              <a:rPr lang="en-US" dirty="0"/>
+              <a:rPr lang="en-US" sz="2400" dirty="0"/>
               <a:t> </a:t>
             </a:r>
             <a:r>
-              <a:rPr lang="en-US" dirty="0" err="1"/>
+              <a:rPr lang="en-US" sz="2400" dirty="0" err="1"/>
               <a:t>aller</a:t>
             </a:r>
-            <a:endParaRPr lang="en-US" dirty="0"/>
+            <a:endParaRPr lang="en-US" sz="2400" dirty="0"/>
           </a:p>
           <a:p>
             <a:pPr algn="l"/>
             <a:r>
-              <a:rPr lang="en-US" b="1" dirty="0" err="1"/>
+              <a:rPr lang="en-US" sz="2400" b="1" dirty="0" err="1"/>
               <a:t>Bikesharing</a:t>
             </a:r>
-            <a:endParaRPr lang="en-US" b="1" dirty="0"/>
+            <a:endParaRPr lang="en-US" sz="2400" b="1" dirty="0"/>
           </a:p>
           <a:p>
             <a:pPr algn="l"/>
             <a:r>
-              <a:rPr lang="en-US" b="1" dirty="0" err="1"/>
+              <a:rPr lang="en-US" sz="2400" b="1" dirty="0" err="1"/>
               <a:t>Anbieter</a:t>
             </a:r>
-            <a:endParaRPr lang="en-US" b="1" dirty="0"/>
+            <a:endParaRPr lang="en-US" sz="2400" b="1" dirty="0"/>
           </a:p>
         </p:txBody>
       </p:sp>
@@ -6544,6 +9207,109 @@
           <a:bodyPr/>
           <a:lstStyle/>
           <a:p>
+            <a:r>
+              <a:rPr lang="en-US" dirty="0"/>
+              <a:t>Es </a:t>
+            </a:r>
+            <a:r>
+              <a:rPr lang="en-US" dirty="0" err="1"/>
+              <a:t>gibt</a:t>
+            </a:r>
+            <a:r>
+              <a:rPr lang="en-US" dirty="0"/>
+              <a:t> VIELE Bike Sharing </a:t>
+            </a:r>
+            <a:r>
+              <a:rPr lang="en-US" dirty="0" err="1"/>
+              <a:t>Anbieter</a:t>
+            </a:r>
+            <a:endParaRPr lang="en-US" dirty="0"/>
+          </a:p>
+          <a:p>
+            <a:pPr lvl="1"/>
+            <a:r>
+              <a:rPr lang="en-US" dirty="0"/>
+              <a:t>Nextbike</a:t>
+            </a:r>
+          </a:p>
+          <a:p>
+            <a:pPr lvl="1"/>
+            <a:r>
+              <a:rPr lang="en-US" dirty="0"/>
+              <a:t>Call a Bike</a:t>
+            </a:r>
+          </a:p>
+          <a:p>
+            <a:pPr lvl="1"/>
+            <a:r>
+              <a:rPr lang="en-US" dirty="0" err="1"/>
+              <a:t>Mobike</a:t>
+            </a:r>
+            <a:endParaRPr lang="en-US" dirty="0"/>
+          </a:p>
+          <a:p>
+            <a:pPr lvl="1"/>
+            <a:r>
+              <a:rPr lang="en-US"/>
+              <a:t>JumpBike</a:t>
+            </a:r>
+            <a:endParaRPr lang="en-US" dirty="0"/>
+          </a:p>
+          <a:p>
+            <a:pPr lvl="1"/>
+            <a:r>
+              <a:rPr lang="en-US" dirty="0"/>
+              <a:t>Donkey Republic</a:t>
+            </a:r>
+          </a:p>
+          <a:p>
+            <a:r>
+              <a:rPr lang="en-US" dirty="0" err="1"/>
+              <a:t>Wenn</a:t>
+            </a:r>
+            <a:r>
+              <a:rPr lang="en-US" dirty="0"/>
+              <a:t> ich </a:t>
+            </a:r>
+            <a:r>
+              <a:rPr lang="en-US" dirty="0" err="1"/>
+              <a:t>ein</a:t>
+            </a:r>
+            <a:r>
+              <a:rPr lang="en-US" dirty="0"/>
+              <a:t> Bike </a:t>
+            </a:r>
+            <a:r>
+              <a:rPr lang="en-US" dirty="0" err="1"/>
+              <a:t>haben</a:t>
+            </a:r>
+            <a:r>
+              <a:rPr lang="en-US" dirty="0"/>
+              <a:t> will, muss ich </a:t>
+            </a:r>
+            <a:r>
+              <a:rPr lang="en-US" dirty="0" err="1"/>
+              <a:t>bei</a:t>
+            </a:r>
+            <a:r>
+              <a:rPr lang="en-US" dirty="0"/>
+              <a:t> 10 </a:t>
+            </a:r>
+            <a:r>
+              <a:rPr lang="en-US" dirty="0" err="1"/>
+              <a:t>Anbietern</a:t>
+            </a:r>
+            <a:r>
+              <a:rPr lang="en-US" dirty="0"/>
+              <a:t> </a:t>
+            </a:r>
+            <a:r>
+              <a:rPr lang="en-US" dirty="0" err="1"/>
+              <a:t>gucken</a:t>
+            </a:r>
+            <a:endParaRPr lang="en-US" dirty="0"/>
+          </a:p>
+          <a:p>
             <a:endParaRPr lang="en-US" dirty="0"/>
           </a:p>
         </p:txBody>
@@ -6552,6 +9318,345 @@
     <p:extLst>
       <p:ext uri="{BB962C8B-B14F-4D97-AF65-F5344CB8AC3E}">
         <p14:creationId xmlns:p14="http://schemas.microsoft.com/office/powerpoint/2010/main" val="838474391"/>
+      </p:ext>
+    </p:extLst>
+  </p:cSld>
+  <p:clrMapOvr>
+    <a:masterClrMapping/>
+  </p:clrMapOvr>
+  <mc:AlternateContent xmlns:mc="http://schemas.openxmlformats.org/markup-compatibility/2006" xmlns:p14="http://schemas.microsoft.com/office/powerpoint/2010/main">
+    <mc:Choice Requires="p14">
+      <p:transition p14:dur="250">
+        <p:push dir="u"/>
+      </p:transition>
+    </mc:Choice>
+    <mc:Fallback xmlns="">
+      <p:transition>
+        <p:push dir="u"/>
+      </p:transition>
+    </mc:Fallback>
+  </mc:AlternateContent>
+</p:sld>
+</file>
+
+<file path=ppt/slides/slide3.xml><?xml version="1.0" encoding="utf-8"?>
+<p:sld xmlns:a="http://schemas.openxmlformats.org/drawingml/2006/main" xmlns:r="http://schemas.openxmlformats.org/officeDocument/2006/relationships" xmlns:p="http://schemas.openxmlformats.org/presentationml/2006/main">
+  <p:cSld>
+    <p:spTree>
+      <p:nvGrpSpPr>
+        <p:cNvPr id="1" name=""/>
+        <p:cNvGrpSpPr/>
+        <p:nvPr/>
+      </p:nvGrpSpPr>
+      <p:grpSpPr>
+        <a:xfrm>
+          <a:off x="0" y="0"/>
+          <a:ext cx="0" cy="0"/>
+          <a:chOff x="0" y="0"/>
+          <a:chExt cx="0" cy="0"/>
+        </a:xfrm>
+      </p:grpSpPr>
+      <p:sp>
+        <p:nvSpPr>
+          <p:cNvPr id="2" name="Title 1">
+            <a:extLst>
+              <a:ext uri="{FF2B5EF4-FFF2-40B4-BE49-F238E27FC236}">
+                <a16:creationId xmlns:a16="http://schemas.microsoft.com/office/drawing/2014/main" id="{3E24B55E-6F17-4F29-99E7-68995ACF88D9}"/>
+              </a:ext>
+            </a:extLst>
+          </p:cNvPr>
+          <p:cNvSpPr>
+            <a:spLocks noGrp="1"/>
+          </p:cNvSpPr>
+          <p:nvPr>
+            <p:ph type="title"/>
+          </p:nvPr>
+        </p:nvSpPr>
+        <p:spPr/>
+        <p:txBody>
+          <a:bodyPr/>
+          <a:lstStyle/>
+          <a:p>
+            <a:r>
+              <a:rPr lang="en-US" dirty="0"/>
+              <a:t>Die </a:t>
+            </a:r>
+            <a:r>
+              <a:rPr lang="en-US" dirty="0" err="1"/>
+              <a:t>Lösung</a:t>
+            </a:r>
+            <a:endParaRPr lang="en-US" dirty="0"/>
+          </a:p>
+        </p:txBody>
+      </p:sp>
+      <p:sp>
+        <p:nvSpPr>
+          <p:cNvPr id="3" name="Content Placeholder 2">
+            <a:extLst>
+              <a:ext uri="{FF2B5EF4-FFF2-40B4-BE49-F238E27FC236}">
+                <a16:creationId xmlns:a16="http://schemas.microsoft.com/office/drawing/2014/main" id="{6C8DD6F1-3844-4168-B261-B68BC234C721}"/>
+              </a:ext>
+            </a:extLst>
+          </p:cNvPr>
+          <p:cNvSpPr>
+            <a:spLocks noGrp="1"/>
+          </p:cNvSpPr>
+          <p:nvPr>
+            <p:ph idx="1"/>
+          </p:nvPr>
+        </p:nvSpPr>
+        <p:spPr/>
+        <p:txBody>
+          <a:bodyPr/>
+          <a:lstStyle/>
+          <a:p>
+            <a:r>
+              <a:rPr lang="en-US" dirty="0"/>
+              <a:t>Eine PWA die Bikes von </a:t>
+            </a:r>
+            <a:r>
+              <a:rPr lang="en-US" dirty="0" err="1"/>
+              <a:t>vielen</a:t>
+            </a:r>
+            <a:r>
+              <a:rPr lang="en-US" dirty="0"/>
+              <a:t> </a:t>
+            </a:r>
+            <a:r>
+              <a:rPr lang="en-US" dirty="0" err="1"/>
+              <a:t>Anbietern</a:t>
+            </a:r>
+            <a:r>
+              <a:rPr lang="en-US" dirty="0"/>
+              <a:t> auf </a:t>
+            </a:r>
+            <a:r>
+              <a:rPr lang="en-US" dirty="0" err="1"/>
+              <a:t>einmal</a:t>
+            </a:r>
+            <a:r>
+              <a:rPr lang="en-US" dirty="0"/>
+              <a:t> </a:t>
+            </a:r>
+            <a:r>
+              <a:rPr lang="en-US" dirty="0" err="1"/>
+              <a:t>angezeigt</a:t>
+            </a:r>
+            <a:endParaRPr lang="en-US" dirty="0"/>
+          </a:p>
+          <a:p>
+            <a:r>
+              <a:rPr lang="en-US" dirty="0"/>
+              <a:t>OSM </a:t>
+            </a:r>
+            <a:r>
+              <a:rPr lang="en-US" dirty="0" err="1"/>
+              <a:t>ist</a:t>
+            </a:r>
+            <a:r>
+              <a:rPr lang="en-US" dirty="0"/>
+              <a:t> toll</a:t>
+            </a:r>
+          </a:p>
+        </p:txBody>
+      </p:sp>
+    </p:spTree>
+    <p:extLst>
+      <p:ext uri="{BB962C8B-B14F-4D97-AF65-F5344CB8AC3E}">
+        <p14:creationId xmlns:p14="http://schemas.microsoft.com/office/powerpoint/2010/main" val="3042623057"/>
+      </p:ext>
+    </p:extLst>
+  </p:cSld>
+  <p:clrMapOvr>
+    <a:masterClrMapping/>
+  </p:clrMapOvr>
+  <mc:AlternateContent xmlns:mc="http://schemas.openxmlformats.org/markup-compatibility/2006" xmlns:p14="http://schemas.microsoft.com/office/powerpoint/2010/main">
+    <mc:Choice Requires="p14">
+      <p:transition p14:dur="250">
+        <p:push dir="u"/>
+      </p:transition>
+    </mc:Choice>
+    <mc:Fallback xmlns="">
+      <p:transition>
+        <p:push dir="u"/>
+      </p:transition>
+    </mc:Fallback>
+  </mc:AlternateContent>
+</p:sld>
+</file>
+
+<file path=ppt/slides/slide4.xml><?xml version="1.0" encoding="utf-8"?>
+<p:sld xmlns:a="http://schemas.openxmlformats.org/drawingml/2006/main" xmlns:r="http://schemas.openxmlformats.org/officeDocument/2006/relationships" xmlns:p="http://schemas.openxmlformats.org/presentationml/2006/main">
+  <p:cSld>
+    <p:spTree>
+      <p:nvGrpSpPr>
+        <p:cNvPr id="1" name=""/>
+        <p:cNvGrpSpPr/>
+        <p:nvPr/>
+      </p:nvGrpSpPr>
+      <p:grpSpPr>
+        <a:xfrm>
+          <a:off x="0" y="0"/>
+          <a:ext cx="0" cy="0"/>
+          <a:chOff x="0" y="0"/>
+          <a:chExt cx="0" cy="0"/>
+        </a:xfrm>
+      </p:grpSpPr>
+      <p:sp>
+        <p:nvSpPr>
+          <p:cNvPr id="2" name="Title 1">
+            <a:extLst>
+              <a:ext uri="{FF2B5EF4-FFF2-40B4-BE49-F238E27FC236}">
+                <a16:creationId xmlns:a16="http://schemas.microsoft.com/office/drawing/2014/main" id="{45FEF3C4-BDF9-4B76-9B17-5C9A2F75B960}"/>
+              </a:ext>
+            </a:extLst>
+          </p:cNvPr>
+          <p:cNvSpPr>
+            <a:spLocks noGrp="1"/>
+          </p:cNvSpPr>
+          <p:nvPr>
+            <p:ph type="title"/>
+          </p:nvPr>
+        </p:nvSpPr>
+        <p:spPr/>
+        <p:txBody>
+          <a:bodyPr/>
+          <a:lstStyle/>
+          <a:p>
+            <a:r>
+              <a:rPr lang="en-US" dirty="0"/>
+              <a:t>Wie</a:t>
+            </a:r>
+          </a:p>
+        </p:txBody>
+      </p:sp>
+      <p:graphicFrame>
+        <p:nvGraphicFramePr>
+          <p:cNvPr id="4" name="Content Placeholder 3">
+            <a:extLst>
+              <a:ext uri="{FF2B5EF4-FFF2-40B4-BE49-F238E27FC236}">
+                <a16:creationId xmlns:a16="http://schemas.microsoft.com/office/drawing/2014/main" id="{B47CF780-046D-4D5D-8285-74D587DA0693}"/>
+              </a:ext>
+            </a:extLst>
+          </p:cNvPr>
+          <p:cNvGraphicFramePr>
+            <a:graphicFrameLocks noGrp="1"/>
+          </p:cNvGraphicFramePr>
+          <p:nvPr>
+            <p:ph idx="1"/>
+            <p:extLst>
+              <p:ext uri="{D42A27DB-BD31-4B8C-83A1-F6EECF244321}">
+                <p14:modId xmlns:p14="http://schemas.microsoft.com/office/powerpoint/2010/main" val="2573886262"/>
+              </p:ext>
+            </p:extLst>
+          </p:nvPr>
+        </p:nvGraphicFramePr>
+        <p:xfrm>
+          <a:off x="677863" y="1367328"/>
+          <a:ext cx="8596312" cy="5264208"/>
+        </p:xfrm>
+        <a:graphic>
+          <a:graphicData uri="http://schemas.openxmlformats.org/drawingml/2006/diagram">
+            <dgm:relIds xmlns:dgm="http://schemas.openxmlformats.org/drawingml/2006/diagram" xmlns:r="http://schemas.openxmlformats.org/officeDocument/2006/relationships" r:dm="rId2" r:lo="rId3" r:qs="rId4" r:cs="rId5"/>
+          </a:graphicData>
+        </a:graphic>
+      </p:graphicFrame>
+    </p:spTree>
+    <p:extLst>
+      <p:ext uri="{BB962C8B-B14F-4D97-AF65-F5344CB8AC3E}">
+        <p14:creationId xmlns:p14="http://schemas.microsoft.com/office/powerpoint/2010/main" val="1368991502"/>
+      </p:ext>
+    </p:extLst>
+  </p:cSld>
+  <p:clrMapOvr>
+    <a:masterClrMapping/>
+  </p:clrMapOvr>
+  <mc:AlternateContent xmlns:mc="http://schemas.openxmlformats.org/markup-compatibility/2006" xmlns:p14="http://schemas.microsoft.com/office/powerpoint/2010/main">
+    <mc:Choice Requires="p14">
+      <p:transition p14:dur="250">
+        <p:push dir="u"/>
+      </p:transition>
+    </mc:Choice>
+    <mc:Fallback xmlns="">
+      <p:transition>
+        <p:push dir="u"/>
+      </p:transition>
+    </mc:Fallback>
+  </mc:AlternateContent>
+</p:sld>
+</file>
+
+<file path=ppt/slides/slide5.xml><?xml version="1.0" encoding="utf-8"?>
+<p:sld xmlns:a="http://schemas.openxmlformats.org/drawingml/2006/main" xmlns:r="http://schemas.openxmlformats.org/officeDocument/2006/relationships" xmlns:p="http://schemas.openxmlformats.org/presentationml/2006/main">
+  <p:cSld>
+    <p:spTree>
+      <p:nvGrpSpPr>
+        <p:cNvPr id="1" name=""/>
+        <p:cNvGrpSpPr/>
+        <p:nvPr/>
+      </p:nvGrpSpPr>
+      <p:grpSpPr>
+        <a:xfrm>
+          <a:off x="0" y="0"/>
+          <a:ext cx="0" cy="0"/>
+          <a:chOff x="0" y="0"/>
+          <a:chExt cx="0" cy="0"/>
+        </a:xfrm>
+      </p:grpSpPr>
+      <p:sp>
+        <p:nvSpPr>
+          <p:cNvPr id="2" name="Title 1">
+            <a:extLst>
+              <a:ext uri="{FF2B5EF4-FFF2-40B4-BE49-F238E27FC236}">
+                <a16:creationId xmlns:a16="http://schemas.microsoft.com/office/drawing/2014/main" id="{B64DE2D2-4F56-489C-B6F2-FA18819AE54A}"/>
+              </a:ext>
+            </a:extLst>
+          </p:cNvPr>
+          <p:cNvSpPr>
+            <a:spLocks noGrp="1"/>
+          </p:cNvSpPr>
+          <p:nvPr>
+            <p:ph type="title"/>
+          </p:nvPr>
+        </p:nvSpPr>
+        <p:spPr/>
+        <p:txBody>
+          <a:bodyPr/>
+          <a:lstStyle/>
+          <a:p>
+            <a:endParaRPr lang="en-US" dirty="0"/>
+          </a:p>
+        </p:txBody>
+      </p:sp>
+      <p:sp>
+        <p:nvSpPr>
+          <p:cNvPr id="3" name="Content Placeholder 2">
+            <a:extLst>
+              <a:ext uri="{FF2B5EF4-FFF2-40B4-BE49-F238E27FC236}">
+                <a16:creationId xmlns:a16="http://schemas.microsoft.com/office/drawing/2014/main" id="{F30F7B09-BF1E-4B04-9EA5-9C188DB1FC63}"/>
+              </a:ext>
+            </a:extLst>
+          </p:cNvPr>
+          <p:cNvSpPr>
+            <a:spLocks noGrp="1"/>
+          </p:cNvSpPr>
+          <p:nvPr>
+            <p:ph idx="1"/>
+          </p:nvPr>
+        </p:nvSpPr>
+        <p:spPr/>
+        <p:txBody>
+          <a:bodyPr/>
+          <a:lstStyle/>
+          <a:p>
+            <a:endParaRPr lang="en-US"/>
+          </a:p>
+        </p:txBody>
+      </p:sp>
+    </p:spTree>
+    <p:extLst>
+      <p:ext uri="{BB962C8B-B14F-4D97-AF65-F5344CB8AC3E}">
+        <p14:creationId xmlns:p14="http://schemas.microsoft.com/office/powerpoint/2010/main" val="1544574938"/>
       </p:ext>
     </p:extLst>
   </p:cSld>

--- a/VUBA.pptx
+++ b/VUBA.pptx
@@ -959,7 +959,15 @@
         <a:p>
           <a:r>
             <a:rPr lang="en-US" sz="3200" dirty="0"/>
-            <a:t>Clients (PWA)</a:t>
+            <a:t>Clients (PWA, OSM </a:t>
+          </a:r>
+          <a:r>
+            <a:rPr lang="en-US" sz="3200" dirty="0" err="1"/>
+            <a:t>Karte</a:t>
+          </a:r>
+          <a:r>
+            <a:rPr lang="en-US" sz="3200" dirty="0"/>
+            <a:t>)</a:t>
           </a:r>
         </a:p>
       </dgm:t>
@@ -1489,7 +1497,15 @@
           </a:pPr>
           <a:r>
             <a:rPr lang="en-US" sz="3200" kern="1200" dirty="0"/>
-            <a:t>Clients (PWA)</a:t>
+            <a:t>Clients (PWA, OSM </a:t>
+          </a:r>
+          <a:r>
+            <a:rPr lang="en-US" sz="3200" kern="1200" dirty="0" err="1"/>
+            <a:t>Karte</a:t>
+          </a:r>
+          <a:r>
+            <a:rPr lang="en-US" sz="3200" kern="1200" dirty="0"/>
+            <a:t>)</a:t>
           </a:r>
         </a:p>
       </dsp:txBody>
@@ -9250,7 +9266,7 @@
           <a:p>
             <a:pPr lvl="1"/>
             <a:r>
-              <a:rPr lang="en-US"/>
+              <a:rPr lang="en-US" dirty="0" err="1"/>
               <a:t>JumpBike</a:t>
             </a:r>
             <a:endParaRPr lang="en-US" dirty="0"/>
@@ -9445,18 +9461,7 @@
             <a:endParaRPr lang="en-US" dirty="0"/>
           </a:p>
           <a:p>
-            <a:r>
-              <a:rPr lang="en-US" dirty="0"/>
-              <a:t>OSM </a:t>
-            </a:r>
-            <a:r>
-              <a:rPr lang="en-US" dirty="0" err="1"/>
-              <a:t>ist</a:t>
-            </a:r>
-            <a:r>
-              <a:rPr lang="en-US" dirty="0"/>
-              <a:t> toll</a:t>
-            </a:r>
+            <a:endParaRPr lang="en-US" dirty="0"/>
           </a:p>
         </p:txBody>
       </p:sp>
@@ -9546,7 +9551,7 @@
             <p:ph idx="1"/>
             <p:extLst>
               <p:ext uri="{D42A27DB-BD31-4B8C-83A1-F6EECF244321}">
-                <p14:modId xmlns:p14="http://schemas.microsoft.com/office/powerpoint/2010/main" val="2573886262"/>
+                <p14:modId xmlns:p14="http://schemas.microsoft.com/office/powerpoint/2010/main" val="3471170687"/>
               </p:ext>
             </p:extLst>
           </p:nvPr>
@@ -9624,7 +9629,34 @@
           <a:bodyPr/>
           <a:lstStyle/>
           <a:p>
-            <a:endParaRPr lang="en-US" dirty="0"/>
+            <a:r>
+              <a:rPr lang="en-US" dirty="0"/>
+              <a:t>Wie </a:t>
+            </a:r>
+            <a:r>
+              <a:rPr lang="en-US" dirty="0" err="1"/>
+              <a:t>sieht</a:t>
+            </a:r>
+            <a:r>
+              <a:rPr lang="en-US" dirty="0"/>
+              <a:t> das </a:t>
+            </a:r>
+            <a:r>
+              <a:rPr lang="en-US" dirty="0" err="1"/>
+              <a:t>dann</a:t>
+            </a:r>
+            <a:r>
+              <a:rPr lang="en-US" dirty="0"/>
+              <a:t> </a:t>
+            </a:r>
+            <a:r>
+              <a:rPr lang="en-US" dirty="0" err="1"/>
+              <a:t>aus</a:t>
+            </a:r>
+            <a:r>
+              <a:rPr lang="en-US" dirty="0"/>
+              <a:t>?</a:t>
+            </a:r>
           </a:p>
         </p:txBody>
       </p:sp>
@@ -9649,7 +9681,19 @@
           <a:bodyPr/>
           <a:lstStyle/>
           <a:p>
-            <a:endParaRPr lang="en-US"/>
+            <a:r>
+              <a:rPr lang="en-US" dirty="0" err="1"/>
+              <a:t>Hier</a:t>
+            </a:r>
+            <a:r>
+              <a:rPr lang="en-US" dirty="0"/>
+              <a:t> 1 Screenshot </a:t>
+            </a:r>
+            <a:r>
+              <a:rPr lang="en-US" dirty="0" err="1"/>
+              <a:t>einfügen</a:t>
+            </a:r>
+            <a:endParaRPr lang="en-US" dirty="0"/>
           </a:p>
         </p:txBody>
       </p:sp>

--- a/VUBA.pptx
+++ b/VUBA.pptx
@@ -878,16 +878,19 @@
         <a:lstStyle/>
         <a:p>
           <a:r>
-            <a:rPr lang="en-US" sz="3200" dirty="0"/>
+            <a:rPr lang="en-US" sz="2400" dirty="0"/>
             <a:t>3</a:t>
           </a:r>
           <a:r>
-            <a:rPr lang="en-US" sz="3200" baseline="30000" dirty="0"/>
-            <a:t>rd       </a:t>
+            <a:rPr lang="en-US" sz="2400" baseline="30000" dirty="0"/>
+            <a:t>rd </a:t>
           </a:r>
+          <a:br>
+            <a:rPr lang="en-US" sz="2400" baseline="30000" dirty="0"/>
+          </a:br>
           <a:r>
-            <a:rPr lang="en-US" sz="3200" dirty="0"/>
-            <a:t> Party API</a:t>
+            <a:rPr lang="en-US" sz="2400" dirty="0"/>
+            <a:t>Party API</a:t>
           </a:r>
         </a:p>
       </dgm:t>
@@ -1229,12 +1232,12 @@
         </a:fontRef>
       </dsp:style>
       <dsp:txBody>
-        <a:bodyPr spcFirstLastPara="0" vert="horz" wrap="square" lIns="40640" tIns="40640" rIns="40640" bIns="40640" numCol="1" spcCol="1270" anchor="ctr" anchorCtr="0">
+        <a:bodyPr spcFirstLastPara="0" vert="horz" wrap="square" lIns="30480" tIns="30480" rIns="30480" bIns="30480" numCol="1" spcCol="1270" anchor="ctr" anchorCtr="0">
           <a:noAutofit/>
         </a:bodyPr>
         <a:lstStyle/>
         <a:p>
-          <a:pPr marL="0" lvl="0" indent="0" algn="ctr" defTabSz="1422400">
+          <a:pPr marL="0" lvl="0" indent="0" algn="ctr" defTabSz="1066800">
             <a:lnSpc>
               <a:spcPct val="90000"/>
             </a:lnSpc>
@@ -1247,16 +1250,19 @@
             <a:buNone/>
           </a:pPr>
           <a:r>
-            <a:rPr lang="en-US" sz="3200" kern="1200" dirty="0"/>
+            <a:rPr lang="en-US" sz="2400" kern="1200" dirty="0"/>
             <a:t>3</a:t>
           </a:r>
           <a:r>
-            <a:rPr lang="en-US" sz="3200" kern="1200" baseline="30000" dirty="0"/>
-            <a:t>rd       </a:t>
+            <a:rPr lang="en-US" sz="2400" kern="1200" baseline="30000" dirty="0"/>
+            <a:t>rd </a:t>
           </a:r>
+          <a:br>
+            <a:rPr lang="en-US" sz="2400" kern="1200" baseline="30000" dirty="0"/>
+          </a:br>
           <a:r>
-            <a:rPr lang="en-US" sz="3200" kern="1200" dirty="0"/>
-            <a:t> Party API</a:t>
+            <a:rPr lang="en-US" sz="2400" kern="1200" dirty="0"/>
+            <a:t>Party API</a:t>
           </a:r>
         </a:p>
       </dsp:txBody>
@@ -9132,6 +9138,48 @@
           </a:p>
         </p:txBody>
       </p:sp>
+      <p:sp>
+        <p:nvSpPr>
+          <p:cNvPr id="4" name="TextBox 3">
+            <a:extLst>
+              <a:ext uri="{FF2B5EF4-FFF2-40B4-BE49-F238E27FC236}">
+                <a16:creationId xmlns:a16="http://schemas.microsoft.com/office/drawing/2014/main" id="{01B7627D-9DC4-4406-AA28-90BFDA48FEF3}"/>
+              </a:ext>
+            </a:extLst>
+          </p:cNvPr>
+          <p:cNvSpPr txBox="1"/>
+          <p:nvPr/>
+        </p:nvSpPr>
+        <p:spPr>
+          <a:xfrm>
+            <a:off x="683664" y="6206110"/>
+            <a:ext cx="4050706" cy="369332"/>
+          </a:xfrm>
+          <a:prstGeom prst="rect">
+            <a:avLst/>
+          </a:prstGeom>
+          <a:noFill/>
+        </p:spPr>
+        <p:txBody>
+          <a:bodyPr wrap="square" rtlCol="0">
+            <a:spAutoFit/>
+          </a:bodyPr>
+          <a:lstStyle/>
+          <a:p>
+            <a:r>
+              <a:rPr lang="en-US" dirty="0">
+                <a:solidFill>
+                  <a:schemeClr val="tx1">
+                    <a:lumMod val="75000"/>
+                    <a:lumOff val="25000"/>
+                  </a:schemeClr>
+                </a:solidFill>
+              </a:rPr>
+              <a:t>Felix, Marc, Frederik, Tobias B.</a:t>
+            </a:r>
+          </a:p>
+        </p:txBody>
+      </p:sp>
     </p:spTree>
     <p:extLst>
       <p:ext uri="{BB962C8B-B14F-4D97-AF65-F5344CB8AC3E}">
@@ -9309,7 +9357,15 @@
             </a:r>
             <a:r>
               <a:rPr lang="en-US" dirty="0"/>
-              <a:t> 10 </a:t>
+              <a:t> </a:t>
+            </a:r>
+            <a:r>
+              <a:rPr lang="en-US" dirty="0" err="1"/>
+              <a:t>mehreren</a:t>
+            </a:r>
+            <a:r>
+              <a:rPr lang="en-US" dirty="0"/>
+              <a:t> </a:t>
             </a:r>
             <a:r>
               <a:rPr lang="en-US" dirty="0" err="1"/>
@@ -9322,6 +9378,37 @@
             <a:r>
               <a:rPr lang="en-US" dirty="0" err="1"/>
               <a:t>gucken</a:t>
+            </a:r>
+            <a:endParaRPr lang="en-US" dirty="0"/>
+          </a:p>
+          <a:p>
+            <a:r>
+              <a:rPr lang="en-US" dirty="0" err="1"/>
+              <a:t>Anbieter</a:t>
+            </a:r>
+            <a:r>
+              <a:rPr lang="en-US" dirty="0"/>
+              <a:t> </a:t>
+            </a:r>
+            <a:r>
+              <a:rPr lang="en-US" dirty="0" err="1"/>
+              <a:t>starten</a:t>
+            </a:r>
+            <a:r>
+              <a:rPr lang="en-US" dirty="0"/>
+              <a:t> und </a:t>
+            </a:r>
+            <a:r>
+              <a:rPr lang="en-US" dirty="0" err="1"/>
+              <a:t>sterben</a:t>
+            </a:r>
+            <a:r>
+              <a:rPr lang="en-US" dirty="0"/>
+              <a:t> </a:t>
+            </a:r>
+            <a:r>
+              <a:rPr lang="en-US" dirty="0" err="1"/>
+              <a:t>wöchentlich</a:t>
             </a:r>
             <a:endParaRPr lang="en-US" dirty="0"/>
           </a:p>
@@ -9461,6 +9548,49 @@
             <a:endParaRPr lang="en-US" dirty="0"/>
           </a:p>
           <a:p>
+            <a:r>
+              <a:rPr lang="en-US" dirty="0"/>
+              <a:t>Wen man </a:t>
+            </a:r>
+            <a:r>
+              <a:rPr lang="en-US" dirty="0" err="1"/>
+              <a:t>Koordinaten</a:t>
+            </a:r>
+            <a:r>
+              <a:rPr lang="en-US" dirty="0"/>
+              <a:t> </a:t>
+            </a:r>
+            <a:r>
+              <a:rPr lang="en-US" dirty="0" err="1"/>
+              <a:t>vertauscht</a:t>
+            </a:r>
+            <a:r>
+              <a:rPr lang="en-US" dirty="0"/>
+              <a:t> </a:t>
+            </a:r>
+            <a:r>
+              <a:rPr lang="en-US" dirty="0" err="1"/>
+              <a:t>stellt</a:t>
+            </a:r>
+            <a:r>
+              <a:rPr lang="en-US" dirty="0"/>
+              <a:t> man fest das “</a:t>
+            </a:r>
+            <a:r>
+              <a:rPr lang="de-DE" dirty="0"/>
+              <a:t>An der Küste von Somalia stehen keine </a:t>
+            </a:r>
+            <a:r>
+              <a:rPr lang="de-DE" dirty="0" err="1"/>
+              <a:t>Bikesharing</a:t>
+            </a:r>
+            <a:r>
+              <a:rPr lang="de-DE"/>
+              <a:t> Räder“. </a:t>
+            </a:r>
+            <a:endParaRPr lang="en-US" dirty="0"/>
+          </a:p>
+          <a:p>
             <a:endParaRPr lang="en-US" dirty="0"/>
           </a:p>
         </p:txBody>
@@ -9551,7 +9681,7 @@
             <p:ph idx="1"/>
             <p:extLst>
               <p:ext uri="{D42A27DB-BD31-4B8C-83A1-F6EECF244321}">
-                <p14:modId xmlns:p14="http://schemas.microsoft.com/office/powerpoint/2010/main" val="3471170687"/>
+                <p14:modId xmlns:p14="http://schemas.microsoft.com/office/powerpoint/2010/main" val="2795368456"/>
               </p:ext>
             </p:extLst>
           </p:nvPr>

--- a/VUBA.pptx
+++ b/VUBA.pptx
@@ -9,7 +9,10 @@
     <p:sldId id="257" r:id="rId3"/>
     <p:sldId id="258" r:id="rId4"/>
     <p:sldId id="259" r:id="rId5"/>
-    <p:sldId id="260" r:id="rId6"/>
+    <p:sldId id="261" r:id="rId6"/>
+    <p:sldId id="260" r:id="rId7"/>
+    <p:sldId id="262" r:id="rId8"/>
+    <p:sldId id="263" r:id="rId9"/>
   </p:sldIdLst>
   <p:sldSz cx="12192000" cy="6858000"/>
   <p:notesSz cx="6858000" cy="9144000"/>
@@ -962,15 +965,7 @@
         <a:p>
           <a:r>
             <a:rPr lang="en-US" sz="3200" dirty="0"/>
-            <a:t>Clients (PWA, OSM </a:t>
-          </a:r>
-          <a:r>
-            <a:rPr lang="en-US" sz="3200" dirty="0" err="1"/>
-            <a:t>Karte</a:t>
-          </a:r>
-          <a:r>
-            <a:rPr lang="en-US" sz="3200" dirty="0"/>
-            <a:t>)</a:t>
+            <a:t>Clients (PWA, OpenStreetMap)</a:t>
           </a:r>
         </a:p>
       </dgm:t>
@@ -1503,15 +1498,7 @@
           </a:pPr>
           <a:r>
             <a:rPr lang="en-US" sz="3200" kern="1200" dirty="0"/>
-            <a:t>Clients (PWA, OSM </a:t>
-          </a:r>
-          <a:r>
-            <a:rPr lang="en-US" sz="3200" kern="1200" dirty="0" err="1"/>
-            <a:t>Karte</a:t>
-          </a:r>
-          <a:r>
-            <a:rPr lang="en-US" sz="3200" kern="1200" dirty="0"/>
-            <a:t>)</a:t>
+            <a:t>Clients (PWA, OpenStreetMap)</a:t>
           </a:r>
         </a:p>
       </dsp:txBody>
@@ -3518,7 +3505,7 @@
             <a:fld id="{B61BEF0D-F0BB-DE4B-95CE-6DB70DBA9567}" type="datetimeFigureOut">
               <a:rPr lang="en-US" smtClean="0"/>
               <a:pPr/>
-              <a:t>5/25/2019</a:t>
+              <a:t>5/25/19</a:t>
             </a:fld>
             <a:endParaRPr lang="en-US" dirty="0"/>
           </a:p>
@@ -3561,7 +3548,7 @@
             <a:fld id="{D57F1E4F-1CFF-5643-939E-217C01CDF565}" type="slidenum">
               <a:rPr lang="en-US" smtClean="0"/>
               <a:pPr/>
-              <a:t>‹#›</a:t>
+              <a:t>‹Nr.›</a:t>
             </a:fld>
             <a:endParaRPr lang="en-US" dirty="0"/>
           </a:p>
@@ -3783,7 +3770,7 @@
             <a:fld id="{B61BEF0D-F0BB-DE4B-95CE-6DB70DBA9567}" type="datetimeFigureOut">
               <a:rPr lang="en-US" smtClean="0"/>
               <a:pPr/>
-              <a:t>5/25/2019</a:t>
+              <a:t>5/25/19</a:t>
             </a:fld>
             <a:endParaRPr lang="en-US" dirty="0"/>
           </a:p>
@@ -3826,7 +3813,7 @@
             <a:fld id="{D57F1E4F-1CFF-5643-939E-217C01CDF565}" type="slidenum">
               <a:rPr lang="en-US" smtClean="0"/>
               <a:pPr/>
-              <a:t>‹#›</a:t>
+              <a:t>‹Nr.›</a:t>
             </a:fld>
             <a:endParaRPr lang="en-US" dirty="0"/>
           </a:p>
@@ -4111,7 +4098,7 @@
             <a:fld id="{B61BEF0D-F0BB-DE4B-95CE-6DB70DBA9567}" type="datetimeFigureOut">
               <a:rPr lang="en-US" smtClean="0"/>
               <a:pPr/>
-              <a:t>5/25/2019</a:t>
+              <a:t>5/25/19</a:t>
             </a:fld>
             <a:endParaRPr lang="en-US" dirty="0"/>
           </a:p>
@@ -4154,7 +4141,7 @@
             <a:fld id="{D57F1E4F-1CFF-5643-939E-217C01CDF565}" type="slidenum">
               <a:rPr lang="en-US" smtClean="0"/>
               <a:pPr/>
-              <a:t>‹#›</a:t>
+              <a:t>‹Nr.›</a:t>
             </a:fld>
             <a:endParaRPr lang="en-US" dirty="0"/>
           </a:p>
@@ -4466,7 +4453,7 @@
             <a:fld id="{B61BEF0D-F0BB-DE4B-95CE-6DB70DBA9567}" type="datetimeFigureOut">
               <a:rPr lang="en-US" smtClean="0"/>
               <a:pPr/>
-              <a:t>5/25/2019</a:t>
+              <a:t>5/25/19</a:t>
             </a:fld>
             <a:endParaRPr lang="en-US" dirty="0"/>
           </a:p>
@@ -4509,7 +4496,7 @@
             <a:fld id="{D57F1E4F-1CFF-5643-939E-217C01CDF565}" type="slidenum">
               <a:rPr lang="en-US" smtClean="0"/>
               <a:pPr/>
-              <a:t>‹#›</a:t>
+              <a:t>‹Nr.›</a:t>
             </a:fld>
             <a:endParaRPr lang="en-US" dirty="0"/>
           </a:p>
@@ -4794,7 +4781,7 @@
             <a:fld id="{B61BEF0D-F0BB-DE4B-95CE-6DB70DBA9567}" type="datetimeFigureOut">
               <a:rPr lang="en-US" smtClean="0"/>
               <a:pPr/>
-              <a:t>5/25/2019</a:t>
+              <a:t>5/25/19</a:t>
             </a:fld>
             <a:endParaRPr lang="en-US" dirty="0"/>
           </a:p>
@@ -4837,7 +4824,7 @@
             <a:fld id="{D57F1E4F-1CFF-5643-939E-217C01CDF565}" type="slidenum">
               <a:rPr lang="en-US" smtClean="0"/>
               <a:pPr/>
-              <a:t>‹#›</a:t>
+              <a:t>‹Nr.›</a:t>
             </a:fld>
             <a:endParaRPr lang="en-US" dirty="0"/>
           </a:p>
@@ -5201,7 +5188,7 @@
             <a:fld id="{B61BEF0D-F0BB-DE4B-95CE-6DB70DBA9567}" type="datetimeFigureOut">
               <a:rPr lang="en-US" smtClean="0"/>
               <a:pPr/>
-              <a:t>5/25/2019</a:t>
+              <a:t>5/25/19</a:t>
             </a:fld>
             <a:endParaRPr lang="en-US" dirty="0"/>
           </a:p>
@@ -5244,7 +5231,7 @@
             <a:fld id="{D57F1E4F-1CFF-5643-939E-217C01CDF565}" type="slidenum">
               <a:rPr lang="en-US" smtClean="0"/>
               <a:pPr/>
-              <a:t>‹#›</a:t>
+              <a:t>‹Nr.›</a:t>
             </a:fld>
             <a:endParaRPr lang="en-US" dirty="0"/>
           </a:p>
@@ -5384,7 +5371,7 @@
           <a:p>
             <a:fld id="{55C6B4A9-1611-4792-9094-5F34BCA07E0B}" type="datetimeFigureOut">
               <a:rPr lang="en-US" smtClean="0"/>
-              <a:t>5/25/2019</a:t>
+              <a:t>5/25/19</a:t>
             </a:fld>
             <a:endParaRPr lang="en-US" dirty="0"/>
           </a:p>
@@ -5426,7 +5413,7 @@
           <a:p>
             <a:fld id="{89333C77-0158-454C-844F-B7AB9BD7DAD4}" type="slidenum">
               <a:rPr lang="en-US" smtClean="0"/>
-              <a:t>‹#›</a:t>
+              <a:t>‹Nr.›</a:t>
             </a:fld>
             <a:endParaRPr lang="en-US" dirty="0"/>
           </a:p>
@@ -5577,7 +5564,7 @@
             <a:fld id="{B61BEF0D-F0BB-DE4B-95CE-6DB70DBA9567}" type="datetimeFigureOut">
               <a:rPr lang="en-US" smtClean="0"/>
               <a:pPr/>
-              <a:t>5/25/2019</a:t>
+              <a:t>5/25/19</a:t>
             </a:fld>
             <a:endParaRPr lang="en-US" dirty="0"/>
           </a:p>
@@ -5620,7 +5607,7 @@
             <a:fld id="{D57F1E4F-1CFF-5643-939E-217C01CDF565}" type="slidenum">
               <a:rPr lang="en-US" smtClean="0"/>
               <a:pPr/>
-              <a:t>‹#›</a:t>
+              <a:t>‹Nr.›</a:t>
             </a:fld>
             <a:endParaRPr lang="en-US" dirty="0"/>
           </a:p>
@@ -5767,7 +5754,7 @@
             <a:fld id="{B61BEF0D-F0BB-DE4B-95CE-6DB70DBA9567}" type="datetimeFigureOut">
               <a:rPr lang="en-US" smtClean="0"/>
               <a:pPr/>
-              <a:t>5/25/2019</a:t>
+              <a:t>5/25/19</a:t>
             </a:fld>
             <a:endParaRPr lang="en-US" dirty="0"/>
           </a:p>
@@ -5810,7 +5797,7 @@
             <a:fld id="{D57F1E4F-1CFF-5643-939E-217C01CDF565}" type="slidenum">
               <a:rPr lang="en-US" smtClean="0"/>
               <a:pPr/>
-              <a:t>‹#›</a:t>
+              <a:t>‹Nr.›</a:t>
             </a:fld>
             <a:endParaRPr lang="en-US" dirty="0"/>
           </a:p>
@@ -6252,7 +6239,7 @@
             <a:fld id="{B61BEF0D-F0BB-DE4B-95CE-6DB70DBA9567}" type="datetimeFigureOut">
               <a:rPr lang="en-US" smtClean="0"/>
               <a:pPr/>
-              <a:t>5/25/2019</a:t>
+              <a:t>5/25/19</a:t>
             </a:fld>
             <a:endParaRPr lang="en-US" dirty="0"/>
           </a:p>
@@ -6295,7 +6282,7 @@
             <a:fld id="{D57F1E4F-1CFF-5643-939E-217C01CDF565}" type="slidenum">
               <a:rPr lang="en-US" smtClean="0"/>
               <a:pPr/>
-              <a:t>‹#›</a:t>
+              <a:t>‹Nr.›</a:t>
             </a:fld>
             <a:endParaRPr lang="en-US" dirty="0"/>
           </a:p>
@@ -6497,7 +6484,7 @@
           <a:p>
             <a:fld id="{EB712588-04B1-427B-82EE-E8DB90309F08}" type="datetimeFigureOut">
               <a:rPr lang="en-US" smtClean="0"/>
-              <a:t>5/25/2019</a:t>
+              <a:t>5/25/19</a:t>
             </a:fld>
             <a:endParaRPr lang="en-US" dirty="0"/>
           </a:p>
@@ -6539,7 +6526,7 @@
           <a:p>
             <a:fld id="{6FF9F0C5-380F-41C2-899A-BAC0F0927E16}" type="slidenum">
               <a:rPr lang="en-US" smtClean="0"/>
-              <a:t>‹#›</a:t>
+              <a:t>‹Nr.›</a:t>
             </a:fld>
             <a:endParaRPr lang="en-US" dirty="0"/>
           </a:p>
@@ -6884,7 +6871,7 @@
             <a:fld id="{B61BEF0D-F0BB-DE4B-95CE-6DB70DBA9567}" type="datetimeFigureOut">
               <a:rPr lang="en-US" smtClean="0"/>
               <a:pPr/>
-              <a:t>5/25/2019</a:t>
+              <a:t>5/25/19</a:t>
             </a:fld>
             <a:endParaRPr lang="en-US" dirty="0"/>
           </a:p>
@@ -6927,7 +6914,7 @@
             <a:fld id="{D57F1E4F-1CFF-5643-939E-217C01CDF565}" type="slidenum">
               <a:rPr lang="en-US" smtClean="0"/>
               <a:pPr/>
-              <a:t>‹#›</a:t>
+              <a:t>‹Nr.›</a:t>
             </a:fld>
             <a:endParaRPr lang="en-US" dirty="0"/>
           </a:p>
@@ -7021,7 +7008,7 @@
             <a:fld id="{B61BEF0D-F0BB-DE4B-95CE-6DB70DBA9567}" type="datetimeFigureOut">
               <a:rPr lang="en-US" smtClean="0"/>
               <a:pPr/>
-              <a:t>5/25/2019</a:t>
+              <a:t>5/25/19</a:t>
             </a:fld>
             <a:endParaRPr lang="en-US" dirty="0"/>
           </a:p>
@@ -7064,7 +7051,7 @@
             <a:fld id="{D57F1E4F-1CFF-5643-939E-217C01CDF565}" type="slidenum">
               <a:rPr lang="en-US" smtClean="0"/>
               <a:pPr/>
-              <a:t>‹#›</a:t>
+              <a:t>‹Nr.›</a:t>
             </a:fld>
             <a:endParaRPr lang="en-US" dirty="0"/>
           </a:p>
@@ -7130,7 +7117,7 @@
             <a:fld id="{B61BEF0D-F0BB-DE4B-95CE-6DB70DBA9567}" type="datetimeFigureOut">
               <a:rPr lang="en-US" smtClean="0"/>
               <a:pPr/>
-              <a:t>5/25/2019</a:t>
+              <a:t>5/25/19</a:t>
             </a:fld>
             <a:endParaRPr lang="en-US" dirty="0"/>
           </a:p>
@@ -7173,7 +7160,7 @@
             <a:fld id="{D57F1E4F-1CFF-5643-939E-217C01CDF565}" type="slidenum">
               <a:rPr lang="en-US" smtClean="0"/>
               <a:pPr/>
-              <a:t>‹#›</a:t>
+              <a:t>‹Nr.›</a:t>
             </a:fld>
             <a:endParaRPr lang="en-US" dirty="0"/>
           </a:p>
@@ -7398,7 +7385,7 @@
           <a:p>
             <a:fld id="{42A54C80-263E-416B-A8E0-580EDEADCBDC}" type="datetimeFigureOut">
               <a:rPr lang="en-US" smtClean="0"/>
-              <a:t>5/25/2019</a:t>
+              <a:t>5/25/19</a:t>
             </a:fld>
             <a:endParaRPr lang="en-US" dirty="0"/>
           </a:p>
@@ -7440,7 +7427,7 @@
           <a:p>
             <a:fld id="{519954A3-9DFD-4C44-94BA-B95130A3BA1C}" type="slidenum">
               <a:rPr lang="en-US" smtClean="0"/>
-              <a:t>‹#›</a:t>
+              <a:t>‹Nr.›</a:t>
             </a:fld>
             <a:endParaRPr lang="en-US" dirty="0"/>
           </a:p>
@@ -7674,7 +7661,7 @@
             <a:fld id="{B61BEF0D-F0BB-DE4B-95CE-6DB70DBA9567}" type="datetimeFigureOut">
               <a:rPr lang="en-US" smtClean="0"/>
               <a:pPr/>
-              <a:t>5/25/2019</a:t>
+              <a:t>5/25/19</a:t>
             </a:fld>
             <a:endParaRPr lang="en-US" dirty="0"/>
           </a:p>
@@ -7717,7 +7704,7 @@
             <a:fld id="{D57F1E4F-1CFF-5643-939E-217C01CDF565}" type="slidenum">
               <a:rPr lang="en-US" smtClean="0"/>
               <a:pPr/>
-              <a:t>‹#›</a:t>
+              <a:t>‹Nr.›</a:t>
             </a:fld>
             <a:endParaRPr lang="en-US" dirty="0"/>
           </a:p>
@@ -8448,7 +8435,7 @@
             <a:fld id="{B61BEF0D-F0BB-DE4B-95CE-6DB70DBA9567}" type="datetimeFigureOut">
               <a:rPr lang="en-US" dirty="0"/>
               <a:pPr/>
-              <a:t>5/25/2019</a:t>
+              <a:t>5/25/19</a:t>
             </a:fld>
             <a:endParaRPr lang="en-US" dirty="0"/>
           </a:p>
@@ -8525,7 +8512,7 @@
             <a:fld id="{D57F1E4F-1CFF-5643-939E-217C01CDF565}" type="slidenum">
               <a:rPr lang="en-US" dirty="0"/>
               <a:pPr/>
-              <a:t>‹#›</a:t>
+              <a:t>‹Nr.›</a:t>
             </a:fld>
             <a:endParaRPr lang="en-US" dirty="0"/>
           </a:p>
@@ -9061,7 +9048,7 @@
             <a:pPr algn="l"/>
             <a:r>
               <a:rPr lang="en-US" sz="7200" dirty="0"/>
-              <a:t>VUBA</a:t>
+              <a:t>VÜBA</a:t>
             </a:r>
           </a:p>
         </p:txBody>
@@ -9108,7 +9095,7 @@
             <a:pPr algn="l"/>
             <a:r>
               <a:rPr lang="en-US" sz="2400" b="1" dirty="0" err="1"/>
-              <a:t>Ubersicht</a:t>
+              <a:t>Übersicht</a:t>
             </a:r>
             <a:r>
               <a:rPr lang="en-US" sz="2400" dirty="0"/>
@@ -9281,7 +9268,15 @@
             </a:r>
             <a:r>
               <a:rPr lang="en-US" dirty="0"/>
-              <a:t> VIELE Bike Sharing </a:t>
+              <a:t> VIELE </a:t>
+            </a:r>
+            <a:r>
+              <a:rPr lang="en-US" dirty="0" err="1"/>
+              <a:t>Bikesharing</a:t>
+            </a:r>
+            <a:r>
+              <a:rPr lang="en-US" dirty="0"/>
+              <a:t> </a:t>
             </a:r>
             <a:r>
               <a:rPr lang="en-US" dirty="0" err="1"/>
@@ -9341,7 +9336,15 @@
             </a:r>
             <a:r>
               <a:rPr lang="en-US" dirty="0"/>
-              <a:t> Bike </a:t>
+              <a:t> </a:t>
+            </a:r>
+            <a:r>
+              <a:rPr lang="en-US" dirty="0" err="1"/>
+              <a:t>Fahrrad</a:t>
+            </a:r>
+            <a:r>
+              <a:rPr lang="en-US" dirty="0"/>
+              <a:t> </a:t>
             </a:r>
             <a:r>
               <a:rPr lang="en-US" dirty="0" err="1"/>
@@ -9378,37 +9381,6 @@
             <a:r>
               <a:rPr lang="en-US" dirty="0" err="1"/>
               <a:t>gucken</a:t>
-            </a:r>
-            <a:endParaRPr lang="en-US" dirty="0"/>
-          </a:p>
-          <a:p>
-            <a:r>
-              <a:rPr lang="en-US" dirty="0" err="1"/>
-              <a:t>Anbieter</a:t>
-            </a:r>
-            <a:r>
-              <a:rPr lang="en-US" dirty="0"/>
-              <a:t> </a:t>
-            </a:r>
-            <a:r>
-              <a:rPr lang="en-US" dirty="0" err="1"/>
-              <a:t>starten</a:t>
-            </a:r>
-            <a:r>
-              <a:rPr lang="en-US" dirty="0"/>
-              <a:t> und </a:t>
-            </a:r>
-            <a:r>
-              <a:rPr lang="en-US" dirty="0" err="1"/>
-              <a:t>sterben</a:t>
-            </a:r>
-            <a:r>
-              <a:rPr lang="en-US" dirty="0"/>
-              <a:t> </a:t>
-            </a:r>
-            <a:r>
-              <a:rPr lang="en-US" dirty="0" err="1"/>
-              <a:t>wöchentlich</a:t>
             </a:r>
             <a:endParaRPr lang="en-US" dirty="0"/>
           </a:p>
@@ -9514,84 +9486,26 @@
           <a:lstStyle/>
           <a:p>
             <a:r>
-              <a:rPr lang="en-US" dirty="0"/>
-              <a:t>Eine PWA die Bikes von </a:t>
-            </a:r>
-            <a:r>
-              <a:rPr lang="en-US" dirty="0" err="1"/>
-              <a:t>vielen</a:t>
-            </a:r>
-            <a:r>
-              <a:rPr lang="en-US" dirty="0"/>
-              <a:t> </a:t>
-            </a:r>
-            <a:r>
-              <a:rPr lang="en-US" dirty="0" err="1"/>
-              <a:t>Anbietern</a:t>
-            </a:r>
-            <a:r>
-              <a:rPr lang="en-US" dirty="0"/>
-              <a:t> auf </a:t>
-            </a:r>
-            <a:r>
-              <a:rPr lang="en-US" dirty="0" err="1"/>
-              <a:t>einmal</a:t>
-            </a:r>
-            <a:r>
-              <a:rPr lang="en-US" dirty="0"/>
-              <a:t> </a:t>
-            </a:r>
-            <a:r>
-              <a:rPr lang="en-US" dirty="0" err="1"/>
-              <a:t>angezeigt</a:t>
-            </a:r>
-            <a:endParaRPr lang="en-US" dirty="0"/>
-          </a:p>
-          <a:p>
-            <a:r>
-              <a:rPr lang="en-US" dirty="0"/>
-              <a:t>Wen man </a:t>
-            </a:r>
-            <a:r>
-              <a:rPr lang="en-US" dirty="0" err="1"/>
-              <a:t>Koordinaten</a:t>
-            </a:r>
-            <a:r>
-              <a:rPr lang="en-US" dirty="0"/>
-              <a:t> </a:t>
-            </a:r>
-            <a:r>
-              <a:rPr lang="en-US" dirty="0" err="1"/>
-              <a:t>vertauscht</a:t>
-            </a:r>
-            <a:r>
-              <a:rPr lang="en-US" dirty="0"/>
-              <a:t> </a:t>
-            </a:r>
-            <a:r>
-              <a:rPr lang="en-US" dirty="0" err="1"/>
-              <a:t>stellt</a:t>
-            </a:r>
-            <a:r>
-              <a:rPr lang="en-US" dirty="0"/>
-              <a:t> man fest das “</a:t>
-            </a:r>
-            <a:r>
               <a:rPr lang="de-DE" dirty="0"/>
-              <a:t>An der Küste von Somalia stehen keine </a:t>
+              <a:t>Interface, welches die Schnittstellen(APIs) der </a:t>
             </a:r>
             <a:r>
               <a:rPr lang="de-DE" dirty="0" err="1"/>
               <a:t>Bikesharing</a:t>
             </a:r>
             <a:r>
-              <a:rPr lang="de-DE"/>
-              <a:t> Räder“. </a:t>
-            </a:r>
-            <a:endParaRPr lang="en-US" dirty="0"/>
-          </a:p>
-          <a:p>
-            <a:endParaRPr lang="en-US" dirty="0"/>
+              <a:rPr lang="de-DE" dirty="0"/>
+              <a:t> Anbieter zusammenfasst</a:t>
+            </a:r>
+          </a:p>
+          <a:p>
+            <a:endParaRPr lang="de-DE" b="1" dirty="0"/>
+          </a:p>
+          <a:p>
+            <a:r>
+              <a:rPr lang="de-DE" dirty="0"/>
+              <a:t>Eine Progressive Web App (PWA), welche die Positionen der nächsten Fahrräder zusammenfasst</a:t>
+            </a:r>
           </a:p>
         </p:txBody>
       </p:sp>
@@ -9660,7 +9574,7 @@
           <a:p>
             <a:r>
               <a:rPr lang="en-US" dirty="0"/>
-              <a:t>Wie</a:t>
+              <a:t>Wie?</a:t>
             </a:r>
           </a:p>
         </p:txBody>
@@ -9681,7 +9595,7 @@
             <p:ph idx="1"/>
             <p:extLst>
               <p:ext uri="{D42A27DB-BD31-4B8C-83A1-F6EECF244321}">
-                <p14:modId xmlns:p14="http://schemas.microsoft.com/office/powerpoint/2010/main" val="2795368456"/>
+                <p14:modId xmlns:p14="http://schemas.microsoft.com/office/powerpoint/2010/main" val="496064391"/>
               </p:ext>
             </p:extLst>
           </p:nvPr>
@@ -9740,6 +9654,262 @@
       </p:grpSpPr>
       <p:sp>
         <p:nvSpPr>
+          <p:cNvPr id="2" name="Titel 1">
+            <a:extLst>
+              <a:ext uri="{FF2B5EF4-FFF2-40B4-BE49-F238E27FC236}">
+                <a16:creationId xmlns:a16="http://schemas.microsoft.com/office/drawing/2014/main" id="{4CCB3A16-B829-624D-B2B0-E673473A1DBD}"/>
+              </a:ext>
+            </a:extLst>
+          </p:cNvPr>
+          <p:cNvSpPr>
+            <a:spLocks noGrp="1"/>
+          </p:cNvSpPr>
+          <p:nvPr>
+            <p:ph type="title"/>
+          </p:nvPr>
+        </p:nvSpPr>
+        <p:spPr/>
+        <p:txBody>
+          <a:bodyPr/>
+          <a:lstStyle/>
+          <a:p>
+            <a:r>
+              <a:rPr lang="de-DE" dirty="0" err="1"/>
+              <a:t>Lessons</a:t>
+            </a:r>
+            <a:r>
+              <a:rPr lang="de-DE" dirty="0"/>
+              <a:t> </a:t>
+            </a:r>
+            <a:r>
+              <a:rPr lang="de-DE" dirty="0" err="1"/>
+              <a:t>lerned</a:t>
+            </a:r>
+            <a:endParaRPr lang="de-DE" dirty="0"/>
+          </a:p>
+        </p:txBody>
+      </p:sp>
+      <p:sp>
+        <p:nvSpPr>
+          <p:cNvPr id="3" name="Inhaltsplatzhalter 2">
+            <a:extLst>
+              <a:ext uri="{FF2B5EF4-FFF2-40B4-BE49-F238E27FC236}">
+                <a16:creationId xmlns:a16="http://schemas.microsoft.com/office/drawing/2014/main" id="{B2284758-6443-7D49-9CF9-D7C68FDF3168}"/>
+              </a:ext>
+            </a:extLst>
+          </p:cNvPr>
+          <p:cNvSpPr>
+            <a:spLocks noGrp="1"/>
+          </p:cNvSpPr>
+          <p:nvPr>
+            <p:ph idx="1"/>
+          </p:nvPr>
+        </p:nvSpPr>
+        <p:spPr/>
+        <p:txBody>
+          <a:bodyPr/>
+          <a:lstStyle/>
+          <a:p>
+            <a:r>
+              <a:rPr lang="de-DE" dirty="0"/>
+              <a:t>Anbieter starten und sterben wöchentlich</a:t>
+            </a:r>
+          </a:p>
+          <a:p>
+            <a:endParaRPr lang="de-DE" dirty="0"/>
+          </a:p>
+          <a:p>
+            <a:r>
+              <a:rPr lang="de-DE" dirty="0"/>
+              <a:t>Wenn man Koordinaten vertauscht stellt man fest: “An der Küste von Somalia stehen keine </a:t>
+            </a:r>
+            <a:r>
+              <a:rPr lang="de-DE" dirty="0" err="1"/>
+              <a:t>Bikesharing</a:t>
+            </a:r>
+            <a:r>
+              <a:rPr lang="de-DE" dirty="0"/>
+              <a:t> Räder“. </a:t>
+            </a:r>
+            <a:endParaRPr lang="en-US" dirty="0"/>
+          </a:p>
+        </p:txBody>
+      </p:sp>
+    </p:spTree>
+    <p:extLst>
+      <p:ext uri="{BB962C8B-B14F-4D97-AF65-F5344CB8AC3E}">
+        <p14:creationId xmlns:p14="http://schemas.microsoft.com/office/powerpoint/2010/main" val="1166470266"/>
+      </p:ext>
+    </p:extLst>
+  </p:cSld>
+  <p:clrMapOvr>
+    <a:masterClrMapping/>
+  </p:clrMapOvr>
+  <mc:AlternateContent xmlns:mc="http://schemas.openxmlformats.org/markup-compatibility/2006" xmlns:p14="http://schemas.microsoft.com/office/powerpoint/2010/main">
+    <mc:Choice Requires="p14">
+      <p:transition p14:dur="250">
+        <p:push dir="u"/>
+      </p:transition>
+    </mc:Choice>
+    <mc:Fallback xmlns="">
+      <p:transition>
+        <p:push dir="u"/>
+      </p:transition>
+    </mc:Fallback>
+  </mc:AlternateContent>
+  <p:timing>
+    <p:tnLst>
+      <p:par>
+        <p:cTn id="1" dur="indefinite" restart="never" nodeType="tmRoot">
+          <p:childTnLst>
+            <p:seq concurrent="1" nextAc="seek">
+              <p:cTn id="2" dur="indefinite" nodeType="mainSeq">
+                <p:childTnLst>
+                  <p:par>
+                    <p:cTn id="3" fill="hold">
+                      <p:stCondLst>
+                        <p:cond delay="indefinite"/>
+                      </p:stCondLst>
+                      <p:childTnLst>
+                        <p:par>
+                          <p:cTn id="4" fill="hold">
+                            <p:stCondLst>
+                              <p:cond delay="0"/>
+                            </p:stCondLst>
+                            <p:childTnLst>
+                              <p:par>
+                                <p:cTn id="5" presetID="1" presetClass="entr" presetSubtype="0" fill="hold" grpId="0" nodeType="clickEffect">
+                                  <p:stCondLst>
+                                    <p:cond delay="0"/>
+                                  </p:stCondLst>
+                                  <p:childTnLst>
+                                    <p:set>
+                                      <p:cBhvr>
+                                        <p:cTn id="6" dur="1" fill="hold">
+                                          <p:stCondLst>
+                                            <p:cond delay="0"/>
+                                          </p:stCondLst>
+                                        </p:cTn>
+                                        <p:tgtEl>
+                                          <p:spTgt spid="3">
+                                            <p:txEl>
+                                              <p:pRg st="0" end="0"/>
+                                            </p:txEl>
+                                          </p:spTgt>
+                                        </p:tgtEl>
+                                        <p:attrNameLst>
+                                          <p:attrName>style.visibility</p:attrName>
+                                        </p:attrNameLst>
+                                      </p:cBhvr>
+                                      <p:to>
+                                        <p:strVal val="visible"/>
+                                      </p:to>
+                                    </p:set>
+                                  </p:childTnLst>
+                                </p:cTn>
+                              </p:par>
+                            </p:childTnLst>
+                          </p:cTn>
+                        </p:par>
+                      </p:childTnLst>
+                    </p:cTn>
+                  </p:par>
+                  <p:par>
+                    <p:cTn id="7" fill="hold">
+                      <p:stCondLst>
+                        <p:cond delay="indefinite"/>
+                      </p:stCondLst>
+                      <p:childTnLst>
+                        <p:par>
+                          <p:cTn id="8" fill="hold">
+                            <p:stCondLst>
+                              <p:cond delay="0"/>
+                            </p:stCondLst>
+                            <p:childTnLst>
+                              <p:par>
+                                <p:cTn id="9" presetID="1" presetClass="entr" presetSubtype="0" fill="hold" grpId="0" nodeType="clickEffect">
+                                  <p:stCondLst>
+                                    <p:cond delay="0"/>
+                                  </p:stCondLst>
+                                  <p:childTnLst>
+                                    <p:set>
+                                      <p:cBhvr>
+                                        <p:cTn id="10" dur="1" fill="hold">
+                                          <p:stCondLst>
+                                            <p:cond delay="0"/>
+                                          </p:stCondLst>
+                                        </p:cTn>
+                                        <p:tgtEl>
+                                          <p:spTgt spid="3">
+                                            <p:txEl>
+                                              <p:pRg st="2" end="2"/>
+                                            </p:txEl>
+                                          </p:spTgt>
+                                        </p:tgtEl>
+                                        <p:attrNameLst>
+                                          <p:attrName>style.visibility</p:attrName>
+                                        </p:attrNameLst>
+                                      </p:cBhvr>
+                                      <p:to>
+                                        <p:strVal val="visible"/>
+                                      </p:to>
+                                    </p:set>
+                                  </p:childTnLst>
+                                </p:cTn>
+                              </p:par>
+                            </p:childTnLst>
+                          </p:cTn>
+                        </p:par>
+                      </p:childTnLst>
+                    </p:cTn>
+                  </p:par>
+                </p:childTnLst>
+              </p:cTn>
+              <p:prevCondLst>
+                <p:cond evt="onPrev" delay="0">
+                  <p:tgtEl>
+                    <p:sldTgt/>
+                  </p:tgtEl>
+                </p:cond>
+              </p:prevCondLst>
+              <p:nextCondLst>
+                <p:cond evt="onNext" delay="0">
+                  <p:tgtEl>
+                    <p:sldTgt/>
+                  </p:tgtEl>
+                </p:cond>
+              </p:nextCondLst>
+            </p:seq>
+          </p:childTnLst>
+        </p:cTn>
+      </p:par>
+    </p:tnLst>
+    <p:bldLst>
+      <p:bldP spid="3" grpId="0" build="p"/>
+    </p:bldLst>
+  </p:timing>
+</p:sld>
+</file>
+
+<file path=ppt/slides/slide6.xml><?xml version="1.0" encoding="utf-8"?>
+<p:sld xmlns:a="http://schemas.openxmlformats.org/drawingml/2006/main" xmlns:r="http://schemas.openxmlformats.org/officeDocument/2006/relationships" xmlns:p="http://schemas.openxmlformats.org/presentationml/2006/main">
+  <p:cSld>
+    <p:spTree>
+      <p:nvGrpSpPr>
+        <p:cNvPr id="1" name=""/>
+        <p:cNvGrpSpPr/>
+        <p:nvPr/>
+      </p:nvGrpSpPr>
+      <p:grpSpPr>
+        <a:xfrm>
+          <a:off x="0" y="0"/>
+          <a:ext cx="0" cy="0"/>
+          <a:chOff x="0" y="0"/>
+          <a:chExt cx="0" cy="0"/>
+        </a:xfrm>
+      </p:grpSpPr>
+      <p:sp>
+        <p:nvSpPr>
           <p:cNvPr id="2" name="Title 1">
             <a:extLst>
               <a:ext uri="{FF2B5EF4-FFF2-40B4-BE49-F238E27FC236}">
@@ -9790,12 +9960,83 @@
           </a:p>
         </p:txBody>
       </p:sp>
-      <p:sp>
-        <p:nvSpPr>
-          <p:cNvPr id="3" name="Content Placeholder 2">
+      <p:pic>
+        <p:nvPicPr>
+          <p:cNvPr id="9" name="Grafik 8">
             <a:extLst>
               <a:ext uri="{FF2B5EF4-FFF2-40B4-BE49-F238E27FC236}">
-                <a16:creationId xmlns:a16="http://schemas.microsoft.com/office/drawing/2014/main" id="{F30F7B09-BF1E-4B04-9EA5-9C188DB1FC63}"/>
+                <a16:creationId xmlns:a16="http://schemas.microsoft.com/office/drawing/2014/main" id="{D0A322D9-DFE5-8E4A-92AD-3EEFF79B8559}"/>
+              </a:ext>
+            </a:extLst>
+          </p:cNvPr>
+          <p:cNvPicPr>
+            <a:picLocks noChangeAspect="1"/>
+          </p:cNvPicPr>
+          <p:nvPr/>
+        </p:nvPicPr>
+        <p:blipFill rotWithShape="1">
+          <a:blip r:embed="rId2"/>
+          <a:srcRect t="529" b="874"/>
+          <a:stretch/>
+        </p:blipFill>
+        <p:spPr>
+          <a:xfrm>
+            <a:off x="537883" y="1828800"/>
+            <a:ext cx="9072282" cy="4258235"/>
+          </a:xfrm>
+          <a:prstGeom prst="rect">
+            <a:avLst/>
+          </a:prstGeom>
+        </p:spPr>
+      </p:pic>
+    </p:spTree>
+    <p:extLst>
+      <p:ext uri="{BB962C8B-B14F-4D97-AF65-F5344CB8AC3E}">
+        <p14:creationId xmlns:p14="http://schemas.microsoft.com/office/powerpoint/2010/main" val="1544574938"/>
+      </p:ext>
+    </p:extLst>
+  </p:cSld>
+  <p:clrMapOvr>
+    <a:masterClrMapping/>
+  </p:clrMapOvr>
+  <mc:AlternateContent xmlns:mc="http://schemas.openxmlformats.org/markup-compatibility/2006" xmlns:p14="http://schemas.microsoft.com/office/powerpoint/2010/main">
+    <mc:Choice Requires="p14">
+      <p:transition p14:dur="250">
+        <p:push dir="u"/>
+      </p:transition>
+    </mc:Choice>
+    <mc:Fallback xmlns="">
+      <p:transition>
+        <p:push dir="u"/>
+      </p:transition>
+    </mc:Fallback>
+  </mc:AlternateContent>
+</p:sld>
+</file>
+
+<file path=ppt/slides/slide7.xml><?xml version="1.0" encoding="utf-8"?>
+<p:sld xmlns:a="http://schemas.openxmlformats.org/drawingml/2006/main" xmlns:r="http://schemas.openxmlformats.org/officeDocument/2006/relationships" xmlns:p="http://schemas.openxmlformats.org/presentationml/2006/main">
+  <p:cSld>
+    <p:spTree>
+      <p:nvGrpSpPr>
+        <p:cNvPr id="1" name=""/>
+        <p:cNvGrpSpPr/>
+        <p:nvPr/>
+      </p:nvGrpSpPr>
+      <p:grpSpPr>
+        <a:xfrm>
+          <a:off x="0" y="0"/>
+          <a:ext cx="0" cy="0"/>
+          <a:chOff x="0" y="0"/>
+          <a:chExt cx="0" cy="0"/>
+        </a:xfrm>
+      </p:grpSpPr>
+      <p:sp>
+        <p:nvSpPr>
+          <p:cNvPr id="2" name="Titel 1">
+            <a:extLst>
+              <a:ext uri="{FF2B5EF4-FFF2-40B4-BE49-F238E27FC236}">
+                <a16:creationId xmlns:a16="http://schemas.microsoft.com/office/drawing/2014/main" id="{15323A6B-D25A-9048-8839-160958C4FDAC}"/>
               </a:ext>
             </a:extLst>
           </p:cNvPr>
@@ -9803,34 +10044,100 @@
             <a:spLocks noGrp="1"/>
           </p:cNvSpPr>
           <p:nvPr>
-            <p:ph idx="1"/>
+            <p:ph type="title"/>
           </p:nvPr>
         </p:nvSpPr>
-        <p:spPr/>
+        <p:spPr>
+          <a:xfrm>
+            <a:off x="4621805" y="3056965"/>
+            <a:ext cx="8596668" cy="1320800"/>
+          </a:xfrm>
+        </p:spPr>
         <p:txBody>
           <a:bodyPr/>
           <a:lstStyle/>
           <a:p>
             <a:r>
-              <a:rPr lang="en-US" dirty="0" err="1"/>
-              <a:t>Hier</a:t>
-            </a:r>
-            <a:r>
-              <a:rPr lang="en-US" dirty="0"/>
-              <a:t> 1 Screenshot </a:t>
-            </a:r>
-            <a:r>
-              <a:rPr lang="en-US" dirty="0" err="1"/>
-              <a:t>einfügen</a:t>
-            </a:r>
-            <a:endParaRPr lang="en-US" dirty="0"/>
+              <a:rPr lang="de-DE" dirty="0"/>
+              <a:t>Demo</a:t>
+            </a:r>
           </a:p>
         </p:txBody>
       </p:sp>
     </p:spTree>
     <p:extLst>
       <p:ext uri="{BB962C8B-B14F-4D97-AF65-F5344CB8AC3E}">
-        <p14:creationId xmlns:p14="http://schemas.microsoft.com/office/powerpoint/2010/main" val="1544574938"/>
+        <p14:creationId xmlns:p14="http://schemas.microsoft.com/office/powerpoint/2010/main" val="2735349372"/>
+      </p:ext>
+    </p:extLst>
+  </p:cSld>
+  <p:clrMapOvr>
+    <a:masterClrMapping/>
+  </p:clrMapOvr>
+  <mc:AlternateContent xmlns:mc="http://schemas.openxmlformats.org/markup-compatibility/2006" xmlns:p14="http://schemas.microsoft.com/office/powerpoint/2010/main">
+    <mc:Choice Requires="p14">
+      <p:transition p14:dur="250">
+        <p:push dir="u"/>
+      </p:transition>
+    </mc:Choice>
+    <mc:Fallback xmlns="">
+      <p:transition>
+        <p:push dir="u"/>
+      </p:transition>
+    </mc:Fallback>
+  </mc:AlternateContent>
+</p:sld>
+</file>
+
+<file path=ppt/slides/slide8.xml><?xml version="1.0" encoding="utf-8"?>
+<p:sld xmlns:a="http://schemas.openxmlformats.org/drawingml/2006/main" xmlns:r="http://schemas.openxmlformats.org/officeDocument/2006/relationships" xmlns:p="http://schemas.openxmlformats.org/presentationml/2006/main">
+  <p:cSld>
+    <p:spTree>
+      <p:nvGrpSpPr>
+        <p:cNvPr id="1" name=""/>
+        <p:cNvGrpSpPr/>
+        <p:nvPr/>
+      </p:nvGrpSpPr>
+      <p:grpSpPr>
+        <a:xfrm>
+          <a:off x="0" y="0"/>
+          <a:ext cx="0" cy="0"/>
+          <a:chOff x="0" y="0"/>
+          <a:chExt cx="0" cy="0"/>
+        </a:xfrm>
+      </p:grpSpPr>
+      <p:sp>
+        <p:nvSpPr>
+          <p:cNvPr id="2" name="Titel 1">
+            <a:extLst>
+              <a:ext uri="{FF2B5EF4-FFF2-40B4-BE49-F238E27FC236}">
+                <a16:creationId xmlns:a16="http://schemas.microsoft.com/office/drawing/2014/main" id="{6F8D1016-A8A3-7D4C-B1EF-F25AA2D26CA3}"/>
+              </a:ext>
+            </a:extLst>
+          </p:cNvPr>
+          <p:cNvSpPr>
+            <a:spLocks noGrp="1"/>
+          </p:cNvSpPr>
+          <p:nvPr>
+            <p:ph type="ctrTitle"/>
+          </p:nvPr>
+        </p:nvSpPr>
+        <p:spPr/>
+        <p:txBody>
+          <a:bodyPr/>
+          <a:lstStyle/>
+          <a:p>
+            <a:r>
+              <a:rPr lang="de-DE" dirty="0"/>
+              <a:t>Vielen Dank für Eure Aufmerksamkeit</a:t>
+            </a:r>
+          </a:p>
+        </p:txBody>
+      </p:sp>
+    </p:spTree>
+    <p:extLst>
+      <p:ext uri="{BB962C8B-B14F-4D97-AF65-F5344CB8AC3E}">
+        <p14:creationId xmlns:p14="http://schemas.microsoft.com/office/powerpoint/2010/main" val="1538446440"/>
       </p:ext>
     </p:extLst>
   </p:cSld>

--- a/VUBA.pptx
+++ b/VUBA.pptx
@@ -9731,7 +9731,27 @@
               <a:rPr lang="de-DE" dirty="0"/>
               <a:t> Räder“. </a:t>
             </a:r>
-            <a:endParaRPr lang="en-US" dirty="0"/>
+          </a:p>
+          <a:p>
+            <a:endParaRPr lang="de-DE" dirty="0"/>
+          </a:p>
+          <a:p>
+            <a:r>
+              <a:rPr lang="de-DE" dirty="0"/>
+              <a:t>Bennent eure API Antwortparameter ordentlich.</a:t>
+            </a:r>
+            <a:br>
+              <a:rPr lang="en-US" dirty="0"/>
+            </a:br>
+            <a:r>
+              <a:rPr lang="en-US" dirty="0"/>
+              <a:t>(Distance </a:t>
+            </a:r>
+            <a:r>
+              <a:rPr lang="en-US"/>
+              <a:t>!= Position)</a:t>
+            </a:r>
+            <a:endParaRPr lang="de-DE" dirty="0"/>
           </a:p>
         </p:txBody>
       </p:sp>
@@ -9843,6 +9863,55 @@
                                           <p:spTgt spid="3">
                                             <p:txEl>
                                               <p:pRg st="2" end="2"/>
+                                            </p:txEl>
+                                          </p:spTgt>
+                                        </p:tgtEl>
+                                        <p:attrNameLst>
+                                          <p:attrName>style.visibility</p:attrName>
+                                        </p:attrNameLst>
+                                      </p:cBhvr>
+                                      <p:to>
+                                        <p:strVal val="visible"/>
+                                      </p:to>
+                                    </p:set>
+                                  </p:childTnLst>
+                                </p:cTn>
+                              </p:par>
+                            </p:childTnLst>
+                          </p:cTn>
+                        </p:par>
+                      </p:childTnLst>
+                    </p:cTn>
+                  </p:par>
+                  <p:par>
+                    <p:cTn id="11" fill="hold">
+                      <p:stCondLst>
+                        <p:cond delay="indefinite"/>
+                      </p:stCondLst>
+                      <p:childTnLst>
+                        <p:par>
+                          <p:cTn id="12" fill="hold">
+                            <p:stCondLst>
+                              <p:cond delay="0"/>
+                            </p:stCondLst>
+                            <p:childTnLst>
+                              <p:par>
+                                <p:cTn id="13" presetID="1" presetClass="entr" presetSubtype="0" fill="hold" grpId="0" nodeType="clickEffect">
+                                  <p:stCondLst>
+                                    <p:cond delay="0"/>
+                                  </p:stCondLst>
+                                  <p:childTnLst>
+                                    <p:set>
+                                      <p:cBhvr>
+                                        <p:cTn id="14" dur="1" fill="hold">
+                                          <p:stCondLst>
+                                            <p:cond delay="0"/>
+                                          </p:stCondLst>
+                                        </p:cTn>
+                                        <p:tgtEl>
+                                          <p:spTgt spid="3">
+                                            <p:txEl>
+                                              <p:pRg st="4" end="4"/>
                                             </p:txEl>
                                           </p:spTgt>
                                         </p:tgtEl>

--- a/VUBA.pptx
+++ b/VUBA.pptx
@@ -3505,7 +3505,7 @@
             <a:fld id="{B61BEF0D-F0BB-DE4B-95CE-6DB70DBA9567}" type="datetimeFigureOut">
               <a:rPr lang="en-US" smtClean="0"/>
               <a:pPr/>
-              <a:t>5/25/19</a:t>
+              <a:t>5/26/2019</a:t>
             </a:fld>
             <a:endParaRPr lang="en-US" dirty="0"/>
           </a:p>
@@ -3770,7 +3770,7 @@
             <a:fld id="{B61BEF0D-F0BB-DE4B-95CE-6DB70DBA9567}" type="datetimeFigureOut">
               <a:rPr lang="en-US" smtClean="0"/>
               <a:pPr/>
-              <a:t>5/25/19</a:t>
+              <a:t>5/26/2019</a:t>
             </a:fld>
             <a:endParaRPr lang="en-US" dirty="0"/>
           </a:p>
@@ -4098,7 +4098,7 @@
             <a:fld id="{B61BEF0D-F0BB-DE4B-95CE-6DB70DBA9567}" type="datetimeFigureOut">
               <a:rPr lang="en-US" smtClean="0"/>
               <a:pPr/>
-              <a:t>5/25/19</a:t>
+              <a:t>5/26/2019</a:t>
             </a:fld>
             <a:endParaRPr lang="en-US" dirty="0"/>
           </a:p>
@@ -4453,7 +4453,7 @@
             <a:fld id="{B61BEF0D-F0BB-DE4B-95CE-6DB70DBA9567}" type="datetimeFigureOut">
               <a:rPr lang="en-US" smtClean="0"/>
               <a:pPr/>
-              <a:t>5/25/19</a:t>
+              <a:t>5/26/2019</a:t>
             </a:fld>
             <a:endParaRPr lang="en-US" dirty="0"/>
           </a:p>
@@ -4781,7 +4781,7 @@
             <a:fld id="{B61BEF0D-F0BB-DE4B-95CE-6DB70DBA9567}" type="datetimeFigureOut">
               <a:rPr lang="en-US" smtClean="0"/>
               <a:pPr/>
-              <a:t>5/25/19</a:t>
+              <a:t>5/26/2019</a:t>
             </a:fld>
             <a:endParaRPr lang="en-US" dirty="0"/>
           </a:p>
@@ -5188,7 +5188,7 @@
             <a:fld id="{B61BEF0D-F0BB-DE4B-95CE-6DB70DBA9567}" type="datetimeFigureOut">
               <a:rPr lang="en-US" smtClean="0"/>
               <a:pPr/>
-              <a:t>5/25/19</a:t>
+              <a:t>5/26/2019</a:t>
             </a:fld>
             <a:endParaRPr lang="en-US" dirty="0"/>
           </a:p>
@@ -5371,7 +5371,7 @@
           <a:p>
             <a:fld id="{55C6B4A9-1611-4792-9094-5F34BCA07E0B}" type="datetimeFigureOut">
               <a:rPr lang="en-US" smtClean="0"/>
-              <a:t>5/25/19</a:t>
+              <a:t>5/26/2019</a:t>
             </a:fld>
             <a:endParaRPr lang="en-US" dirty="0"/>
           </a:p>
@@ -5564,7 +5564,7 @@
             <a:fld id="{B61BEF0D-F0BB-DE4B-95CE-6DB70DBA9567}" type="datetimeFigureOut">
               <a:rPr lang="en-US" smtClean="0"/>
               <a:pPr/>
-              <a:t>5/25/19</a:t>
+              <a:t>5/26/2019</a:t>
             </a:fld>
             <a:endParaRPr lang="en-US" dirty="0"/>
           </a:p>
@@ -5754,7 +5754,7 @@
             <a:fld id="{B61BEF0D-F0BB-DE4B-95CE-6DB70DBA9567}" type="datetimeFigureOut">
               <a:rPr lang="en-US" smtClean="0"/>
               <a:pPr/>
-              <a:t>5/25/19</a:t>
+              <a:t>5/26/2019</a:t>
             </a:fld>
             <a:endParaRPr lang="en-US" dirty="0"/>
           </a:p>
@@ -6239,7 +6239,7 @@
             <a:fld id="{B61BEF0D-F0BB-DE4B-95CE-6DB70DBA9567}" type="datetimeFigureOut">
               <a:rPr lang="en-US" smtClean="0"/>
               <a:pPr/>
-              <a:t>5/25/19</a:t>
+              <a:t>5/26/2019</a:t>
             </a:fld>
             <a:endParaRPr lang="en-US" dirty="0"/>
           </a:p>
@@ -6484,7 +6484,7 @@
           <a:p>
             <a:fld id="{EB712588-04B1-427B-82EE-E8DB90309F08}" type="datetimeFigureOut">
               <a:rPr lang="en-US" smtClean="0"/>
-              <a:t>5/25/19</a:t>
+              <a:t>5/26/2019</a:t>
             </a:fld>
             <a:endParaRPr lang="en-US" dirty="0"/>
           </a:p>
@@ -6871,7 +6871,7 @@
             <a:fld id="{B61BEF0D-F0BB-DE4B-95CE-6DB70DBA9567}" type="datetimeFigureOut">
               <a:rPr lang="en-US" smtClean="0"/>
               <a:pPr/>
-              <a:t>5/25/19</a:t>
+              <a:t>5/26/2019</a:t>
             </a:fld>
             <a:endParaRPr lang="en-US" dirty="0"/>
           </a:p>
@@ -7008,7 +7008,7 @@
             <a:fld id="{B61BEF0D-F0BB-DE4B-95CE-6DB70DBA9567}" type="datetimeFigureOut">
               <a:rPr lang="en-US" smtClean="0"/>
               <a:pPr/>
-              <a:t>5/25/19</a:t>
+              <a:t>5/26/2019</a:t>
             </a:fld>
             <a:endParaRPr lang="en-US" dirty="0"/>
           </a:p>
@@ -7117,7 +7117,7 @@
             <a:fld id="{B61BEF0D-F0BB-DE4B-95CE-6DB70DBA9567}" type="datetimeFigureOut">
               <a:rPr lang="en-US" smtClean="0"/>
               <a:pPr/>
-              <a:t>5/25/19</a:t>
+              <a:t>5/26/2019</a:t>
             </a:fld>
             <a:endParaRPr lang="en-US" dirty="0"/>
           </a:p>
@@ -7385,7 +7385,7 @@
           <a:p>
             <a:fld id="{42A54C80-263E-416B-A8E0-580EDEADCBDC}" type="datetimeFigureOut">
               <a:rPr lang="en-US" smtClean="0"/>
-              <a:t>5/25/19</a:t>
+              <a:t>5/26/2019</a:t>
             </a:fld>
             <a:endParaRPr lang="en-US" dirty="0"/>
           </a:p>
@@ -7661,7 +7661,7 @@
             <a:fld id="{B61BEF0D-F0BB-DE4B-95CE-6DB70DBA9567}" type="datetimeFigureOut">
               <a:rPr lang="en-US" smtClean="0"/>
               <a:pPr/>
-              <a:t>5/25/19</a:t>
+              <a:t>5/26/2019</a:t>
             </a:fld>
             <a:endParaRPr lang="en-US" dirty="0"/>
           </a:p>
@@ -8435,7 +8435,7 @@
             <a:fld id="{B61BEF0D-F0BB-DE4B-95CE-6DB70DBA9567}" type="datetimeFigureOut">
               <a:rPr lang="en-US" dirty="0"/>
               <a:pPr/>
-              <a:t>5/25/19</a:t>
+              <a:t>5/26/2019</a:t>
             </a:fld>
             <a:endParaRPr lang="en-US" dirty="0"/>
           </a:p>
@@ -10031,10 +10031,10 @@
       </p:sp>
       <p:pic>
         <p:nvPicPr>
-          <p:cNvPr id="9" name="Grafik 8">
+          <p:cNvPr id="4" name="Grafik 3">
             <a:extLst>
               <a:ext uri="{FF2B5EF4-FFF2-40B4-BE49-F238E27FC236}">
-                <a16:creationId xmlns:a16="http://schemas.microsoft.com/office/drawing/2014/main" id="{D0A322D9-DFE5-8E4A-92AD-3EEFF79B8559}"/>
+                <a16:creationId xmlns:a16="http://schemas.microsoft.com/office/drawing/2014/main" id="{8A04F9B6-4437-4E17-9661-654525121876}"/>
               </a:ext>
             </a:extLst>
           </p:cNvPr>
@@ -10045,13 +10045,13 @@
         </p:nvPicPr>
         <p:blipFill rotWithShape="1">
           <a:blip r:embed="rId2"/>
-          <a:srcRect t="529" b="874"/>
+          <a:srcRect r="15573"/>
           <a:stretch/>
         </p:blipFill>
         <p:spPr>
           <a:xfrm>
-            <a:off x="537883" y="1828800"/>
-            <a:ext cx="9072282" cy="4258235"/>
+            <a:off x="677334" y="1484537"/>
+            <a:ext cx="8596668" cy="4826007"/>
           </a:xfrm>
           <a:prstGeom prst="rect">
             <a:avLst/>

--- a/VUBA.pptx
+++ b/VUBA.pptx
@@ -3548,7 +3548,7 @@
             <a:fld id="{D57F1E4F-1CFF-5643-939E-217C01CDF565}" type="slidenum">
               <a:rPr lang="en-US" smtClean="0"/>
               <a:pPr/>
-              <a:t>‹Nr.›</a:t>
+              <a:t>‹#›</a:t>
             </a:fld>
             <a:endParaRPr lang="en-US" dirty="0"/>
           </a:p>
@@ -3813,7 +3813,7 @@
             <a:fld id="{D57F1E4F-1CFF-5643-939E-217C01CDF565}" type="slidenum">
               <a:rPr lang="en-US" smtClean="0"/>
               <a:pPr/>
-              <a:t>‹Nr.›</a:t>
+              <a:t>‹#›</a:t>
             </a:fld>
             <a:endParaRPr lang="en-US" dirty="0"/>
           </a:p>
@@ -4141,7 +4141,7 @@
             <a:fld id="{D57F1E4F-1CFF-5643-939E-217C01CDF565}" type="slidenum">
               <a:rPr lang="en-US" smtClean="0"/>
               <a:pPr/>
-              <a:t>‹Nr.›</a:t>
+              <a:t>‹#›</a:t>
             </a:fld>
             <a:endParaRPr lang="en-US" dirty="0"/>
           </a:p>
@@ -4496,7 +4496,7 @@
             <a:fld id="{D57F1E4F-1CFF-5643-939E-217C01CDF565}" type="slidenum">
               <a:rPr lang="en-US" smtClean="0"/>
               <a:pPr/>
-              <a:t>‹Nr.›</a:t>
+              <a:t>‹#›</a:t>
             </a:fld>
             <a:endParaRPr lang="en-US" dirty="0"/>
           </a:p>
@@ -4824,7 +4824,7 @@
             <a:fld id="{D57F1E4F-1CFF-5643-939E-217C01CDF565}" type="slidenum">
               <a:rPr lang="en-US" smtClean="0"/>
               <a:pPr/>
-              <a:t>‹Nr.›</a:t>
+              <a:t>‹#›</a:t>
             </a:fld>
             <a:endParaRPr lang="en-US" dirty="0"/>
           </a:p>
@@ -5231,7 +5231,7 @@
             <a:fld id="{D57F1E4F-1CFF-5643-939E-217C01CDF565}" type="slidenum">
               <a:rPr lang="en-US" smtClean="0"/>
               <a:pPr/>
-              <a:t>‹Nr.›</a:t>
+              <a:t>‹#›</a:t>
             </a:fld>
             <a:endParaRPr lang="en-US" dirty="0"/>
           </a:p>
@@ -5413,7 +5413,7 @@
           <a:p>
             <a:fld id="{89333C77-0158-454C-844F-B7AB9BD7DAD4}" type="slidenum">
               <a:rPr lang="en-US" smtClean="0"/>
-              <a:t>‹Nr.›</a:t>
+              <a:t>‹#›</a:t>
             </a:fld>
             <a:endParaRPr lang="en-US" dirty="0"/>
           </a:p>
@@ -5607,7 +5607,7 @@
             <a:fld id="{D57F1E4F-1CFF-5643-939E-217C01CDF565}" type="slidenum">
               <a:rPr lang="en-US" smtClean="0"/>
               <a:pPr/>
-              <a:t>‹Nr.›</a:t>
+              <a:t>‹#›</a:t>
             </a:fld>
             <a:endParaRPr lang="en-US" dirty="0"/>
           </a:p>
@@ -5797,7 +5797,7 @@
             <a:fld id="{D57F1E4F-1CFF-5643-939E-217C01CDF565}" type="slidenum">
               <a:rPr lang="en-US" smtClean="0"/>
               <a:pPr/>
-              <a:t>‹Nr.›</a:t>
+              <a:t>‹#›</a:t>
             </a:fld>
             <a:endParaRPr lang="en-US" dirty="0"/>
           </a:p>
@@ -6282,7 +6282,7 @@
             <a:fld id="{D57F1E4F-1CFF-5643-939E-217C01CDF565}" type="slidenum">
               <a:rPr lang="en-US" smtClean="0"/>
               <a:pPr/>
-              <a:t>‹Nr.›</a:t>
+              <a:t>‹#›</a:t>
             </a:fld>
             <a:endParaRPr lang="en-US" dirty="0"/>
           </a:p>
@@ -6526,7 +6526,7 @@
           <a:p>
             <a:fld id="{6FF9F0C5-380F-41C2-899A-BAC0F0927E16}" type="slidenum">
               <a:rPr lang="en-US" smtClean="0"/>
-              <a:t>‹Nr.›</a:t>
+              <a:t>‹#›</a:t>
             </a:fld>
             <a:endParaRPr lang="en-US" dirty="0"/>
           </a:p>
@@ -6914,7 +6914,7 @@
             <a:fld id="{D57F1E4F-1CFF-5643-939E-217C01CDF565}" type="slidenum">
               <a:rPr lang="en-US" smtClean="0"/>
               <a:pPr/>
-              <a:t>‹Nr.›</a:t>
+              <a:t>‹#›</a:t>
             </a:fld>
             <a:endParaRPr lang="en-US" dirty="0"/>
           </a:p>
@@ -7051,7 +7051,7 @@
             <a:fld id="{D57F1E4F-1CFF-5643-939E-217C01CDF565}" type="slidenum">
               <a:rPr lang="en-US" smtClean="0"/>
               <a:pPr/>
-              <a:t>‹Nr.›</a:t>
+              <a:t>‹#›</a:t>
             </a:fld>
             <a:endParaRPr lang="en-US" dirty="0"/>
           </a:p>
@@ -7160,7 +7160,7 @@
             <a:fld id="{D57F1E4F-1CFF-5643-939E-217C01CDF565}" type="slidenum">
               <a:rPr lang="en-US" smtClean="0"/>
               <a:pPr/>
-              <a:t>‹Nr.›</a:t>
+              <a:t>‹#›</a:t>
             </a:fld>
             <a:endParaRPr lang="en-US" dirty="0"/>
           </a:p>
@@ -7427,7 +7427,7 @@
           <a:p>
             <a:fld id="{519954A3-9DFD-4C44-94BA-B95130A3BA1C}" type="slidenum">
               <a:rPr lang="en-US" smtClean="0"/>
-              <a:t>‹Nr.›</a:t>
+              <a:t>‹#›</a:t>
             </a:fld>
             <a:endParaRPr lang="en-US" dirty="0"/>
           </a:p>
@@ -7704,7 +7704,7 @@
             <a:fld id="{D57F1E4F-1CFF-5643-939E-217C01CDF565}" type="slidenum">
               <a:rPr lang="en-US" smtClean="0"/>
               <a:pPr/>
-              <a:t>‹Nr.›</a:t>
+              <a:t>‹#›</a:t>
             </a:fld>
             <a:endParaRPr lang="en-US" dirty="0"/>
           </a:p>
@@ -8512,7 +8512,7 @@
             <a:fld id="{D57F1E4F-1CFF-5643-939E-217C01CDF565}" type="slidenum">
               <a:rPr lang="en-US" dirty="0"/>
               <a:pPr/>
-              <a:t>‹Nr.›</a:t>
+              <a:t>‹#›</a:t>
             </a:fld>
             <a:endParaRPr lang="en-US" dirty="0"/>
           </a:p>
@@ -9707,7 +9707,9 @@
         </p:nvSpPr>
         <p:spPr/>
         <p:txBody>
-          <a:bodyPr/>
+          <a:bodyPr>
+            <a:normAutofit lnSpcReduction="10000"/>
+          </a:bodyPr>
           <a:lstStyle/>
           <a:p>
             <a:r>
@@ -9745,11 +9747,123 @@
             </a:br>
             <a:r>
               <a:rPr lang="en-US" dirty="0"/>
-              <a:t>(Distance </a:t>
+              <a:t>(Distance != Position)</a:t>
+            </a:r>
+          </a:p>
+          <a:p>
+            <a:endParaRPr lang="en-US" dirty="0"/>
+          </a:p>
+          <a:p>
+            <a:r>
+              <a:rPr lang="en-US" dirty="0" err="1"/>
+              <a:t>Dokumentiert</a:t>
+            </a:r>
+            <a:r>
+              <a:rPr lang="en-US" dirty="0"/>
+              <a:t> die API</a:t>
+            </a:r>
+          </a:p>
+          <a:p>
+            <a:r>
+              <a:rPr lang="en-US" dirty="0" err="1"/>
+              <a:t>Wenn</a:t>
+            </a:r>
+            <a:r>
+              <a:rPr lang="en-US" dirty="0"/>
+              <a:t> </a:t>
+            </a:r>
+            <a:r>
+              <a:rPr lang="en-US" dirty="0" err="1"/>
+              <a:t>ihr</a:t>
+            </a:r>
+            <a:r>
+              <a:rPr lang="en-US" dirty="0"/>
+              <a:t> </a:t>
+            </a:r>
+            <a:r>
+              <a:rPr lang="en-US" dirty="0" err="1"/>
+              <a:t>eine</a:t>
+            </a:r>
+            <a:r>
+              <a:rPr lang="en-US" dirty="0"/>
+              <a:t> Python Server </a:t>
+            </a:r>
+            <a:r>
+              <a:rPr lang="en-US" dirty="0" err="1"/>
+              <a:t>Bibliothek</a:t>
+            </a:r>
+            <a:r>
+              <a:rPr lang="en-US" dirty="0"/>
+              <a:t> </a:t>
+            </a:r>
+            <a:r>
+              <a:rPr lang="en-US" dirty="0" err="1"/>
+              <a:t>entwickelt</a:t>
+            </a:r>
+            <a:r>
+              <a:rPr lang="en-US" dirty="0"/>
+              <a:t> </a:t>
+            </a:r>
+            <a:r>
+              <a:rPr lang="en-US" dirty="0" err="1"/>
+              <a:t>schreibt</a:t>
+            </a:r>
+            <a:r>
+              <a:rPr lang="en-US" dirty="0"/>
+              <a:t> </a:t>
+            </a:r>
+            <a:r>
+              <a:rPr lang="en-US" dirty="0" err="1"/>
+              <a:t>bitte</a:t>
+            </a:r>
+            <a:r>
+              <a:rPr lang="en-US" dirty="0"/>
+              <a:t> </a:t>
+            </a:r>
+            <a:r>
+              <a:rPr lang="en-US" dirty="0" err="1"/>
+              <a:t>nicht</a:t>
+            </a:r>
+            <a:r>
+              <a:rPr lang="en-US" dirty="0"/>
+              <a:t> </a:t>
+            </a:r>
+            <a:br>
+              <a:rPr lang="en-US" dirty="0"/>
+            </a:br>
+            <a:r>
+              <a:rPr lang="en-US" dirty="0">
+                <a:latin typeface="Ubuntu Mono" panose="020B0509030602030204" pitchFamily="49" charset="0"/>
+              </a:rPr>
+              <a:t>* Running on </a:t>
+            </a:r>
+            <a:r>
+              <a:rPr lang="en-US" dirty="0"/>
+              <a:t>in den Error Stream, das </a:t>
+            </a:r>
+            <a:r>
+              <a:rPr lang="en-US" dirty="0" err="1"/>
+              <a:t>ist</a:t>
+            </a:r>
+            <a:r>
+              <a:rPr lang="en-US" dirty="0"/>
+              <a:t> </a:t>
             </a:r>
             <a:r>
               <a:rPr lang="en-US"/>
-              <a:t>!= Position)</a:t>
+              <a:t>für</a:t>
+            </a:r>
+            <a:r>
+              <a:rPr lang="en-US" dirty="0"/>
+              <a:t> CI </a:t>
+            </a:r>
+            <a:r>
+              <a:rPr lang="en-US" dirty="0" err="1"/>
+              <a:t>nicht</a:t>
+            </a:r>
+            <a:r>
+              <a:rPr lang="en-US" dirty="0"/>
+              <a:t> toll</a:t>
             </a:r>
             <a:endParaRPr lang="de-DE" dirty="0"/>
           </a:p>
@@ -9912,6 +10026,104 @@
                                           <p:spTgt spid="3">
                                             <p:txEl>
                                               <p:pRg st="4" end="4"/>
+                                            </p:txEl>
+                                          </p:spTgt>
+                                        </p:tgtEl>
+                                        <p:attrNameLst>
+                                          <p:attrName>style.visibility</p:attrName>
+                                        </p:attrNameLst>
+                                      </p:cBhvr>
+                                      <p:to>
+                                        <p:strVal val="visible"/>
+                                      </p:to>
+                                    </p:set>
+                                  </p:childTnLst>
+                                </p:cTn>
+                              </p:par>
+                            </p:childTnLst>
+                          </p:cTn>
+                        </p:par>
+                      </p:childTnLst>
+                    </p:cTn>
+                  </p:par>
+                  <p:par>
+                    <p:cTn id="15" fill="hold">
+                      <p:stCondLst>
+                        <p:cond delay="indefinite"/>
+                      </p:stCondLst>
+                      <p:childTnLst>
+                        <p:par>
+                          <p:cTn id="16" fill="hold">
+                            <p:stCondLst>
+                              <p:cond delay="0"/>
+                            </p:stCondLst>
+                            <p:childTnLst>
+                              <p:par>
+                                <p:cTn id="17" presetID="1" presetClass="entr" presetSubtype="0" fill="hold" grpId="0" nodeType="clickEffect">
+                                  <p:stCondLst>
+                                    <p:cond delay="0"/>
+                                  </p:stCondLst>
+                                  <p:childTnLst>
+                                    <p:set>
+                                      <p:cBhvr>
+                                        <p:cTn id="18" dur="1" fill="hold">
+                                          <p:stCondLst>
+                                            <p:cond delay="0"/>
+                                          </p:stCondLst>
+                                        </p:cTn>
+                                        <p:tgtEl>
+                                          <p:spTgt spid="3">
+                                            <p:txEl>
+                                              <p:pRg st="6" end="6"/>
+                                            </p:txEl>
+                                          </p:spTgt>
+                                        </p:tgtEl>
+                                        <p:attrNameLst>
+                                          <p:attrName>style.visibility</p:attrName>
+                                        </p:attrNameLst>
+                                      </p:cBhvr>
+                                      <p:to>
+                                        <p:strVal val="visible"/>
+                                      </p:to>
+                                    </p:set>
+                                  </p:childTnLst>
+                                </p:cTn>
+                              </p:par>
+                            </p:childTnLst>
+                          </p:cTn>
+                        </p:par>
+                      </p:childTnLst>
+                    </p:cTn>
+                  </p:par>
+                  <p:par>
+                    <p:cTn id="19" fill="hold">
+                      <p:stCondLst>
+                        <p:cond delay="indefinite"/>
+                      </p:stCondLst>
+                      <p:childTnLst>
+                        <p:par>
+                          <p:cTn id="20" fill="hold">
+                            <p:stCondLst>
+                              <p:cond delay="0"/>
+                            </p:stCondLst>
+                            <p:childTnLst>
+                              <p:par>
+                                <p:cTn id="21" presetID="1" presetClass="entr" presetSubtype="0" fill="hold" grpId="0" nodeType="clickEffect">
+                                  <p:stCondLst>
+                                    <p:cond delay="0"/>
+                                  </p:stCondLst>
+                                  <p:childTnLst>
+                                    <p:set>
+                                      <p:cBhvr>
+                                        <p:cTn id="22" dur="1" fill="hold">
+                                          <p:stCondLst>
+                                            <p:cond delay="0"/>
+                                          </p:stCondLst>
+                                        </p:cTn>
+                                        <p:tgtEl>
+                                          <p:spTgt spid="3">
+                                            <p:txEl>
+                                              <p:pRg st="7" end="7"/>
                                             </p:txEl>
                                           </p:spTgt>
                                         </p:tgtEl>
